--- a/presentations/Multiple blood feeding case studies.pptx
+++ b/presentations/Multiple blood feeding case studies.pptx
@@ -5,7 +5,7 @@
     <p:sldMasterId id="2147483648" r:id="rId1"/>
   </p:sldMasterIdLst>
   <p:notesMasterIdLst>
-    <p:notesMasterId r:id="rId35"/>
+    <p:notesMasterId r:id="rId37"/>
   </p:notesMasterIdLst>
   <p:sldIdLst>
     <p:sldId id="256" r:id="rId2"/>
@@ -14,8 +14,8 @@
     <p:sldId id="261" r:id="rId5"/>
     <p:sldId id="260" r:id="rId6"/>
     <p:sldId id="262" r:id="rId7"/>
-    <p:sldId id="263" r:id="rId8"/>
-    <p:sldId id="273" r:id="rId9"/>
+    <p:sldId id="273" r:id="rId8"/>
+    <p:sldId id="263" r:id="rId9"/>
     <p:sldId id="267" r:id="rId10"/>
     <p:sldId id="283" r:id="rId11"/>
     <p:sldId id="282" r:id="rId12"/>
@@ -25,22 +25,24 @@
     <p:sldId id="266" r:id="rId16"/>
     <p:sldId id="272" r:id="rId17"/>
     <p:sldId id="269" r:id="rId18"/>
-    <p:sldId id="271" r:id="rId19"/>
-    <p:sldId id="270" r:id="rId20"/>
-    <p:sldId id="275" r:id="rId21"/>
-    <p:sldId id="277" r:id="rId22"/>
-    <p:sldId id="289" r:id="rId23"/>
-    <p:sldId id="276" r:id="rId24"/>
-    <p:sldId id="286" r:id="rId25"/>
-    <p:sldId id="287" r:id="rId26"/>
-    <p:sldId id="290" r:id="rId27"/>
-    <p:sldId id="291" r:id="rId28"/>
-    <p:sldId id="292" r:id="rId29"/>
-    <p:sldId id="280" r:id="rId30"/>
-    <p:sldId id="285" r:id="rId31"/>
-    <p:sldId id="284" r:id="rId32"/>
-    <p:sldId id="281" r:id="rId33"/>
-    <p:sldId id="279" r:id="rId34"/>
+    <p:sldId id="294" r:id="rId19"/>
+    <p:sldId id="271" r:id="rId20"/>
+    <p:sldId id="270" r:id="rId21"/>
+    <p:sldId id="275" r:id="rId22"/>
+    <p:sldId id="277" r:id="rId23"/>
+    <p:sldId id="289" r:id="rId24"/>
+    <p:sldId id="276" r:id="rId25"/>
+    <p:sldId id="286" r:id="rId26"/>
+    <p:sldId id="287" r:id="rId27"/>
+    <p:sldId id="290" r:id="rId28"/>
+    <p:sldId id="291" r:id="rId29"/>
+    <p:sldId id="293" r:id="rId30"/>
+    <p:sldId id="292" r:id="rId31"/>
+    <p:sldId id="280" r:id="rId32"/>
+    <p:sldId id="285" r:id="rId33"/>
+    <p:sldId id="284" r:id="rId34"/>
+    <p:sldId id="281" r:id="rId35"/>
+    <p:sldId id="279" r:id="rId36"/>
   </p:sldIdLst>
   <p:sldSz cx="12192000" cy="6858000"/>
   <p:notesSz cx="6858000" cy="9144000"/>
@@ -150,8 +152,8 @@
             <p14:sldId id="261"/>
             <p14:sldId id="260"/>
             <p14:sldId id="262"/>
+            <p14:sldId id="273"/>
             <p14:sldId id="263"/>
-            <p14:sldId id="273"/>
             <p14:sldId id="267"/>
             <p14:sldId id="283"/>
             <p14:sldId id="282"/>
@@ -161,6 +163,7 @@
             <p14:sldId id="266"/>
             <p14:sldId id="272"/>
             <p14:sldId id="269"/>
+            <p14:sldId id="294"/>
             <p14:sldId id="271"/>
             <p14:sldId id="270"/>
             <p14:sldId id="275"/>
@@ -175,6 +178,7 @@
             <p14:sldId id="287"/>
             <p14:sldId id="290"/>
             <p14:sldId id="291"/>
+            <p14:sldId id="293"/>
             <p14:sldId id="292"/>
             <p14:sldId id="280"/>
             <p14:sldId id="285"/>
@@ -771,7 +775,7 @@
           <a:p>
             <a:fld id="{7E593231-B4C8-4C6C-A1E5-334C41ED4BA2}" type="datetimeFigureOut">
               <a:rPr lang="en-US" smtClean="0"/>
-              <a:t>12/13/2023</a:t>
+              <a:t>12/21/2023</a:t>
             </a:fld>
             <a:endParaRPr lang="en-US"/>
           </a:p>
@@ -1291,7 +1295,7 @@
           <a:p>
             <a:fld id="{C625EF6B-6ACB-46E5-B99D-705B55B044BD}" type="slidenum">
               <a:rPr lang="en-US" smtClean="0"/>
-              <a:t>22</a:t>
+              <a:t>23</a:t>
             </a:fld>
             <a:endParaRPr lang="en-US"/>
           </a:p>
@@ -1384,7 +1388,7 @@
           <a:p>
             <a:fld id="{C625EF6B-6ACB-46E5-B99D-705B55B044BD}" type="slidenum">
               <a:rPr lang="en-US" smtClean="0"/>
-              <a:t>24</a:t>
+              <a:t>25</a:t>
             </a:fld>
             <a:endParaRPr lang="en-US"/>
           </a:p>
@@ -1468,7 +1472,7 @@
           <a:p>
             <a:fld id="{C625EF6B-6ACB-46E5-B99D-705B55B044BD}" type="slidenum">
               <a:rPr lang="en-US" smtClean="0"/>
-              <a:t>25</a:t>
+              <a:t>26</a:t>
             </a:fld>
             <a:endParaRPr lang="en-US"/>
           </a:p>
@@ -1634,7 +1638,7 @@
           <a:p>
             <a:fld id="{96F84401-F3A6-4A61-8137-AFB11B61968D}" type="datetimeFigureOut">
               <a:rPr lang="en-US" smtClean="0"/>
-              <a:t>12/13/2023</a:t>
+              <a:t>12/21/2023</a:t>
             </a:fld>
             <a:endParaRPr lang="en-US"/>
           </a:p>
@@ -1832,7 +1836,7 @@
           <a:p>
             <a:fld id="{96F84401-F3A6-4A61-8137-AFB11B61968D}" type="datetimeFigureOut">
               <a:rPr lang="en-US" smtClean="0"/>
-              <a:t>12/13/2023</a:t>
+              <a:t>12/21/2023</a:t>
             </a:fld>
             <a:endParaRPr lang="en-US"/>
           </a:p>
@@ -2040,7 +2044,7 @@
           <a:p>
             <a:fld id="{96F84401-F3A6-4A61-8137-AFB11B61968D}" type="datetimeFigureOut">
               <a:rPr lang="en-US" smtClean="0"/>
-              <a:t>12/13/2023</a:t>
+              <a:t>12/21/2023</a:t>
             </a:fld>
             <a:endParaRPr lang="en-US"/>
           </a:p>
@@ -2238,7 +2242,7 @@
           <a:p>
             <a:fld id="{96F84401-F3A6-4A61-8137-AFB11B61968D}" type="datetimeFigureOut">
               <a:rPr lang="en-US" smtClean="0"/>
-              <a:t>12/13/2023</a:t>
+              <a:t>12/21/2023</a:t>
             </a:fld>
             <a:endParaRPr lang="en-US"/>
           </a:p>
@@ -2513,7 +2517,7 @@
           <a:p>
             <a:fld id="{96F84401-F3A6-4A61-8137-AFB11B61968D}" type="datetimeFigureOut">
               <a:rPr lang="en-US" smtClean="0"/>
-              <a:t>12/13/2023</a:t>
+              <a:t>12/21/2023</a:t>
             </a:fld>
             <a:endParaRPr lang="en-US"/>
           </a:p>
@@ -2778,7 +2782,7 @@
           <a:p>
             <a:fld id="{96F84401-F3A6-4A61-8137-AFB11B61968D}" type="datetimeFigureOut">
               <a:rPr lang="en-US" smtClean="0"/>
-              <a:t>12/13/2023</a:t>
+              <a:t>12/21/2023</a:t>
             </a:fld>
             <a:endParaRPr lang="en-US"/>
           </a:p>
@@ -3190,7 +3194,7 @@
           <a:p>
             <a:fld id="{96F84401-F3A6-4A61-8137-AFB11B61968D}" type="datetimeFigureOut">
               <a:rPr lang="en-US" smtClean="0"/>
-              <a:t>12/13/2023</a:t>
+              <a:t>12/21/2023</a:t>
             </a:fld>
             <a:endParaRPr lang="en-US"/>
           </a:p>
@@ -3331,7 +3335,7 @@
           <a:p>
             <a:fld id="{96F84401-F3A6-4A61-8137-AFB11B61968D}" type="datetimeFigureOut">
               <a:rPr lang="en-US" smtClean="0"/>
-              <a:t>12/13/2023</a:t>
+              <a:t>12/21/2023</a:t>
             </a:fld>
             <a:endParaRPr lang="en-US"/>
           </a:p>
@@ -3444,7 +3448,7 @@
           <a:p>
             <a:fld id="{96F84401-F3A6-4A61-8137-AFB11B61968D}" type="datetimeFigureOut">
               <a:rPr lang="en-US" smtClean="0"/>
-              <a:t>12/13/2023</a:t>
+              <a:t>12/21/2023</a:t>
             </a:fld>
             <a:endParaRPr lang="en-US"/>
           </a:p>
@@ -3755,7 +3759,7 @@
           <a:p>
             <a:fld id="{96F84401-F3A6-4A61-8137-AFB11B61968D}" type="datetimeFigureOut">
               <a:rPr lang="en-US" smtClean="0"/>
-              <a:t>12/13/2023</a:t>
+              <a:t>12/21/2023</a:t>
             </a:fld>
             <a:endParaRPr lang="en-US"/>
           </a:p>
@@ -4043,7 +4047,7 @@
           <a:p>
             <a:fld id="{96F84401-F3A6-4A61-8137-AFB11B61968D}" type="datetimeFigureOut">
               <a:rPr lang="en-US" smtClean="0"/>
-              <a:t>12/13/2023</a:t>
+              <a:t>12/21/2023</a:t>
             </a:fld>
             <a:endParaRPr lang="en-US"/>
           </a:p>
@@ -4284,7 +4288,7 @@
           <a:p>
             <a:fld id="{96F84401-F3A6-4A61-8137-AFB11B61968D}" type="datetimeFigureOut">
               <a:rPr lang="en-US" smtClean="0"/>
-              <a:t>12/13/2023</a:t>
+              <a:t>12/21/2023</a:t>
             </a:fld>
             <a:endParaRPr lang="en-US"/>
           </a:p>
@@ -5558,7 +5562,7 @@
             <p:spPr>
               <a:xfrm>
                 <a:off x="2846853" y="3191178"/>
-                <a:ext cx="1143646" cy="276999"/>
+                <a:ext cx="1092350" cy="276999"/>
               </a:xfrm>
               <a:prstGeom prst="rect">
                 <a:avLst/>
@@ -5613,7 +5617,7 @@
                         <a:rPr lang="en-US" i="1">
                           <a:latin typeface="Cambria Math" panose="02040503050406030204" pitchFamily="18" charset="0"/>
                         </a:rPr>
-                        <m:t>) </m:t>
+                        <m:t>)</m:t>
                       </m:r>
                       <m:sSub>
                         <m:sSubPr>
@@ -5666,7 +5670,7 @@
             <p:spPr>
               <a:xfrm>
                 <a:off x="2846853" y="3191178"/>
-                <a:ext cx="1143646" cy="276999"/>
+                <a:ext cx="1092350" cy="276999"/>
               </a:xfrm>
               <a:prstGeom prst="rect">
                 <a:avLst/>
@@ -5674,7 +5678,7 @@
               <a:blipFill>
                 <a:blip r:embed="rId2"/>
                 <a:stretch>
-                  <a:fillRect l="-6915" t="-2174" r="-1596" b="-32609"/>
+                  <a:fillRect l="-7263" t="-2174" r="-2235" b="-32609"/>
                 </a:stretch>
               </a:blipFill>
             </p:spPr>
@@ -6487,19 +6491,19 @@
                 </a:r>
                 <a:r>
                   <a:rPr lang="en-US" sz="2400" u="sng" dirty="0"/>
-                  <a:t>only</a:t>
-                </a:r>
-                <a:r>
-                  <a:rPr lang="en-US" sz="2400" dirty="0"/>
-                  <a:t> </a:t>
-                </a:r>
-                <a:r>
-                  <a:rPr lang="en-US" sz="2400" i="1" dirty="0" err="1"/>
-                  <a:t>i</a:t>
+                  <a:t>one additional</a:t>
                 </a:r>
                 <a:r>
                   <a:rPr lang="en-US" sz="2400" i="1" dirty="0"/>
                   <a:t> </a:t>
+                </a:r>
+                <a:r>
+                  <a:rPr lang="en-US" sz="2400" dirty="0"/>
+                  <a:t>blood meal having had exactly </a:t>
+                </a:r>
+                <a:r>
+                  <a:rPr lang="en-US" sz="2400" i="1" dirty="0"/>
+                  <a:t>i-1 </a:t>
                 </a:r>
                 <a:r>
                   <a:rPr lang="en-US" sz="2400" dirty="0"/>
@@ -6542,19 +6546,11 @@
                 </a14:m>
                 <a:r>
                   <a:rPr lang="en-US" sz="2400" dirty="0"/>
-                  <a:t> the rate of proceeding from blood-feeding state </a:t>
+                  <a:t> the rate of proceeding out of blood-feeding state </a:t>
                 </a:r>
                 <a:r>
                   <a:rPr lang="en-US" sz="2400" i="1" dirty="0"/>
                   <a:t>j</a:t>
-                </a:r>
-                <a:r>
-                  <a:rPr lang="en-US" sz="2400" dirty="0"/>
-                  <a:t> to </a:t>
-                </a:r>
-                <a:r>
-                  <a:rPr lang="en-US" sz="2400" i="1" dirty="0"/>
-                  <a:t>j+1</a:t>
                 </a:r>
                 <a:endParaRPr lang="en-US" sz="2400" dirty="0"/>
               </a:p>
@@ -9913,6 +9909,18 @@
                           <a:rPr lang="en-US" sz="2400" b="0" i="1" smtClean="0">
                             <a:latin typeface="Cambria Math" panose="02040503050406030204" pitchFamily="18" charset="0"/>
                           </a:rPr>
+                          <m:t>𝑖</m:t>
+                        </m:r>
+                        <m:r>
+                          <a:rPr lang="en-US" sz="2400" b="0" i="1" smtClean="0">
+                            <a:latin typeface="Cambria Math" panose="02040503050406030204" pitchFamily="18" charset="0"/>
+                          </a:rPr>
+                          <m:t>,</m:t>
+                        </m:r>
+                        <m:r>
+                          <a:rPr lang="en-US" sz="2400" b="0" i="1" smtClean="0">
+                            <a:latin typeface="Cambria Math" panose="02040503050406030204" pitchFamily="18" charset="0"/>
+                          </a:rPr>
                           <m:t>𝑗</m:t>
                         </m:r>
                       </m:sub>
@@ -9921,7 +9929,19 @@
                 </a14:m>
                 <a:r>
                   <a:rPr lang="en-US" sz="2400" dirty="0"/>
-                  <a:t> the rate of proceeding from blood-feeding state </a:t>
+                  <a:t> the rate a mosquito of type </a:t>
+                </a:r>
+                <a:r>
+                  <a:rPr lang="en-US" sz="2400" i="1" dirty="0" err="1"/>
+                  <a:t>i</a:t>
+                </a:r>
+                <a:r>
+                  <a:rPr lang="en-US" sz="2400" i="1" dirty="0"/>
+                  <a:t> </a:t>
+                </a:r>
+                <a:r>
+                  <a:rPr lang="en-US" sz="2400" dirty="0"/>
+                  <a:t>proceeds out of blood-feeding state </a:t>
                 </a:r>
                 <a:r>
                   <a:rPr lang="en-US" sz="2400" i="1" dirty="0"/>
@@ -10953,7 +10973,6 @@
               </a:lstStyle>
               <a:p>
                 <a:pPr marL="0" indent="0">
-                  <a:buFont typeface="Arial" panose="020B0604020202020204" pitchFamily="34" charset="0"/>
                   <a:buNone/>
                 </a:pPr>
                 <a:r>
@@ -10975,7 +10994,7 @@
                       </m:sSubPr>
                       <m:e>
                         <m:r>
-                          <a:rPr lang="en-US" sz="2400" b="0" i="1" smtClean="0">
+                          <a:rPr lang="en-US" sz="2400" i="1">
                             <a:latin typeface="Cambria Math" panose="02040503050406030204" pitchFamily="18" charset="0"/>
                           </a:rPr>
                           <m:t>𝜎</m:t>
@@ -11002,19 +11021,19 @@
                 </a:r>
                 <a:r>
                   <a:rPr lang="en-US" sz="2400" u="sng" dirty="0"/>
-                  <a:t>only</a:t>
-                </a:r>
-                <a:r>
-                  <a:rPr lang="en-US" sz="2400" dirty="0"/>
-                  <a:t> </a:t>
-                </a:r>
-                <a:r>
-                  <a:rPr lang="en-US" sz="2400" i="1" dirty="0" err="1"/>
-                  <a:t>i</a:t>
+                  <a:t>one additional</a:t>
                 </a:r>
                 <a:r>
                   <a:rPr lang="en-US" sz="2400" i="1" dirty="0"/>
                   <a:t> </a:t>
+                </a:r>
+                <a:r>
+                  <a:rPr lang="en-US" sz="2400" dirty="0"/>
+                  <a:t>blood meal having had exactly </a:t>
+                </a:r>
+                <a:r>
+                  <a:rPr lang="en-US" sz="2400" i="1" dirty="0"/>
+                  <a:t>i-1 </a:t>
                 </a:r>
                 <a:r>
                   <a:rPr lang="en-US" sz="2400" dirty="0"/>
@@ -11057,19 +11076,11 @@
                 </a14:m>
                 <a:r>
                   <a:rPr lang="en-US" sz="2400" dirty="0"/>
-                  <a:t> the rate of proceeding from blood-feeding state </a:t>
+                  <a:t> the rate of proceeding out of blood-feeding state </a:t>
                 </a:r>
                 <a:r>
                   <a:rPr lang="en-US" sz="2400" i="1" dirty="0"/>
                   <a:t>j</a:t>
-                </a:r>
-                <a:r>
-                  <a:rPr lang="en-US" sz="2400" dirty="0"/>
-                  <a:t> to </a:t>
-                </a:r>
-                <a:r>
-                  <a:rPr lang="en-US" sz="2400" i="1" dirty="0"/>
-                  <a:t>j+1</a:t>
                 </a:r>
                 <a:endParaRPr lang="en-US" sz="2400" dirty="0"/>
               </a:p>
@@ -19564,266 +19575,111 @@
           </a:p>
         </p:txBody>
       </p:sp>
-      <mc:AlternateContent xmlns:mc="http://schemas.openxmlformats.org/markup-compatibility/2006" xmlns:a14="http://schemas.microsoft.com/office/drawing/2010/main">
-        <mc:Choice Requires="a14">
-          <p:sp>
-            <p:nvSpPr>
-              <p:cNvPr id="3" name="Content Placeholder 2">
-                <a:extLst>
-                  <a:ext uri="{FF2B5EF4-FFF2-40B4-BE49-F238E27FC236}">
-                    <a16:creationId xmlns:a16="http://schemas.microsoft.com/office/drawing/2014/main" id="{F90C027B-2682-76EA-FC1A-61A815F7E2B3}"/>
-                  </a:ext>
-                </a:extLst>
-              </p:cNvPr>
-              <p:cNvSpPr>
-                <a:spLocks noGrp="1"/>
-              </p:cNvSpPr>
-              <p:nvPr>
-                <p:ph idx="1"/>
-              </p:nvPr>
-            </p:nvSpPr>
-            <p:spPr/>
-            <p:txBody>
-              <a:bodyPr>
-                <a:normAutofit fontScale="92500" lnSpcReduction="20000"/>
-              </a:bodyPr>
-              <a:lstStyle/>
-              <a:p>
-                <a:r>
-                  <a:rPr lang="en-US" dirty="0"/>
-                  <a:t>Can we use data to fit the </a:t>
-                </a:r>
-                <a14:m>
-                  <m:oMath xmlns:m="http://schemas.openxmlformats.org/officeDocument/2006/math">
-                    <m:sSub>
-                      <m:sSubPr>
-                        <m:ctrlPr>
-                          <a:rPr lang="en-US" sz="2800" i="1" smtClean="0">
-                            <a:latin typeface="Cambria Math" panose="02040503050406030204" pitchFamily="18" charset="0"/>
-                          </a:rPr>
-                        </m:ctrlPr>
-                      </m:sSubPr>
-                      <m:e>
-                        <m:r>
-                          <a:rPr lang="en-US" sz="2800" i="1">
-                            <a:latin typeface="Cambria Math" panose="02040503050406030204" pitchFamily="18" charset="0"/>
-                          </a:rPr>
-                          <m:t>𝜌</m:t>
-                        </m:r>
-                      </m:e>
-                      <m:sub>
-                        <m:r>
-                          <a:rPr lang="en-US" sz="2800" i="1">
-                            <a:latin typeface="Cambria Math" panose="02040503050406030204" pitchFamily="18" charset="0"/>
-                          </a:rPr>
-                          <m:t>𝑖</m:t>
-                        </m:r>
-                      </m:sub>
-                    </m:sSub>
-                  </m:oMath>
-                </a14:m>
-                <a:r>
-                  <a:rPr lang="en-US" dirty="0"/>
-                  <a:t>’s and </a:t>
-                </a:r>
-                <a14:m>
-                  <m:oMath xmlns:m="http://schemas.openxmlformats.org/officeDocument/2006/math">
-                    <m:sSub>
-                      <m:sSubPr>
-                        <m:ctrlPr>
-                          <a:rPr lang="en-US" i="1">
-                            <a:latin typeface="Cambria Math" panose="02040503050406030204" pitchFamily="18" charset="0"/>
-                          </a:rPr>
-                        </m:ctrlPr>
-                      </m:sSubPr>
-                      <m:e>
-                        <m:r>
-                          <a:rPr lang="en-US" i="1">
-                            <a:latin typeface="Cambria Math" panose="02040503050406030204" pitchFamily="18" charset="0"/>
-                          </a:rPr>
-                          <m:t>𝜆</m:t>
-                        </m:r>
-                      </m:e>
-                      <m:sub>
-                        <m:r>
-                          <a:rPr lang="en-US" i="1">
-                            <a:latin typeface="Cambria Math" panose="02040503050406030204" pitchFamily="18" charset="0"/>
-                          </a:rPr>
-                          <m:t>𝑗</m:t>
-                        </m:r>
-                      </m:sub>
-                    </m:sSub>
-                  </m:oMath>
-                </a14:m>
-                <a:r>
-                  <a:rPr lang="en-US" dirty="0"/>
-                  <a:t>’s?</a:t>
-                </a:r>
-              </a:p>
-              <a:p>
-                <a:pPr lvl="1"/>
-                <a:r>
-                  <a:rPr lang="en-US" dirty="0"/>
-                  <a:t>Data only tells us the proportion of mosquitoes collected which have had 1, 2, etc. blood meals in their current gonotrophic cycle</a:t>
-                </a:r>
-              </a:p>
-              <a:p>
-                <a:pPr lvl="1"/>
-                <a:endParaRPr lang="en-US" dirty="0"/>
-              </a:p>
-              <a:p>
-                <a:r>
-                  <a:rPr lang="en-US" dirty="0"/>
-                  <a:t>With these models, can we independently set average mosquito lifespan and average number of gonotrophic cycle in a single lifespan?</a:t>
-                </a:r>
-              </a:p>
-              <a:p>
-                <a:pPr lvl="1"/>
-                <a:r>
-                  <a:rPr lang="en-US" dirty="0"/>
-                  <a:t>May relate to identifiability: we have too many co-dependent parameters</a:t>
-                </a:r>
-              </a:p>
-              <a:p>
-                <a:pPr lvl="1"/>
-                <a:endParaRPr lang="en-US" dirty="0"/>
-              </a:p>
-              <a:p>
-                <a:r>
-                  <a:rPr lang="en-US" dirty="0"/>
-                  <a:t>If we use the same </a:t>
-                </a:r>
-                <a14:m>
-                  <m:oMath xmlns:m="http://schemas.openxmlformats.org/officeDocument/2006/math">
-                    <m:sSub>
-                      <m:sSubPr>
-                        <m:ctrlPr>
-                          <a:rPr lang="en-US" sz="2800" i="1" smtClean="0">
-                            <a:latin typeface="Cambria Math" panose="02040503050406030204" pitchFamily="18" charset="0"/>
-                          </a:rPr>
-                        </m:ctrlPr>
-                      </m:sSubPr>
-                      <m:e>
-                        <m:r>
-                          <a:rPr lang="en-US" sz="2800" i="1">
-                            <a:latin typeface="Cambria Math" panose="02040503050406030204" pitchFamily="18" charset="0"/>
-                          </a:rPr>
-                          <m:t>𝜌</m:t>
-                        </m:r>
-                      </m:e>
-                      <m:sub>
-                        <m:r>
-                          <a:rPr lang="en-US" sz="2800" i="1">
-                            <a:latin typeface="Cambria Math" panose="02040503050406030204" pitchFamily="18" charset="0"/>
-                          </a:rPr>
-                          <m:t>𝑖</m:t>
-                        </m:r>
-                      </m:sub>
-                    </m:sSub>
-                  </m:oMath>
-                </a14:m>
-                <a:r>
-                  <a:rPr lang="en-US" dirty="0"/>
-                  <a:t>’s and </a:t>
-                </a:r>
-                <a14:m>
-                  <m:oMath xmlns:m="http://schemas.openxmlformats.org/officeDocument/2006/math">
-                    <m:sSub>
-                      <m:sSubPr>
-                        <m:ctrlPr>
-                          <a:rPr lang="en-US" i="1">
-                            <a:latin typeface="Cambria Math" panose="02040503050406030204" pitchFamily="18" charset="0"/>
-                          </a:rPr>
-                        </m:ctrlPr>
-                      </m:sSubPr>
-                      <m:e>
-                        <m:r>
-                          <a:rPr lang="en-US" i="1">
-                            <a:latin typeface="Cambria Math" panose="02040503050406030204" pitchFamily="18" charset="0"/>
-                          </a:rPr>
-                          <m:t>𝜆</m:t>
-                        </m:r>
-                      </m:e>
-                      <m:sub>
-                        <m:r>
-                          <a:rPr lang="en-US" i="1">
-                            <a:latin typeface="Cambria Math" panose="02040503050406030204" pitchFamily="18" charset="0"/>
-                          </a:rPr>
-                          <m:t>𝑗</m:t>
-                        </m:r>
-                      </m:sub>
-                    </m:sSub>
-                  </m:oMath>
-                </a14:m>
-                <a:r>
-                  <a:rPr lang="en-US" dirty="0"/>
-                  <a:t>’s in both models, how do results from each model differ?</a:t>
-                </a:r>
-              </a:p>
-              <a:p>
-                <a:pPr lvl="1"/>
-                <a:r>
-                  <a:rPr lang="en-US" dirty="0"/>
-                  <a:t>Distribution of biting stages at equilibrium</a:t>
-                </a:r>
-              </a:p>
-              <a:p>
-                <a:pPr lvl="1"/>
-                <a:r>
-                  <a:rPr lang="en-US" dirty="0"/>
-                  <a:t>Reproductive number</a:t>
-                </a:r>
-              </a:p>
-              <a:p>
-                <a:pPr lvl="1"/>
-                <a:r>
-                  <a:rPr lang="en-US" dirty="0"/>
-                  <a:t>Transmission potential</a:t>
-                </a:r>
-              </a:p>
-            </p:txBody>
-          </p:sp>
-        </mc:Choice>
-        <mc:Fallback xmlns="">
-          <p:sp>
-            <p:nvSpPr>
-              <p:cNvPr id="3" name="Content Placeholder 2">
-                <a:extLst>
-                  <a:ext uri="{FF2B5EF4-FFF2-40B4-BE49-F238E27FC236}">
-                    <a16:creationId xmlns:a16="http://schemas.microsoft.com/office/drawing/2014/main" id="{F90C027B-2682-76EA-FC1A-61A815F7E2B3}"/>
-                  </a:ext>
-                </a:extLst>
-              </p:cNvPr>
-              <p:cNvSpPr>
-                <a:spLocks noGrp="1" noRot="1" noChangeAspect="1" noMove="1" noResize="1" noEditPoints="1" noAdjustHandles="1" noChangeArrowheads="1" noChangeShapeType="1" noTextEdit="1"/>
-              </p:cNvSpPr>
-              <p:nvPr>
-                <p:ph idx="1"/>
-              </p:nvPr>
-            </p:nvSpPr>
-            <p:spPr>
-              <a:blipFill>
-                <a:blip r:embed="rId2"/>
-                <a:stretch>
-                  <a:fillRect l="-928" t="-3221"/>
-                </a:stretch>
-              </a:blipFill>
-            </p:spPr>
-            <p:txBody>
-              <a:bodyPr/>
-              <a:lstStyle/>
-              <a:p>
-                <a:r>
-                  <a:rPr lang="en-US">
-                    <a:noFill/>
-                  </a:rPr>
-                  <a:t> </a:t>
-                </a:r>
-              </a:p>
-            </p:txBody>
-          </p:sp>
-        </mc:Fallback>
-      </mc:AlternateContent>
+      <p:sp>
+        <p:nvSpPr>
+          <p:cNvPr id="3" name="Content Placeholder 2">
+            <a:extLst>
+              <a:ext uri="{FF2B5EF4-FFF2-40B4-BE49-F238E27FC236}">
+                <a16:creationId xmlns:a16="http://schemas.microsoft.com/office/drawing/2014/main" id="{F90C027B-2682-76EA-FC1A-61A815F7E2B3}"/>
+              </a:ext>
+            </a:extLst>
+          </p:cNvPr>
+          <p:cNvSpPr>
+            <a:spLocks noGrp="1"/>
+          </p:cNvSpPr>
+          <p:nvPr>
+            <p:ph idx="1"/>
+          </p:nvPr>
+        </p:nvSpPr>
+        <p:spPr>
+          <a:xfrm>
+            <a:off x="838200" y="1499346"/>
+            <a:ext cx="10515600" cy="5069541"/>
+          </a:xfrm>
+        </p:spPr>
+        <p:txBody>
+          <a:bodyPr>
+            <a:normAutofit fontScale="85000" lnSpcReduction="20000"/>
+          </a:bodyPr>
+          <a:lstStyle/>
+          <a:p>
+            <a:r>
+              <a:rPr lang="en-US" dirty="0"/>
+              <a:t>It’s possible that different species fit better into different models of multiple blood feeding. How can we tell which model fits better?</a:t>
+            </a:r>
+          </a:p>
+          <a:p>
+            <a:r>
+              <a:rPr lang="en-US" dirty="0"/>
+              <a:t>What is a fair comparison between the two models?</a:t>
+            </a:r>
+          </a:p>
+          <a:p>
+            <a:r>
+              <a:rPr lang="en-US" dirty="0"/>
+              <a:t>Can we use data to fit the probabilities and rates?</a:t>
+            </a:r>
+          </a:p>
+          <a:p>
+            <a:pPr lvl="1"/>
+            <a:r>
+              <a:rPr lang="en-US" dirty="0"/>
+              <a:t>Data only tells us the proportion of mosquitoes collected which have had 1, 2, etc. blood meals in their current gonotrophic cycle</a:t>
+            </a:r>
+          </a:p>
+          <a:p>
+            <a:pPr lvl="1"/>
+            <a:r>
+              <a:rPr lang="en-US" dirty="0"/>
+              <a:t>What types of data exist? The available data might predetermine the best model. Data might suggest which model fits better.</a:t>
+            </a:r>
+          </a:p>
+          <a:p>
+            <a:r>
+              <a:rPr lang="en-US" dirty="0"/>
+              <a:t>With these models, can we independently set average mosquito lifespan and average number of gonotrophic cycle in a single lifespan?</a:t>
+            </a:r>
+          </a:p>
+          <a:p>
+            <a:pPr lvl="1"/>
+            <a:r>
+              <a:rPr lang="en-US" dirty="0"/>
+              <a:t>May relate to identifiability: we have too many co-dependent parameters</a:t>
+            </a:r>
+          </a:p>
+          <a:p>
+            <a:pPr lvl="1"/>
+            <a:endParaRPr lang="en-US" dirty="0"/>
+          </a:p>
+          <a:p>
+            <a:r>
+              <a:rPr lang="en-US" dirty="0"/>
+              <a:t>If we use the same probabilities and rates in both models, how do results from each model differ?</a:t>
+            </a:r>
+          </a:p>
+          <a:p>
+            <a:pPr lvl="1"/>
+            <a:r>
+              <a:rPr lang="en-US" dirty="0"/>
+              <a:t>Distribution of biting stages at equilibrium</a:t>
+            </a:r>
+          </a:p>
+          <a:p>
+            <a:pPr lvl="1"/>
+            <a:r>
+              <a:rPr lang="en-US" dirty="0"/>
+              <a:t>Reproductive number</a:t>
+            </a:r>
+          </a:p>
+          <a:p>
+            <a:pPr lvl="1"/>
+            <a:r>
+              <a:rPr lang="en-US" dirty="0"/>
+              <a:t>Transmission potential</a:t>
+            </a:r>
+          </a:p>
+        </p:txBody>
+      </p:sp>
     </p:spTree>
     <p:extLst>
       <p:ext uri="{BB962C8B-B14F-4D97-AF65-F5344CB8AC3E}">
@@ -19859,7 +19715,7 @@
           <p:cNvPr id="2" name="Title 1">
             <a:extLst>
               <a:ext uri="{FF2B5EF4-FFF2-40B4-BE49-F238E27FC236}">
-                <a16:creationId xmlns:a16="http://schemas.microsoft.com/office/drawing/2014/main" id="{791E3249-B3F6-6D4D-35E4-EA696861FF4A}"/>
+                <a16:creationId xmlns:a16="http://schemas.microsoft.com/office/drawing/2014/main" id="{462D567A-ECA6-BD78-64A6-0829EAFFCE2E}"/>
               </a:ext>
             </a:extLst>
           </p:cNvPr>
@@ -19877,7 +19733,7 @@
           <a:p>
             <a:r>
               <a:rPr lang="en-US" dirty="0"/>
-              <a:t>Analyses</a:t>
+              <a:t>Possible data sources</a:t>
             </a:r>
           </a:p>
         </p:txBody>
@@ -19887,7 +19743,7 @@
           <p:cNvPr id="3" name="Content Placeholder 2">
             <a:extLst>
               <a:ext uri="{FF2B5EF4-FFF2-40B4-BE49-F238E27FC236}">
-                <a16:creationId xmlns:a16="http://schemas.microsoft.com/office/drawing/2014/main" id="{974C2BCD-7139-FCC5-6BDB-9BD32C527C2B}"/>
+                <a16:creationId xmlns:a16="http://schemas.microsoft.com/office/drawing/2014/main" id="{9265F17B-E075-88F2-8C74-BBB391E1138E}"/>
               </a:ext>
             </a:extLst>
           </p:cNvPr>
@@ -19900,41 +19756,59 @@
         </p:nvSpPr>
         <p:spPr/>
         <p:txBody>
-          <a:bodyPr>
-            <a:normAutofit fontScale="92500"/>
-          </a:bodyPr>
+          <a:bodyPr/>
           <a:lstStyle/>
           <a:p>
             <a:r>
               <a:rPr lang="en-US" dirty="0"/>
-              <a:t>Compare the conditions for existence and stability of disease-free equilibria</a:t>
-            </a:r>
-          </a:p>
-          <a:p>
-            <a:endParaRPr lang="en-US" dirty="0"/>
-          </a:p>
-          <a:p>
+              <a:t>Field</a:t>
+            </a:r>
+          </a:p>
+          <a:p>
+            <a:pPr lvl="1"/>
             <a:r>
               <a:rPr lang="en-US" dirty="0"/>
-              <a:t>Find stable population distribution among blood-feeding stages and use this to fit multiple blood-feeding parameters to data</a:t>
-            </a:r>
-          </a:p>
-          <a:p>
-            <a:endParaRPr lang="en-US" dirty="0"/>
-          </a:p>
-          <a:p>
+              <a:t>Capture mosquitoes and estimate the number of blood meals they’ve had</a:t>
+            </a:r>
+          </a:p>
+          <a:p>
+            <a:pPr lvl="2"/>
             <a:r>
               <a:rPr lang="en-US" dirty="0"/>
-              <a:t>Compare the conditions for existence and stability of endemic equilibria</a:t>
-            </a:r>
-          </a:p>
-          <a:p>
-            <a:endParaRPr lang="en-US" dirty="0"/>
-          </a:p>
-          <a:p>
+              <a:t>NB: If this doesn’t “reset” after oviposition, the memoryless property of the models is violated</a:t>
+            </a:r>
+          </a:p>
+          <a:p>
+            <a:pPr lvl="1"/>
             <a:r>
               <a:rPr lang="en-US" dirty="0"/>
-              <a:t>Develop some representative simulations of transient and equilibrium dynamics</a:t>
+              <a:t>Species-specific assays. Gives a lower bound on # of blood meals based on diversity of prey</a:t>
+            </a:r>
+          </a:p>
+          <a:p>
+            <a:r>
+              <a:rPr lang="en-US" dirty="0"/>
+              <a:t>Semi-field / residential</a:t>
+            </a:r>
+          </a:p>
+          <a:p>
+            <a:pPr lvl="1"/>
+            <a:r>
+              <a:rPr lang="en-US" dirty="0"/>
+              <a:t>Household studies finding DNA sources in mosquito guts</a:t>
+            </a:r>
+          </a:p>
+          <a:p>
+            <a:r>
+              <a:rPr lang="en-US" dirty="0"/>
+              <a:t>Experimental</a:t>
+            </a:r>
+          </a:p>
+          <a:p>
+            <a:pPr lvl="1"/>
+            <a:r>
+              <a:rPr lang="en-US" dirty="0"/>
+              <a:t>Behavior tracking. Measuring time between feedings and number of feedings before oviposition.</a:t>
             </a:r>
           </a:p>
         </p:txBody>
@@ -19942,7 +19816,7 @@
     </p:spTree>
     <p:extLst>
       <p:ext uri="{BB962C8B-B14F-4D97-AF65-F5344CB8AC3E}">
-        <p14:creationId xmlns:p14="http://schemas.microsoft.com/office/powerpoint/2010/main" val="541455919"/>
+        <p14:creationId xmlns:p14="http://schemas.microsoft.com/office/powerpoint/2010/main" val="2550280237"/>
       </p:ext>
     </p:extLst>
   </p:cSld>
@@ -19974,7 +19848,7 @@
           <p:cNvPr id="2" name="Title 1">
             <a:extLst>
               <a:ext uri="{FF2B5EF4-FFF2-40B4-BE49-F238E27FC236}">
-                <a16:creationId xmlns:a16="http://schemas.microsoft.com/office/drawing/2014/main" id="{8D4DCA2D-D297-FAFB-4421-AF213FFF08C4}"/>
+                <a16:creationId xmlns:a16="http://schemas.microsoft.com/office/drawing/2014/main" id="{791E3249-B3F6-6D4D-35E4-EA696861FF4A}"/>
               </a:ext>
             </a:extLst>
           </p:cNvPr>
@@ -19992,275 +19866,72 @@
           <a:p>
             <a:r>
               <a:rPr lang="en-US" dirty="0"/>
-              <a:t>Preliminary analysis of the “Disrupt” model</a:t>
-            </a:r>
-          </a:p>
-        </p:txBody>
-      </p:sp>
-      <p:pic>
-        <p:nvPicPr>
-          <p:cNvPr id="5" name="Picture 4">
-            <a:extLst>
-              <a:ext uri="{FF2B5EF4-FFF2-40B4-BE49-F238E27FC236}">
-                <a16:creationId xmlns:a16="http://schemas.microsoft.com/office/drawing/2014/main" id="{C04ACCED-BD88-AB90-D0F7-27F301C86647}"/>
-              </a:ext>
-            </a:extLst>
-          </p:cNvPr>
-          <p:cNvPicPr>
-            <a:picLocks noChangeAspect="1"/>
-          </p:cNvPicPr>
-          <p:nvPr/>
-        </p:nvPicPr>
-        <p:blipFill>
-          <a:blip r:embed="rId2">
-            <a:extLst>
-              <a:ext uri="{28A0092B-C50C-407E-A947-70E740481C1C}">
-                <a14:useLocalDpi xmlns:a14="http://schemas.microsoft.com/office/drawing/2010/main" val="0"/>
-              </a:ext>
-            </a:extLst>
-          </a:blip>
-          <a:srcRect/>
-          <a:stretch/>
-        </p:blipFill>
-        <p:spPr>
-          <a:xfrm>
-            <a:off x="2552309" y="3112980"/>
-            <a:ext cx="7087381" cy="632040"/>
-          </a:xfrm>
-          <a:prstGeom prst="rect">
-            <a:avLst/>
-          </a:prstGeom>
-        </p:spPr>
-      </p:pic>
-      <p:sp>
-        <p:nvSpPr>
-          <p:cNvPr id="6" name="TextBox 5">
-            <a:extLst>
-              <a:ext uri="{FF2B5EF4-FFF2-40B4-BE49-F238E27FC236}">
-                <a16:creationId xmlns:a16="http://schemas.microsoft.com/office/drawing/2014/main" id="{87E81DC4-754F-F84C-DB70-5BB63A5CC3D3}"/>
-              </a:ext>
-            </a:extLst>
-          </p:cNvPr>
-          <p:cNvSpPr txBox="1"/>
-          <p:nvPr/>
-        </p:nvSpPr>
-        <p:spPr>
-          <a:xfrm>
-            <a:off x="6095999" y="1931270"/>
-            <a:ext cx="3322073" cy="646331"/>
-          </a:xfrm>
-          <a:prstGeom prst="rect">
-            <a:avLst/>
-          </a:prstGeom>
-          <a:noFill/>
-        </p:spPr>
-        <p:txBody>
-          <a:bodyPr wrap="square" rtlCol="0">
-            <a:spAutoFit/>
-          </a:bodyPr>
-          <a:lstStyle/>
-          <a:p>
-            <a:r>
-              <a:rPr lang="en-US" dirty="0"/>
-              <a:t>Probability of going from blood-feeding stage 1 to stage </a:t>
-            </a:r>
-            <a:r>
-              <a:rPr lang="en-US" i="1" dirty="0" err="1"/>
-              <a:t>i</a:t>
-            </a:r>
-            <a:r>
-              <a:rPr lang="en-US" dirty="0"/>
-              <a:t> </a:t>
+              <a:t>Analyses</a:t>
             </a:r>
           </a:p>
         </p:txBody>
       </p:sp>
       <p:sp>
         <p:nvSpPr>
-          <p:cNvPr id="7" name="Right Brace 6">
-            <a:extLst>
-              <a:ext uri="{FF2B5EF4-FFF2-40B4-BE49-F238E27FC236}">
-                <a16:creationId xmlns:a16="http://schemas.microsoft.com/office/drawing/2014/main" id="{5FCD4C76-8FE5-2701-8339-4888D0EE5914}"/>
-              </a:ext>
-            </a:extLst>
-          </p:cNvPr>
-          <p:cNvSpPr/>
-          <p:nvPr/>
+          <p:cNvPr id="3" name="Content Placeholder 2">
+            <a:extLst>
+              <a:ext uri="{FF2B5EF4-FFF2-40B4-BE49-F238E27FC236}">
+                <a16:creationId xmlns:a16="http://schemas.microsoft.com/office/drawing/2014/main" id="{974C2BCD-7139-FCC5-6BDB-9BD32C527C2B}"/>
+              </a:ext>
+            </a:extLst>
+          </p:cNvPr>
+          <p:cNvSpPr>
+            <a:spLocks noGrp="1"/>
+          </p:cNvSpPr>
+          <p:nvPr>
+            <p:ph idx="1"/>
+          </p:nvPr>
         </p:nvSpPr>
-        <p:spPr>
-          <a:xfrm rot="16200000">
-            <a:off x="7984351" y="1605257"/>
-            <a:ext cx="682995" cy="2627684"/>
-          </a:xfrm>
-          <a:prstGeom prst="rightBrace">
-            <a:avLst>
-              <a:gd name="adj1" fmla="val 62779"/>
-              <a:gd name="adj2" fmla="val 50000"/>
-            </a:avLst>
-          </a:prstGeom>
-          <a:ln w="38100">
-            <a:solidFill>
-              <a:schemeClr val="tx1"/>
-            </a:solidFill>
-          </a:ln>
-        </p:spPr>
-        <p:style>
-          <a:lnRef idx="1">
-            <a:schemeClr val="accent1"/>
-          </a:lnRef>
-          <a:fillRef idx="0">
-            <a:schemeClr val="accent1"/>
-          </a:fillRef>
-          <a:effectRef idx="0">
-            <a:schemeClr val="accent1"/>
-          </a:effectRef>
-          <a:fontRef idx="minor">
-            <a:schemeClr val="tx1"/>
-          </a:fontRef>
-        </p:style>
+        <p:spPr/>
         <p:txBody>
-          <a:bodyPr rtlCol="0" anchor="ctr"/>
-          <a:lstStyle/>
-          <a:p>
-            <a:pPr algn="ctr"/>
-            <a:endParaRPr lang="en-US" dirty="0"/>
-          </a:p>
-        </p:txBody>
-      </p:sp>
-      <p:sp>
-        <p:nvSpPr>
-          <p:cNvPr id="9" name="TextBox 8">
-            <a:extLst>
-              <a:ext uri="{FF2B5EF4-FFF2-40B4-BE49-F238E27FC236}">
-                <a16:creationId xmlns:a16="http://schemas.microsoft.com/office/drawing/2014/main" id="{91A57282-00A1-FC20-4AE1-A2EDB3BBEB4B}"/>
-              </a:ext>
-            </a:extLst>
-          </p:cNvPr>
-          <p:cNvSpPr txBox="1"/>
-          <p:nvPr/>
-        </p:nvSpPr>
-        <p:spPr>
-          <a:xfrm>
-            <a:off x="703545" y="3077228"/>
-            <a:ext cx="1910219" cy="1477328"/>
-          </a:xfrm>
-          <a:prstGeom prst="rect">
-            <a:avLst/>
-          </a:prstGeom>
-          <a:noFill/>
-        </p:spPr>
-        <p:txBody>
-          <a:bodyPr wrap="square" rtlCol="0">
-            <a:spAutoFit/>
+          <a:bodyPr>
+            <a:normAutofit fontScale="92500"/>
           </a:bodyPr>
           <a:lstStyle/>
           <a:p>
             <a:r>
               <a:rPr lang="en-US" dirty="0"/>
-              <a:t>Total probability of going from blood-feeding stage 1 to oviposition stage</a:t>
-            </a:r>
-          </a:p>
-        </p:txBody>
-      </p:sp>
-      <p:sp>
-        <p:nvSpPr>
-          <p:cNvPr id="10" name="TextBox 9">
-            <a:extLst>
-              <a:ext uri="{FF2B5EF4-FFF2-40B4-BE49-F238E27FC236}">
-                <a16:creationId xmlns:a16="http://schemas.microsoft.com/office/drawing/2014/main" id="{16D7439E-6B60-1A9F-B89B-2C5569856418}"/>
-              </a:ext>
-            </a:extLst>
-          </p:cNvPr>
-          <p:cNvSpPr txBox="1"/>
-          <p:nvPr/>
-        </p:nvSpPr>
-        <p:spPr>
-          <a:xfrm>
-            <a:off x="4698996" y="3966983"/>
-            <a:ext cx="1805838" cy="1200329"/>
-          </a:xfrm>
-          <a:prstGeom prst="rect">
-            <a:avLst/>
-          </a:prstGeom>
-          <a:noFill/>
-        </p:spPr>
-        <p:txBody>
-          <a:bodyPr wrap="square" rtlCol="0">
-            <a:spAutoFit/>
-          </a:bodyPr>
-          <a:lstStyle/>
+              <a:t>Compare the conditions for existence and stability of disease-free equilibria</a:t>
+            </a:r>
+          </a:p>
+          <a:p>
+            <a:endParaRPr lang="en-US" dirty="0"/>
+          </a:p>
           <a:p>
             <a:r>
               <a:rPr lang="en-US" dirty="0"/>
-              <a:t>Probability of going to oviposition stage from stage </a:t>
-            </a:r>
-            <a:r>
-              <a:rPr lang="en-US" i="1" dirty="0" err="1"/>
-              <a:t>i</a:t>
-            </a:r>
+              <a:t>Find stable population distribution among blood-feeding stages and use this to fit multiple blood-feeding parameters to data</a:t>
+            </a:r>
+          </a:p>
+          <a:p>
+            <a:endParaRPr lang="en-US" dirty="0"/>
+          </a:p>
+          <a:p>
             <a:r>
               <a:rPr lang="en-US" dirty="0"/>
-              <a:t> </a:t>
-            </a:r>
-          </a:p>
-        </p:txBody>
-      </p:sp>
-      <p:sp>
-        <p:nvSpPr>
-          <p:cNvPr id="3" name="Right Brace 2">
-            <a:extLst>
-              <a:ext uri="{FF2B5EF4-FFF2-40B4-BE49-F238E27FC236}">
-                <a16:creationId xmlns:a16="http://schemas.microsoft.com/office/drawing/2014/main" id="{50EE9E74-71C8-A7DD-57A6-D0ED2032B48F}"/>
-              </a:ext>
-            </a:extLst>
-          </p:cNvPr>
-          <p:cNvSpPr/>
-          <p:nvPr/>
-        </p:nvSpPr>
-        <p:spPr>
-          <a:xfrm rot="5400000">
-            <a:off x="5148411" y="3103631"/>
-            <a:ext cx="313415" cy="1504741"/>
-          </a:xfrm>
-          <a:prstGeom prst="rightBrace">
-            <a:avLst>
-              <a:gd name="adj1" fmla="val 62779"/>
-              <a:gd name="adj2" fmla="val 50000"/>
-            </a:avLst>
-          </a:prstGeom>
-          <a:ln w="38100">
-            <a:solidFill>
-              <a:schemeClr val="tx1"/>
-            </a:solidFill>
-          </a:ln>
-        </p:spPr>
-        <p:style>
-          <a:lnRef idx="1">
-            <a:schemeClr val="accent1"/>
-          </a:lnRef>
-          <a:fillRef idx="0">
-            <a:schemeClr val="accent1"/>
-          </a:fillRef>
-          <a:effectRef idx="0">
-            <a:schemeClr val="accent1"/>
-          </a:effectRef>
-          <a:fontRef idx="minor">
-            <a:schemeClr val="tx1"/>
-          </a:fontRef>
-        </p:style>
-        <p:txBody>
-          <a:bodyPr rtlCol="0" anchor="ctr"/>
-          <a:lstStyle/>
-          <a:p>
-            <a:pPr algn="ctr"/>
+              <a:t>Compare the conditions for existence and stability of endemic equilibria</a:t>
+            </a:r>
+          </a:p>
+          <a:p>
             <a:endParaRPr lang="en-US" dirty="0"/>
+          </a:p>
+          <a:p>
+            <a:r>
+              <a:rPr lang="en-US" dirty="0"/>
+              <a:t>Develop some representative simulations of transient and equilibrium dynamics</a:t>
+            </a:r>
           </a:p>
         </p:txBody>
       </p:sp>
     </p:spTree>
     <p:extLst>
       <p:ext uri="{BB962C8B-B14F-4D97-AF65-F5344CB8AC3E}">
-        <p14:creationId xmlns:p14="http://schemas.microsoft.com/office/powerpoint/2010/main" val="1490217934"/>
+        <p14:creationId xmlns:p14="http://schemas.microsoft.com/office/powerpoint/2010/main" val="541455919"/>
       </p:ext>
     </p:extLst>
   </p:cSld>
@@ -20669,6 +20340,324 @@
 </file>
 
 <file path=ppt/slides/slide20.xml><?xml version="1.0" encoding="utf-8"?>
+<p:sld xmlns:a="http://schemas.openxmlformats.org/drawingml/2006/main" xmlns:r="http://schemas.openxmlformats.org/officeDocument/2006/relationships" xmlns:p="http://schemas.openxmlformats.org/presentationml/2006/main">
+  <p:cSld>
+    <p:spTree>
+      <p:nvGrpSpPr>
+        <p:cNvPr id="1" name=""/>
+        <p:cNvGrpSpPr/>
+        <p:nvPr/>
+      </p:nvGrpSpPr>
+      <p:grpSpPr>
+        <a:xfrm>
+          <a:off x="0" y="0"/>
+          <a:ext cx="0" cy="0"/>
+          <a:chOff x="0" y="0"/>
+          <a:chExt cx="0" cy="0"/>
+        </a:xfrm>
+      </p:grpSpPr>
+      <p:sp>
+        <p:nvSpPr>
+          <p:cNvPr id="2" name="Title 1">
+            <a:extLst>
+              <a:ext uri="{FF2B5EF4-FFF2-40B4-BE49-F238E27FC236}">
+                <a16:creationId xmlns:a16="http://schemas.microsoft.com/office/drawing/2014/main" id="{8D4DCA2D-D297-FAFB-4421-AF213FFF08C4}"/>
+              </a:ext>
+            </a:extLst>
+          </p:cNvPr>
+          <p:cNvSpPr>
+            <a:spLocks noGrp="1"/>
+          </p:cNvSpPr>
+          <p:nvPr>
+            <p:ph type="title"/>
+          </p:nvPr>
+        </p:nvSpPr>
+        <p:spPr/>
+        <p:txBody>
+          <a:bodyPr/>
+          <a:lstStyle/>
+          <a:p>
+            <a:r>
+              <a:rPr lang="en-US" dirty="0"/>
+              <a:t>Preliminary analysis of the “Disrupt” model</a:t>
+            </a:r>
+          </a:p>
+        </p:txBody>
+      </p:sp>
+      <p:pic>
+        <p:nvPicPr>
+          <p:cNvPr id="5" name="Picture 4">
+            <a:extLst>
+              <a:ext uri="{FF2B5EF4-FFF2-40B4-BE49-F238E27FC236}">
+                <a16:creationId xmlns:a16="http://schemas.microsoft.com/office/drawing/2014/main" id="{C04ACCED-BD88-AB90-D0F7-27F301C86647}"/>
+              </a:ext>
+            </a:extLst>
+          </p:cNvPr>
+          <p:cNvPicPr>
+            <a:picLocks noChangeAspect="1"/>
+          </p:cNvPicPr>
+          <p:nvPr/>
+        </p:nvPicPr>
+        <p:blipFill>
+          <a:blip r:embed="rId2">
+            <a:extLst>
+              <a:ext uri="{28A0092B-C50C-407E-A947-70E740481C1C}">
+                <a14:useLocalDpi xmlns:a14="http://schemas.microsoft.com/office/drawing/2010/main" val="0"/>
+              </a:ext>
+            </a:extLst>
+          </a:blip>
+          <a:srcRect/>
+          <a:stretch/>
+        </p:blipFill>
+        <p:spPr>
+          <a:xfrm>
+            <a:off x="2552309" y="3112980"/>
+            <a:ext cx="7087381" cy="632040"/>
+          </a:xfrm>
+          <a:prstGeom prst="rect">
+            <a:avLst/>
+          </a:prstGeom>
+        </p:spPr>
+      </p:pic>
+      <p:sp>
+        <p:nvSpPr>
+          <p:cNvPr id="6" name="TextBox 5">
+            <a:extLst>
+              <a:ext uri="{FF2B5EF4-FFF2-40B4-BE49-F238E27FC236}">
+                <a16:creationId xmlns:a16="http://schemas.microsoft.com/office/drawing/2014/main" id="{87E81DC4-754F-F84C-DB70-5BB63A5CC3D3}"/>
+              </a:ext>
+            </a:extLst>
+          </p:cNvPr>
+          <p:cNvSpPr txBox="1"/>
+          <p:nvPr/>
+        </p:nvSpPr>
+        <p:spPr>
+          <a:xfrm>
+            <a:off x="6095999" y="1931270"/>
+            <a:ext cx="3322073" cy="646331"/>
+          </a:xfrm>
+          <a:prstGeom prst="rect">
+            <a:avLst/>
+          </a:prstGeom>
+          <a:noFill/>
+        </p:spPr>
+        <p:txBody>
+          <a:bodyPr wrap="square" rtlCol="0">
+            <a:spAutoFit/>
+          </a:bodyPr>
+          <a:lstStyle/>
+          <a:p>
+            <a:r>
+              <a:rPr lang="en-US" dirty="0"/>
+              <a:t>Probability of going from blood-feeding stage 1 to stage </a:t>
+            </a:r>
+            <a:r>
+              <a:rPr lang="en-US" i="1" dirty="0" err="1"/>
+              <a:t>i</a:t>
+            </a:r>
+            <a:r>
+              <a:rPr lang="en-US" dirty="0"/>
+              <a:t> </a:t>
+            </a:r>
+          </a:p>
+        </p:txBody>
+      </p:sp>
+      <p:sp>
+        <p:nvSpPr>
+          <p:cNvPr id="7" name="Right Brace 6">
+            <a:extLst>
+              <a:ext uri="{FF2B5EF4-FFF2-40B4-BE49-F238E27FC236}">
+                <a16:creationId xmlns:a16="http://schemas.microsoft.com/office/drawing/2014/main" id="{5FCD4C76-8FE5-2701-8339-4888D0EE5914}"/>
+              </a:ext>
+            </a:extLst>
+          </p:cNvPr>
+          <p:cNvSpPr/>
+          <p:nvPr/>
+        </p:nvSpPr>
+        <p:spPr>
+          <a:xfrm rot="16200000">
+            <a:off x="7984351" y="1605257"/>
+            <a:ext cx="682995" cy="2627684"/>
+          </a:xfrm>
+          <a:prstGeom prst="rightBrace">
+            <a:avLst>
+              <a:gd name="adj1" fmla="val 62779"/>
+              <a:gd name="adj2" fmla="val 50000"/>
+            </a:avLst>
+          </a:prstGeom>
+          <a:ln w="38100">
+            <a:solidFill>
+              <a:schemeClr val="tx1"/>
+            </a:solidFill>
+          </a:ln>
+        </p:spPr>
+        <p:style>
+          <a:lnRef idx="1">
+            <a:schemeClr val="accent1"/>
+          </a:lnRef>
+          <a:fillRef idx="0">
+            <a:schemeClr val="accent1"/>
+          </a:fillRef>
+          <a:effectRef idx="0">
+            <a:schemeClr val="accent1"/>
+          </a:effectRef>
+          <a:fontRef idx="minor">
+            <a:schemeClr val="tx1"/>
+          </a:fontRef>
+        </p:style>
+        <p:txBody>
+          <a:bodyPr rtlCol="0" anchor="ctr"/>
+          <a:lstStyle/>
+          <a:p>
+            <a:pPr algn="ctr"/>
+            <a:endParaRPr lang="en-US" dirty="0"/>
+          </a:p>
+        </p:txBody>
+      </p:sp>
+      <p:sp>
+        <p:nvSpPr>
+          <p:cNvPr id="9" name="TextBox 8">
+            <a:extLst>
+              <a:ext uri="{FF2B5EF4-FFF2-40B4-BE49-F238E27FC236}">
+                <a16:creationId xmlns:a16="http://schemas.microsoft.com/office/drawing/2014/main" id="{91A57282-00A1-FC20-4AE1-A2EDB3BBEB4B}"/>
+              </a:ext>
+            </a:extLst>
+          </p:cNvPr>
+          <p:cNvSpPr txBox="1"/>
+          <p:nvPr/>
+        </p:nvSpPr>
+        <p:spPr>
+          <a:xfrm>
+            <a:off x="703545" y="3077228"/>
+            <a:ext cx="1910219" cy="1477328"/>
+          </a:xfrm>
+          <a:prstGeom prst="rect">
+            <a:avLst/>
+          </a:prstGeom>
+          <a:noFill/>
+        </p:spPr>
+        <p:txBody>
+          <a:bodyPr wrap="square" rtlCol="0">
+            <a:spAutoFit/>
+          </a:bodyPr>
+          <a:lstStyle/>
+          <a:p>
+            <a:r>
+              <a:rPr lang="en-US" dirty="0"/>
+              <a:t>Total probability of going from blood-feeding stage 1 to oviposition stage</a:t>
+            </a:r>
+          </a:p>
+        </p:txBody>
+      </p:sp>
+      <p:sp>
+        <p:nvSpPr>
+          <p:cNvPr id="10" name="TextBox 9">
+            <a:extLst>
+              <a:ext uri="{FF2B5EF4-FFF2-40B4-BE49-F238E27FC236}">
+                <a16:creationId xmlns:a16="http://schemas.microsoft.com/office/drawing/2014/main" id="{16D7439E-6B60-1A9F-B89B-2C5569856418}"/>
+              </a:ext>
+            </a:extLst>
+          </p:cNvPr>
+          <p:cNvSpPr txBox="1"/>
+          <p:nvPr/>
+        </p:nvSpPr>
+        <p:spPr>
+          <a:xfrm>
+            <a:off x="4698996" y="3966983"/>
+            <a:ext cx="1805838" cy="1200329"/>
+          </a:xfrm>
+          <a:prstGeom prst="rect">
+            <a:avLst/>
+          </a:prstGeom>
+          <a:noFill/>
+        </p:spPr>
+        <p:txBody>
+          <a:bodyPr wrap="square" rtlCol="0">
+            <a:spAutoFit/>
+          </a:bodyPr>
+          <a:lstStyle/>
+          <a:p>
+            <a:r>
+              <a:rPr lang="en-US" dirty="0"/>
+              <a:t>Probability of going to oviposition stage from stage </a:t>
+            </a:r>
+            <a:r>
+              <a:rPr lang="en-US" i="1" dirty="0" err="1"/>
+              <a:t>i</a:t>
+            </a:r>
+            <a:r>
+              <a:rPr lang="en-US" dirty="0"/>
+              <a:t> </a:t>
+            </a:r>
+          </a:p>
+        </p:txBody>
+      </p:sp>
+      <p:sp>
+        <p:nvSpPr>
+          <p:cNvPr id="3" name="Right Brace 2">
+            <a:extLst>
+              <a:ext uri="{FF2B5EF4-FFF2-40B4-BE49-F238E27FC236}">
+                <a16:creationId xmlns:a16="http://schemas.microsoft.com/office/drawing/2014/main" id="{50EE9E74-71C8-A7DD-57A6-D0ED2032B48F}"/>
+              </a:ext>
+            </a:extLst>
+          </p:cNvPr>
+          <p:cNvSpPr/>
+          <p:nvPr/>
+        </p:nvSpPr>
+        <p:spPr>
+          <a:xfrm rot="5400000">
+            <a:off x="5148411" y="3103631"/>
+            <a:ext cx="313415" cy="1504741"/>
+          </a:xfrm>
+          <a:prstGeom prst="rightBrace">
+            <a:avLst>
+              <a:gd name="adj1" fmla="val 62779"/>
+              <a:gd name="adj2" fmla="val 50000"/>
+            </a:avLst>
+          </a:prstGeom>
+          <a:ln w="38100">
+            <a:solidFill>
+              <a:schemeClr val="tx1"/>
+            </a:solidFill>
+          </a:ln>
+        </p:spPr>
+        <p:style>
+          <a:lnRef idx="1">
+            <a:schemeClr val="accent1"/>
+          </a:lnRef>
+          <a:fillRef idx="0">
+            <a:schemeClr val="accent1"/>
+          </a:fillRef>
+          <a:effectRef idx="0">
+            <a:schemeClr val="accent1"/>
+          </a:effectRef>
+          <a:fontRef idx="minor">
+            <a:schemeClr val="tx1"/>
+          </a:fontRef>
+        </p:style>
+        <p:txBody>
+          <a:bodyPr rtlCol="0" anchor="ctr"/>
+          <a:lstStyle/>
+          <a:p>
+            <a:pPr algn="ctr"/>
+            <a:endParaRPr lang="en-US" dirty="0"/>
+          </a:p>
+        </p:txBody>
+      </p:sp>
+    </p:spTree>
+    <p:extLst>
+      <p:ext uri="{BB962C8B-B14F-4D97-AF65-F5344CB8AC3E}">
+        <p14:creationId xmlns:p14="http://schemas.microsoft.com/office/powerpoint/2010/main" val="1490217934"/>
+      </p:ext>
+    </p:extLst>
+  </p:cSld>
+  <p:clrMapOvr>
+    <a:masterClrMapping/>
+  </p:clrMapOvr>
+</p:sld>
+</file>
+
+<file path=ppt/slides/slide21.xml><?xml version="1.0" encoding="utf-8"?>
 <p:sld xmlns:a="http://schemas.openxmlformats.org/drawingml/2006/main" xmlns:r="http://schemas.openxmlformats.org/officeDocument/2006/relationships" xmlns:p="http://schemas.openxmlformats.org/presentationml/2006/main">
   <p:cSld>
     <p:spTree>
@@ -21460,7 +21449,7 @@
 </p:sld>
 </file>
 
-<file path=ppt/slides/slide21.xml><?xml version="1.0" encoding="utf-8"?>
+<file path=ppt/slides/slide22.xml><?xml version="1.0" encoding="utf-8"?>
 <p:sld xmlns:a="http://schemas.openxmlformats.org/drawingml/2006/main" xmlns:r="http://schemas.openxmlformats.org/officeDocument/2006/relationships" xmlns:p="http://schemas.openxmlformats.org/presentationml/2006/main">
   <p:cSld>
     <p:spTree>
@@ -22234,7 +22223,7 @@
 </p:sld>
 </file>
 
-<file path=ppt/slides/slide22.xml><?xml version="1.0" encoding="utf-8"?>
+<file path=ppt/slides/slide23.xml><?xml version="1.0" encoding="utf-8"?>
 <p:sld xmlns:a="http://schemas.openxmlformats.org/drawingml/2006/main" xmlns:r="http://schemas.openxmlformats.org/officeDocument/2006/relationships" xmlns:p="http://schemas.openxmlformats.org/presentationml/2006/main">
   <p:cSld>
     <p:spTree>
@@ -22471,7 +22460,7 @@
 </p:sld>
 </file>
 
-<file path=ppt/slides/slide23.xml><?xml version="1.0" encoding="utf-8"?>
+<file path=ppt/slides/slide24.xml><?xml version="1.0" encoding="utf-8"?>
 <p:sld xmlns:a="http://schemas.openxmlformats.org/drawingml/2006/main" xmlns:r="http://schemas.openxmlformats.org/officeDocument/2006/relationships" xmlns:p="http://schemas.openxmlformats.org/presentationml/2006/main">
   <p:cSld>
     <p:spTree>
@@ -23073,7 +23062,7 @@
 </p:sld>
 </file>
 
-<file path=ppt/slides/slide24.xml><?xml version="1.0" encoding="utf-8"?>
+<file path=ppt/slides/slide25.xml><?xml version="1.0" encoding="utf-8"?>
 <p:sld xmlns:a="http://schemas.openxmlformats.org/drawingml/2006/main" xmlns:r="http://schemas.openxmlformats.org/officeDocument/2006/relationships" xmlns:p="http://schemas.openxmlformats.org/presentationml/2006/main" show="0">
   <p:cSld>
     <p:spTree>
@@ -23608,7 +23597,7 @@
 </p:sld>
 </file>
 
-<file path=ppt/slides/slide25.xml><?xml version="1.0" encoding="utf-8"?>
+<file path=ppt/slides/slide26.xml><?xml version="1.0" encoding="utf-8"?>
 <p:sld xmlns:a="http://schemas.openxmlformats.org/drawingml/2006/main" xmlns:r="http://schemas.openxmlformats.org/officeDocument/2006/relationships" xmlns:p="http://schemas.openxmlformats.org/presentationml/2006/main" show="0">
   <p:cSld>
     <p:spTree>
@@ -25139,7 +25128,7 @@
 </p:sld>
 </file>
 
-<file path=ppt/slides/slide26.xml><?xml version="1.0" encoding="utf-8"?>
+<file path=ppt/slides/slide27.xml><?xml version="1.0" encoding="utf-8"?>
 <p:sld xmlns:a="http://schemas.openxmlformats.org/drawingml/2006/main" xmlns:r="http://schemas.openxmlformats.org/officeDocument/2006/relationships" xmlns:p="http://schemas.openxmlformats.org/presentationml/2006/main">
   <p:cSld>
     <p:spTree>
@@ -25438,8 +25427,8 @@
           </p:sp>
         </mc:Fallback>
       </mc:AlternateContent>
-      <mc:AlternateContent xmlns:mc="http://schemas.openxmlformats.org/markup-compatibility/2006">
-        <mc:Choice xmlns:a14="http://schemas.microsoft.com/office/drawing/2010/main" Requires="a14">
+      <mc:AlternateContent xmlns:mc="http://schemas.openxmlformats.org/markup-compatibility/2006" xmlns:a14="http://schemas.microsoft.com/office/drawing/2010/main">
+        <mc:Choice Requires="a14">
           <p:sp>
             <p:nvSpPr>
               <p:cNvPr id="12" name="TextBox 11">
@@ -25455,7 +25444,7 @@
             <p:spPr>
               <a:xfrm>
                 <a:off x="20268" y="1358965"/>
-                <a:ext cx="3773372" cy="1824025"/>
+                <a:ext cx="4955144" cy="2069734"/>
               </a:xfrm>
               <a:prstGeom prst="rect">
                 <a:avLst/>
@@ -25488,7 +25477,7 @@
                 </a:r>
                 <a:r>
                   <a:rPr lang="en-US" dirty="0"/>
-                  <a:t>bites</a:t>
+                  <a:t>bites (this isn’t fair because Fate model isn’t taking mortality into account) – forget mortality, see if this helps</a:t>
                 </a:r>
               </a:p>
               <a:p>
@@ -25656,7 +25645,7 @@
             </p:txBody>
           </p:sp>
         </mc:Choice>
-        <mc:Fallback>
+        <mc:Fallback xmlns="">
           <p:sp>
             <p:nvSpPr>
               <p:cNvPr id="12" name="TextBox 11">
@@ -25674,7 +25663,7 @@
             <p:spPr>
               <a:xfrm>
                 <a:off x="20268" y="1358965"/>
-                <a:ext cx="3773372" cy="1824025"/>
+                <a:ext cx="4955144" cy="2069734"/>
               </a:xfrm>
               <a:prstGeom prst="rect">
                 <a:avLst/>
@@ -25682,7 +25671,7 @@
               <a:blipFill>
                 <a:blip r:embed="rId3"/>
                 <a:stretch>
-                  <a:fillRect l="-3716" t="-4348" r="-1292"/>
+                  <a:fillRect l="-2829" t="-3835"/>
                 </a:stretch>
               </a:blipFill>
             </p:spPr>
@@ -25701,8 +25690,8 @@
           </p:sp>
         </mc:Fallback>
       </mc:AlternateContent>
-      <mc:AlternateContent xmlns:mc="http://schemas.openxmlformats.org/markup-compatibility/2006">
-        <mc:Choice xmlns:a14="http://schemas.microsoft.com/office/drawing/2010/main" Requires="a14">
+      <mc:AlternateContent xmlns:mc="http://schemas.openxmlformats.org/markup-compatibility/2006" xmlns:a14="http://schemas.microsoft.com/office/drawing/2010/main">
+        <mc:Choice Requires="a14">
           <p:sp>
             <p:nvSpPr>
               <p:cNvPr id="14" name="TextBox 13">
@@ -25919,7 +25908,7 @@
             </p:txBody>
           </p:sp>
         </mc:Choice>
-        <mc:Fallback>
+        <mc:Fallback xmlns="">
           <p:sp>
             <p:nvSpPr>
               <p:cNvPr id="14" name="TextBox 13">
@@ -25964,8 +25953,8 @@
           </p:sp>
         </mc:Fallback>
       </mc:AlternateContent>
-      <mc:AlternateContent xmlns:mc="http://schemas.openxmlformats.org/markup-compatibility/2006">
-        <mc:Choice xmlns:a14="http://schemas.microsoft.com/office/drawing/2010/main" Requires="a14">
+      <mc:AlternateContent xmlns:mc="http://schemas.openxmlformats.org/markup-compatibility/2006" xmlns:a14="http://schemas.microsoft.com/office/drawing/2010/main">
+        <mc:Choice Requires="a14">
           <p:sp>
             <p:nvSpPr>
               <p:cNvPr id="15" name="TextBox 14">
@@ -26138,7 +26127,7 @@
             </p:txBody>
           </p:sp>
         </mc:Choice>
-        <mc:Fallback>
+        <mc:Fallback xmlns="">
           <p:sp>
             <p:nvSpPr>
               <p:cNvPr id="15" name="TextBox 14">
@@ -26379,8 +26368,8 @@
           </p:sp>
         </mc:Fallback>
       </mc:AlternateContent>
-      <mc:AlternateContent xmlns:mc="http://schemas.openxmlformats.org/markup-compatibility/2006">
-        <mc:Choice xmlns:a14="http://schemas.microsoft.com/office/drawing/2010/main" Requires="a14">
+      <mc:AlternateContent xmlns:mc="http://schemas.openxmlformats.org/markup-compatibility/2006" xmlns:a14="http://schemas.microsoft.com/office/drawing/2010/main">
+        <mc:Choice Requires="a14">
           <p:sp>
             <p:nvSpPr>
               <p:cNvPr id="18" name="TextBox 17">
@@ -26553,7 +26542,7 @@
             </p:txBody>
           </p:sp>
         </mc:Choice>
-        <mc:Fallback>
+        <mc:Fallback xmlns="">
           <p:sp>
             <p:nvSpPr>
               <p:cNvPr id="18" name="TextBox 17">
@@ -26598,8 +26587,8 @@
           </p:sp>
         </mc:Fallback>
       </mc:AlternateContent>
-      <mc:AlternateContent xmlns:mc="http://schemas.openxmlformats.org/markup-compatibility/2006">
-        <mc:Choice xmlns:a14="http://schemas.microsoft.com/office/drawing/2010/main" Requires="a14">
+      <mc:AlternateContent xmlns:mc="http://schemas.openxmlformats.org/markup-compatibility/2006" xmlns:a14="http://schemas.microsoft.com/office/drawing/2010/main">
+        <mc:Choice Requires="a14">
           <p:sp>
             <p:nvSpPr>
               <p:cNvPr id="19" name="TextBox 18">
@@ -26615,7 +26604,7 @@
             <p:spPr>
               <a:xfrm>
                 <a:off x="6248680" y="1358964"/>
-                <a:ext cx="4619187" cy="1808444"/>
+                <a:ext cx="4619187" cy="2362442"/>
               </a:xfrm>
               <a:prstGeom prst="rect">
                 <a:avLst/>
@@ -26637,7 +26626,21 @@
               <a:p>
                 <a:r>
                   <a:rPr lang="en-US" dirty="0"/>
-                  <a:t>Needing more bites is increasingly unlikely</a:t>
+                  <a:t>Every additional bite necessary for oviposition has a 10% reduced probability of occurring</a:t>
+                </a:r>
+              </a:p>
+              <a:p>
+                <a:r>
+                  <a:rPr lang="en-US" dirty="0"/>
+                  <a:t>B_{i+1}^* = 0.9 * B_{</a:t>
+                </a:r>
+                <a:r>
+                  <a:rPr lang="en-US" dirty="0" err="1"/>
+                  <a:t>i</a:t>
+                </a:r>
+                <a:r>
+                  <a:rPr lang="en-US" dirty="0"/>
+                  <a:t>}^* with mortality off</a:t>
                 </a:r>
               </a:p>
               <a:p>
@@ -26905,7 +26908,7 @@
             </p:txBody>
           </p:sp>
         </mc:Choice>
-        <mc:Fallback>
+        <mc:Fallback xmlns="">
           <p:sp>
             <p:nvSpPr>
               <p:cNvPr id="19" name="TextBox 18">
@@ -26923,7 +26926,7 @@
             <p:spPr>
               <a:xfrm>
                 <a:off x="6248680" y="1358964"/>
-                <a:ext cx="4619187" cy="1808444"/>
+                <a:ext cx="4619187" cy="2362442"/>
               </a:xfrm>
               <a:prstGeom prst="rect">
                 <a:avLst/>
@@ -26931,7 +26934,7 @@
               <a:blipFill>
                 <a:blip r:embed="rId8"/>
                 <a:stretch>
-                  <a:fillRect l="-3034" t="-4377"/>
+                  <a:fillRect l="-3034" t="-3359"/>
                 </a:stretch>
               </a:blipFill>
             </p:spPr>
@@ -26950,8 +26953,8 @@
           </p:sp>
         </mc:Fallback>
       </mc:AlternateContent>
-      <mc:AlternateContent xmlns:mc="http://schemas.openxmlformats.org/markup-compatibility/2006">
-        <mc:Choice xmlns:a14="http://schemas.microsoft.com/office/drawing/2010/main" Requires="a14">
+      <mc:AlternateContent xmlns:mc="http://schemas.openxmlformats.org/markup-compatibility/2006" xmlns:a14="http://schemas.microsoft.com/office/drawing/2010/main">
+        <mc:Choice Requires="a14">
           <p:sp>
             <p:nvSpPr>
               <p:cNvPr id="20" name="TextBox 19">
@@ -27256,7 +27259,7 @@
             </p:txBody>
           </p:sp>
         </mc:Choice>
-        <mc:Fallback>
+        <mc:Fallback xmlns="">
           <p:sp>
             <p:nvSpPr>
               <p:cNvPr id="20" name="TextBox 19">
@@ -27344,7 +27347,7 @@
 </p:sld>
 </file>
 
-<file path=ppt/slides/slide27.xml><?xml version="1.0" encoding="utf-8"?>
+<file path=ppt/slides/slide28.xml><?xml version="1.0" encoding="utf-8"?>
 <p:sld xmlns:a="http://schemas.openxmlformats.org/drawingml/2006/main" xmlns:r="http://schemas.openxmlformats.org/officeDocument/2006/relationships" xmlns:p="http://schemas.openxmlformats.org/presentationml/2006/main">
   <p:cSld>
     <p:spTree>
@@ -27575,8 +27578,8 @@
         </p:nvSpPr>
         <p:spPr>
           <a:xfrm>
-            <a:off x="7500079" y="1349115"/>
-            <a:ext cx="3382780" cy="1754326"/>
+            <a:off x="7701785" y="975468"/>
+            <a:ext cx="3382780" cy="2308324"/>
           </a:xfrm>
           <a:prstGeom prst="rect">
             <a:avLst/>
@@ -27625,7 +27628,53 @@
               <a:rPr lang="en-US" i="1" dirty="0"/>
               <a:t>k</a:t>
             </a:r>
+          </a:p>
+          <a:p>
+            <a:endParaRPr lang="en-US" i="1" dirty="0"/>
+          </a:p>
+          <a:p>
+            <a:r>
+              <a:rPr lang="en-US" i="1" dirty="0"/>
+              <a:t>Consider varying mortality</a:t>
+            </a:r>
             <a:endParaRPr lang="en-US" dirty="0"/>
+          </a:p>
+        </p:txBody>
+      </p:sp>
+      <p:sp>
+        <p:nvSpPr>
+          <p:cNvPr id="2" name="TextBox 1">
+            <a:extLst>
+              <a:ext uri="{FF2B5EF4-FFF2-40B4-BE49-F238E27FC236}">
+                <a16:creationId xmlns:a16="http://schemas.microsoft.com/office/drawing/2014/main" id="{FB838DAC-C168-0EBC-F87C-4C1D6DE01F81}"/>
+              </a:ext>
+            </a:extLst>
+          </p:cNvPr>
+          <p:cNvSpPr txBox="1"/>
+          <p:nvPr/>
+        </p:nvSpPr>
+        <p:spPr>
+          <a:xfrm>
+            <a:off x="5997387" y="3247465"/>
+            <a:ext cx="4885471" cy="923330"/>
+          </a:xfrm>
+          <a:prstGeom prst="rect">
+            <a:avLst/>
+          </a:prstGeom>
+          <a:solidFill>
+            <a:schemeClr val="bg1"/>
+          </a:solidFill>
+        </p:spPr>
+        <p:txBody>
+          <a:bodyPr wrap="square" rtlCol="0">
+            <a:spAutoFit/>
+          </a:bodyPr>
+          <a:lstStyle/>
+          <a:p>
+            <a:r>
+              <a:rPr lang="en-US" dirty="0"/>
+              <a:t>A temporal measure: fraction of mosquitoes that have had one more than one contact within a fixed time window (kind of like a fake EIP)</a:t>
+            </a:r>
           </a:p>
         </p:txBody>
       </p:sp>
@@ -27642,7 +27691,2631 @@
 </p:sld>
 </file>
 
-<file path=ppt/slides/slide28.xml><?xml version="1.0" encoding="utf-8"?>
+<file path=ppt/slides/slide29.xml><?xml version="1.0" encoding="utf-8"?>
+<p:sld xmlns:a="http://schemas.openxmlformats.org/drawingml/2006/main" xmlns:r="http://schemas.openxmlformats.org/officeDocument/2006/relationships" xmlns:p="http://schemas.openxmlformats.org/presentationml/2006/main">
+  <p:cSld>
+    <p:spTree>
+      <p:nvGrpSpPr>
+        <p:cNvPr id="1" name=""/>
+        <p:cNvGrpSpPr/>
+        <p:nvPr/>
+      </p:nvGrpSpPr>
+      <p:grpSpPr>
+        <a:xfrm>
+          <a:off x="0" y="0"/>
+          <a:ext cx="0" cy="0"/>
+          <a:chOff x="0" y="0"/>
+          <a:chExt cx="0" cy="0"/>
+        </a:xfrm>
+      </p:grpSpPr>
+      <p:cxnSp>
+        <p:nvCxnSpPr>
+          <p:cNvPr id="3" name="Straight Connector 2">
+            <a:extLst>
+              <a:ext uri="{FF2B5EF4-FFF2-40B4-BE49-F238E27FC236}">
+                <a16:creationId xmlns:a16="http://schemas.microsoft.com/office/drawing/2014/main" id="{9CD4BC7C-31CD-C4C8-413A-812F1BB5E516}"/>
+              </a:ext>
+            </a:extLst>
+          </p:cNvPr>
+          <p:cNvCxnSpPr>
+            <a:cxnSpLocks/>
+          </p:cNvCxnSpPr>
+          <p:nvPr/>
+        </p:nvCxnSpPr>
+        <p:spPr>
+          <a:xfrm>
+            <a:off x="6096000" y="-54964"/>
+            <a:ext cx="0" cy="6912964"/>
+          </a:xfrm>
+          <a:prstGeom prst="line">
+            <a:avLst/>
+          </a:prstGeom>
+          <a:ln w="38100">
+            <a:solidFill>
+              <a:schemeClr val="tx1"/>
+            </a:solidFill>
+          </a:ln>
+        </p:spPr>
+        <p:style>
+          <a:lnRef idx="1">
+            <a:schemeClr val="accent1"/>
+          </a:lnRef>
+          <a:fillRef idx="0">
+            <a:schemeClr val="accent1"/>
+          </a:fillRef>
+          <a:effectRef idx="0">
+            <a:schemeClr val="accent1"/>
+          </a:effectRef>
+          <a:fontRef idx="minor">
+            <a:schemeClr val="tx1"/>
+          </a:fontRef>
+        </p:style>
+      </p:cxnSp>
+      <p:cxnSp>
+        <p:nvCxnSpPr>
+          <p:cNvPr id="7" name="Straight Connector 6">
+            <a:extLst>
+              <a:ext uri="{FF2B5EF4-FFF2-40B4-BE49-F238E27FC236}">
+                <a16:creationId xmlns:a16="http://schemas.microsoft.com/office/drawing/2014/main" id="{01100767-80D8-5ECF-C99D-9158B2D3AFE8}"/>
+              </a:ext>
+            </a:extLst>
+          </p:cNvPr>
+          <p:cNvCxnSpPr>
+            <a:cxnSpLocks/>
+          </p:cNvCxnSpPr>
+          <p:nvPr/>
+        </p:nvCxnSpPr>
+        <p:spPr>
+          <a:xfrm>
+            <a:off x="0" y="3429000"/>
+            <a:ext cx="12192000" cy="0"/>
+          </a:xfrm>
+          <a:prstGeom prst="line">
+            <a:avLst/>
+          </a:prstGeom>
+          <a:ln w="38100">
+            <a:solidFill>
+              <a:schemeClr val="tx1"/>
+            </a:solidFill>
+          </a:ln>
+        </p:spPr>
+        <p:style>
+          <a:lnRef idx="1">
+            <a:schemeClr val="accent1"/>
+          </a:lnRef>
+          <a:fillRef idx="0">
+            <a:schemeClr val="accent1"/>
+          </a:fillRef>
+          <a:effectRef idx="0">
+            <a:schemeClr val="accent1"/>
+          </a:effectRef>
+          <a:fontRef idx="minor">
+            <a:schemeClr val="tx1"/>
+          </a:fontRef>
+        </p:style>
+      </p:cxnSp>
+      <mc:AlternateContent xmlns:mc="http://schemas.openxmlformats.org/markup-compatibility/2006" xmlns:a14="http://schemas.microsoft.com/office/drawing/2010/main">
+        <mc:Choice Requires="a14">
+          <p:sp>
+            <p:nvSpPr>
+              <p:cNvPr id="10" name="TextBox 9">
+                <a:extLst>
+                  <a:ext uri="{FF2B5EF4-FFF2-40B4-BE49-F238E27FC236}">
+                    <a16:creationId xmlns:a16="http://schemas.microsoft.com/office/drawing/2014/main" id="{9546085C-BC14-F83C-6C9A-17BF5413A34A}"/>
+                  </a:ext>
+                </a:extLst>
+              </p:cNvPr>
+              <p:cNvSpPr txBox="1"/>
+              <p:nvPr/>
+            </p:nvSpPr>
+            <p:spPr>
+              <a:xfrm>
+                <a:off x="97436" y="107428"/>
+                <a:ext cx="1860061" cy="877420"/>
+              </a:xfrm>
+              <a:prstGeom prst="rect">
+                <a:avLst/>
+              </a:prstGeom>
+              <a:noFill/>
+            </p:spPr>
+            <p:txBody>
+              <a:bodyPr wrap="none" lIns="0" tIns="0" rIns="0" bIns="0" rtlCol="0">
+                <a:spAutoFit/>
+              </a:bodyPr>
+              <a:lstStyle/>
+              <a:p>
+                <a:r>
+                  <a:rPr lang="en-US" b="1" dirty="0"/>
+                  <a:t>Rate Assumption 1:</a:t>
+                </a:r>
+              </a:p>
+              <a:p>
+                <a:r>
+                  <a:rPr lang="en-US" b="0" dirty="0"/>
+                  <a:t>All rates equal</a:t>
+                </a:r>
+              </a:p>
+              <a:p>
+                <a:r>
+                  <a:rPr lang="en-US" b="0" dirty="0"/>
+                  <a:t> </a:t>
+                </a:r>
+                <a14:m>
+                  <m:oMath xmlns:m="http://schemas.openxmlformats.org/officeDocument/2006/math">
+                    <m:sSubSup>
+                      <m:sSubSupPr>
+                        <m:ctrlPr>
+                          <a:rPr lang="en-US" b="0" i="1" smtClean="0">
+                            <a:latin typeface="Cambria Math" panose="02040503050406030204" pitchFamily="18" charset="0"/>
+                          </a:rPr>
+                        </m:ctrlPr>
+                      </m:sSubSupPr>
+                      <m:e>
+                        <m:r>
+                          <a:rPr lang="en-US" b="0" i="1" smtClean="0">
+                            <a:latin typeface="Cambria Math" panose="02040503050406030204" pitchFamily="18" charset="0"/>
+                          </a:rPr>
+                          <m:t>𝜆</m:t>
+                        </m:r>
+                      </m:e>
+                      <m:sub>
+                        <m:r>
+                          <a:rPr lang="en-US" b="0" i="1" smtClean="0">
+                            <a:latin typeface="Cambria Math" panose="02040503050406030204" pitchFamily="18" charset="0"/>
+                          </a:rPr>
+                          <m:t>𝑖</m:t>
+                        </m:r>
+                      </m:sub>
+                      <m:sup>
+                        <m:r>
+                          <a:rPr lang="en-US" b="0" i="1" smtClean="0">
+                            <a:latin typeface="Cambria Math" panose="02040503050406030204" pitchFamily="18" charset="0"/>
+                          </a:rPr>
+                          <m:t>𝐷</m:t>
+                        </m:r>
+                      </m:sup>
+                    </m:sSubSup>
+                    <m:r>
+                      <a:rPr lang="en-US" b="0" i="1" smtClean="0">
+                        <a:latin typeface="Cambria Math" panose="02040503050406030204" pitchFamily="18" charset="0"/>
+                      </a:rPr>
+                      <m:t>=</m:t>
+                    </m:r>
+                    <m:sSubSup>
+                      <m:sSubSupPr>
+                        <m:ctrlPr>
+                          <a:rPr lang="en-US" b="0" i="1" smtClean="0">
+                            <a:latin typeface="Cambria Math" panose="02040503050406030204" pitchFamily="18" charset="0"/>
+                          </a:rPr>
+                        </m:ctrlPr>
+                      </m:sSubSupPr>
+                      <m:e>
+                        <m:r>
+                          <a:rPr lang="en-US" b="0" i="1" smtClean="0">
+                            <a:latin typeface="Cambria Math" panose="02040503050406030204" pitchFamily="18" charset="0"/>
+                          </a:rPr>
+                          <m:t>𝜆</m:t>
+                        </m:r>
+                      </m:e>
+                      <m:sub>
+                        <m:r>
+                          <a:rPr lang="en-US" b="0" i="1" smtClean="0">
+                            <a:latin typeface="Cambria Math" panose="02040503050406030204" pitchFamily="18" charset="0"/>
+                          </a:rPr>
+                          <m:t>𝑖</m:t>
+                        </m:r>
+                        <m:r>
+                          <a:rPr lang="en-US" b="0" i="1" smtClean="0">
+                            <a:latin typeface="Cambria Math" panose="02040503050406030204" pitchFamily="18" charset="0"/>
+                          </a:rPr>
+                          <m:t>,</m:t>
+                        </m:r>
+                        <m:r>
+                          <a:rPr lang="en-US" b="0" i="1" smtClean="0">
+                            <a:latin typeface="Cambria Math" panose="02040503050406030204" pitchFamily="18" charset="0"/>
+                          </a:rPr>
+                          <m:t>𝑗</m:t>
+                        </m:r>
+                      </m:sub>
+                      <m:sup>
+                        <m:r>
+                          <a:rPr lang="en-US" b="0" i="1" smtClean="0">
+                            <a:latin typeface="Cambria Math" panose="02040503050406030204" pitchFamily="18" charset="0"/>
+                          </a:rPr>
+                          <m:t>𝐹</m:t>
+                        </m:r>
+                      </m:sup>
+                    </m:sSubSup>
+                    <m:r>
+                      <a:rPr lang="en-US" b="0" i="1" smtClean="0">
+                        <a:latin typeface="Cambria Math" panose="02040503050406030204" pitchFamily="18" charset="0"/>
+                      </a:rPr>
+                      <m:t>=</m:t>
+                    </m:r>
+                    <m:r>
+                      <a:rPr lang="en-US" b="0" i="1" smtClean="0">
+                        <a:latin typeface="Cambria Math" panose="02040503050406030204" pitchFamily="18" charset="0"/>
+                      </a:rPr>
+                      <m:t>𝜆</m:t>
+                    </m:r>
+                  </m:oMath>
+                </a14:m>
+                <a:endParaRPr lang="en-US" dirty="0"/>
+              </a:p>
+            </p:txBody>
+          </p:sp>
+        </mc:Choice>
+        <mc:Fallback xmlns="">
+          <p:sp>
+            <p:nvSpPr>
+              <p:cNvPr id="10" name="TextBox 9">
+                <a:extLst>
+                  <a:ext uri="{FF2B5EF4-FFF2-40B4-BE49-F238E27FC236}">
+                    <a16:creationId xmlns:a16="http://schemas.microsoft.com/office/drawing/2014/main" id="{9546085C-BC14-F83C-6C9A-17BF5413A34A}"/>
+                  </a:ext>
+                </a:extLst>
+              </p:cNvPr>
+              <p:cNvSpPr txBox="1">
+                <a:spLocks noRot="1" noChangeAspect="1" noMove="1" noResize="1" noEditPoints="1" noAdjustHandles="1" noChangeArrowheads="1" noChangeShapeType="1" noTextEdit="1"/>
+              </p:cNvSpPr>
+              <p:nvPr/>
+            </p:nvSpPr>
+            <p:spPr>
+              <a:xfrm>
+                <a:off x="97436" y="107428"/>
+                <a:ext cx="1860061" cy="877420"/>
+              </a:xfrm>
+              <a:prstGeom prst="rect">
+                <a:avLst/>
+              </a:prstGeom>
+              <a:blipFill>
+                <a:blip r:embed="rId2"/>
+                <a:stretch>
+                  <a:fillRect l="-7869" t="-9028" r="-6557" b="-8333"/>
+                </a:stretch>
+              </a:blipFill>
+            </p:spPr>
+            <p:txBody>
+              <a:bodyPr/>
+              <a:lstStyle/>
+              <a:p>
+                <a:r>
+                  <a:rPr lang="en-US">
+                    <a:noFill/>
+                  </a:rPr>
+                  <a:t> </a:t>
+                </a:r>
+              </a:p>
+            </p:txBody>
+          </p:sp>
+        </mc:Fallback>
+      </mc:AlternateContent>
+      <mc:AlternateContent xmlns:mc="http://schemas.openxmlformats.org/markup-compatibility/2006" xmlns:a14="http://schemas.microsoft.com/office/drawing/2010/main">
+        <mc:Choice Requires="a14">
+          <p:sp>
+            <p:nvSpPr>
+              <p:cNvPr id="12" name="TextBox 11">
+                <a:extLst>
+                  <a:ext uri="{FF2B5EF4-FFF2-40B4-BE49-F238E27FC236}">
+                    <a16:creationId xmlns:a16="http://schemas.microsoft.com/office/drawing/2014/main" id="{7238CD18-36B4-EA41-C8CC-F5BF15FA5747}"/>
+                  </a:ext>
+                </a:extLst>
+              </p:cNvPr>
+              <p:cNvSpPr txBox="1"/>
+              <p:nvPr/>
+            </p:nvSpPr>
+            <p:spPr>
+              <a:xfrm>
+                <a:off x="20268" y="1358965"/>
+                <a:ext cx="3773372" cy="1824025"/>
+              </a:xfrm>
+              <a:prstGeom prst="rect">
+                <a:avLst/>
+              </a:prstGeom>
+              <a:noFill/>
+            </p:spPr>
+            <p:txBody>
+              <a:bodyPr wrap="square" lIns="0" tIns="0" rIns="0" bIns="0" rtlCol="0">
+                <a:spAutoFit/>
+              </a:bodyPr>
+              <a:lstStyle/>
+              <a:p>
+                <a:r>
+                  <a:rPr lang="en-US" b="1" dirty="0"/>
+                  <a:t>Probability Assumption 1:</a:t>
+                </a:r>
+              </a:p>
+              <a:p>
+                <a:r>
+                  <a:rPr lang="en-US" dirty="0"/>
+                  <a:t>Equal numbers of mosquitoes needing </a:t>
+                </a:r>
+                <a:r>
+                  <a:rPr lang="en-US" i="1" dirty="0" err="1"/>
+                  <a:t>i</a:t>
+                </a:r>
+                <a:r>
+                  <a:rPr lang="en-US" i="1" dirty="0"/>
+                  <a:t> </a:t>
+                </a:r>
+                <a:r>
+                  <a:rPr lang="en-US" dirty="0"/>
+                  <a:t>bites</a:t>
+                </a:r>
+              </a:p>
+              <a:p>
+                <a:r>
+                  <a:rPr lang="en-US" dirty="0"/>
+                  <a:t>Fate model: </a:t>
+                </a:r>
+                <a14:m>
+                  <m:oMath xmlns:m="http://schemas.openxmlformats.org/officeDocument/2006/math">
+                    <m:sSub>
+                      <m:sSubPr>
+                        <m:ctrlPr>
+                          <a:rPr lang="en-US" b="0" i="1" smtClean="0">
+                            <a:latin typeface="Cambria Math" panose="02040503050406030204" pitchFamily="18" charset="0"/>
+                          </a:rPr>
+                        </m:ctrlPr>
+                      </m:sSubPr>
+                      <m:e>
+                        <m:r>
+                          <a:rPr lang="en-US" b="0" i="1" smtClean="0">
+                            <a:latin typeface="Cambria Math" panose="02040503050406030204" pitchFamily="18" charset="0"/>
+                          </a:rPr>
+                          <m:t>𝜅</m:t>
+                        </m:r>
+                      </m:e>
+                      <m:sub>
+                        <m:r>
+                          <a:rPr lang="en-US" b="0" i="1" smtClean="0">
+                            <a:latin typeface="Cambria Math" panose="02040503050406030204" pitchFamily="18" charset="0"/>
+                          </a:rPr>
+                          <m:t>𝑖</m:t>
+                        </m:r>
+                      </m:sub>
+                    </m:sSub>
+                    <m:r>
+                      <a:rPr lang="en-US" b="0" i="1" smtClean="0">
+                        <a:latin typeface="Cambria Math" panose="02040503050406030204" pitchFamily="18" charset="0"/>
+                      </a:rPr>
+                      <m:t>=</m:t>
+                    </m:r>
+                    <m:f>
+                      <m:fPr>
+                        <m:ctrlPr>
+                          <a:rPr lang="en-US" b="0" i="1" smtClean="0">
+                            <a:latin typeface="Cambria Math" panose="02040503050406030204" pitchFamily="18" charset="0"/>
+                          </a:rPr>
+                        </m:ctrlPr>
+                      </m:fPr>
+                      <m:num>
+                        <m:r>
+                          <a:rPr lang="en-US" b="0" i="1" smtClean="0">
+                            <a:latin typeface="Cambria Math" panose="02040503050406030204" pitchFamily="18" charset="0"/>
+                          </a:rPr>
+                          <m:t>1</m:t>
+                        </m:r>
+                      </m:num>
+                      <m:den>
+                        <m:r>
+                          <a:rPr lang="en-US" b="0" i="1" smtClean="0">
+                            <a:latin typeface="Cambria Math" panose="02040503050406030204" pitchFamily="18" charset="0"/>
+                          </a:rPr>
+                          <m:t>𝑘</m:t>
+                        </m:r>
+                      </m:den>
+                    </m:f>
+                  </m:oMath>
+                </a14:m>
+                <a:endParaRPr lang="en-US" dirty="0"/>
+              </a:p>
+              <a:p>
+                <a:r>
+                  <a:rPr lang="en-US" b="0" dirty="0"/>
+                  <a:t>Disrupt model: </a:t>
+                </a:r>
+                <a14:m>
+                  <m:oMath xmlns:m="http://schemas.openxmlformats.org/officeDocument/2006/math">
+                    <m:sSubSup>
+                      <m:sSubSupPr>
+                        <m:ctrlPr>
+                          <a:rPr lang="en-US" b="0" i="1" smtClean="0">
+                            <a:latin typeface="Cambria Math" panose="02040503050406030204" pitchFamily="18" charset="0"/>
+                          </a:rPr>
+                        </m:ctrlPr>
+                      </m:sSubSupPr>
+                      <m:e>
+                        <m:acc>
+                          <m:accPr>
+                            <m:chr m:val="̅"/>
+                            <m:ctrlPr>
+                              <a:rPr lang="en-US" b="0" i="1" smtClean="0">
+                                <a:latin typeface="Cambria Math" panose="02040503050406030204" pitchFamily="18" charset="0"/>
+                              </a:rPr>
+                            </m:ctrlPr>
+                          </m:accPr>
+                          <m:e>
+                            <m:r>
+                              <a:rPr lang="en-US" i="1">
+                                <a:latin typeface="Cambria Math" panose="02040503050406030204" pitchFamily="18" charset="0"/>
+                              </a:rPr>
+                              <m:t>𝐵</m:t>
+                            </m:r>
+                          </m:e>
+                        </m:acc>
+                      </m:e>
+                      <m:sub>
+                        <m:r>
+                          <a:rPr lang="en-US" b="0" i="1" smtClean="0">
+                            <a:latin typeface="Cambria Math" panose="02040503050406030204" pitchFamily="18" charset="0"/>
+                          </a:rPr>
+                          <m:t>𝑖</m:t>
+                        </m:r>
+                      </m:sub>
+                      <m:sup>
+                        <m:r>
+                          <a:rPr lang="en-US" b="0" i="1" smtClean="0">
+                            <a:latin typeface="Cambria Math" panose="02040503050406030204" pitchFamily="18" charset="0"/>
+                          </a:rPr>
+                          <m:t>𝐷</m:t>
+                        </m:r>
+                      </m:sup>
+                    </m:sSubSup>
+                    <m:r>
+                      <a:rPr lang="en-US" b="0" i="1" smtClean="0">
+                        <a:latin typeface="Cambria Math" panose="02040503050406030204" pitchFamily="18" charset="0"/>
+                      </a:rPr>
+                      <m:t>=</m:t>
+                    </m:r>
+                    <m:r>
+                      <a:rPr lang="en-US" i="1" smtClean="0">
+                        <a:latin typeface="Cambria Math" panose="02040503050406030204" pitchFamily="18" charset="0"/>
+                      </a:rPr>
+                      <m:t>𝐶</m:t>
+                    </m:r>
+                    <m:r>
+                      <a:rPr lang="en-US" i="1">
+                        <a:latin typeface="Cambria Math" panose="02040503050406030204" pitchFamily="18" charset="0"/>
+                      </a:rPr>
+                      <m:t>,1≤</m:t>
+                    </m:r>
+                    <m:r>
+                      <a:rPr lang="en-US" i="1">
+                        <a:latin typeface="Cambria Math" panose="02040503050406030204" pitchFamily="18" charset="0"/>
+                      </a:rPr>
+                      <m:t>𝑖</m:t>
+                    </m:r>
+                    <m:r>
+                      <a:rPr lang="en-US" i="1">
+                        <a:latin typeface="Cambria Math" panose="02040503050406030204" pitchFamily="18" charset="0"/>
+                      </a:rPr>
+                      <m:t>≤</m:t>
+                    </m:r>
+                    <m:r>
+                      <a:rPr lang="en-US" i="1">
+                        <a:latin typeface="Cambria Math" panose="02040503050406030204" pitchFamily="18" charset="0"/>
+                      </a:rPr>
+                      <m:t>𝑘</m:t>
+                    </m:r>
+                  </m:oMath>
+                </a14:m>
+                <a:endParaRPr lang="en-US" dirty="0"/>
+              </a:p>
+              <a:p>
+                <a:endParaRPr lang="en-US" dirty="0"/>
+              </a:p>
+            </p:txBody>
+          </p:sp>
+        </mc:Choice>
+        <mc:Fallback xmlns="">
+          <p:sp>
+            <p:nvSpPr>
+              <p:cNvPr id="12" name="TextBox 11">
+                <a:extLst>
+                  <a:ext uri="{FF2B5EF4-FFF2-40B4-BE49-F238E27FC236}">
+                    <a16:creationId xmlns:a16="http://schemas.microsoft.com/office/drawing/2014/main" id="{7238CD18-36B4-EA41-C8CC-F5BF15FA5747}"/>
+                  </a:ext>
+                </a:extLst>
+              </p:cNvPr>
+              <p:cNvSpPr txBox="1">
+                <a:spLocks noRot="1" noChangeAspect="1" noMove="1" noResize="1" noEditPoints="1" noAdjustHandles="1" noChangeArrowheads="1" noChangeShapeType="1" noTextEdit="1"/>
+              </p:cNvSpPr>
+              <p:nvPr/>
+            </p:nvSpPr>
+            <p:spPr>
+              <a:xfrm>
+                <a:off x="20268" y="1358965"/>
+                <a:ext cx="3773372" cy="1824025"/>
+              </a:xfrm>
+              <a:prstGeom prst="rect">
+                <a:avLst/>
+              </a:prstGeom>
+              <a:blipFill>
+                <a:blip r:embed="rId3"/>
+                <a:stretch>
+                  <a:fillRect l="-3716" t="-4348" r="-1292"/>
+                </a:stretch>
+              </a:blipFill>
+            </p:spPr>
+            <p:txBody>
+              <a:bodyPr/>
+              <a:lstStyle/>
+              <a:p>
+                <a:r>
+                  <a:rPr lang="en-US">
+                    <a:noFill/>
+                  </a:rPr>
+                  <a:t> </a:t>
+                </a:r>
+              </a:p>
+            </p:txBody>
+          </p:sp>
+        </mc:Fallback>
+      </mc:AlternateContent>
+      <mc:AlternateContent xmlns:mc="http://schemas.openxmlformats.org/markup-compatibility/2006" xmlns:a14="http://schemas.microsoft.com/office/drawing/2010/main">
+        <mc:Choice Requires="a14">
+          <p:sp>
+            <p:nvSpPr>
+              <p:cNvPr id="14" name="TextBox 13">
+                <a:extLst>
+                  <a:ext uri="{FF2B5EF4-FFF2-40B4-BE49-F238E27FC236}">
+                    <a16:creationId xmlns:a16="http://schemas.microsoft.com/office/drawing/2014/main" id="{26F1DC77-BBB6-72EA-BB0C-6763EAA76749}"/>
+                  </a:ext>
+                </a:extLst>
+              </p:cNvPr>
+              <p:cNvSpPr txBox="1"/>
+              <p:nvPr/>
+            </p:nvSpPr>
+            <p:spPr>
+              <a:xfrm>
+                <a:off x="140190" y="5100154"/>
+                <a:ext cx="3773372" cy="1824025"/>
+              </a:xfrm>
+              <a:prstGeom prst="rect">
+                <a:avLst/>
+              </a:prstGeom>
+              <a:noFill/>
+            </p:spPr>
+            <p:txBody>
+              <a:bodyPr wrap="square" lIns="0" tIns="0" rIns="0" bIns="0" rtlCol="0">
+                <a:spAutoFit/>
+              </a:bodyPr>
+              <a:lstStyle/>
+              <a:p>
+                <a:r>
+                  <a:rPr lang="en-US" b="1" dirty="0"/>
+                  <a:t>Probability Assumption 1:</a:t>
+                </a:r>
+              </a:p>
+              <a:p>
+                <a:r>
+                  <a:rPr lang="en-US" dirty="0"/>
+                  <a:t>Equal numbers of mosquitoes needing </a:t>
+                </a:r>
+                <a:r>
+                  <a:rPr lang="en-US" i="1" dirty="0" err="1"/>
+                  <a:t>i</a:t>
+                </a:r>
+                <a:r>
+                  <a:rPr lang="en-US" i="1" dirty="0"/>
+                  <a:t> </a:t>
+                </a:r>
+                <a:r>
+                  <a:rPr lang="en-US" dirty="0"/>
+                  <a:t>bites</a:t>
+                </a:r>
+              </a:p>
+              <a:p>
+                <a:r>
+                  <a:rPr lang="en-US" dirty="0"/>
+                  <a:t>Fate model: </a:t>
+                </a:r>
+                <a14:m>
+                  <m:oMath xmlns:m="http://schemas.openxmlformats.org/officeDocument/2006/math">
+                    <m:sSub>
+                      <m:sSubPr>
+                        <m:ctrlPr>
+                          <a:rPr lang="en-US" b="0" i="1" smtClean="0">
+                            <a:latin typeface="Cambria Math" panose="02040503050406030204" pitchFamily="18" charset="0"/>
+                          </a:rPr>
+                        </m:ctrlPr>
+                      </m:sSubPr>
+                      <m:e>
+                        <m:r>
+                          <a:rPr lang="en-US" b="0" i="1" smtClean="0">
+                            <a:latin typeface="Cambria Math" panose="02040503050406030204" pitchFamily="18" charset="0"/>
+                          </a:rPr>
+                          <m:t>𝜅</m:t>
+                        </m:r>
+                      </m:e>
+                      <m:sub>
+                        <m:r>
+                          <a:rPr lang="en-US" b="0" i="1" smtClean="0">
+                            <a:latin typeface="Cambria Math" panose="02040503050406030204" pitchFamily="18" charset="0"/>
+                          </a:rPr>
+                          <m:t>𝑖</m:t>
+                        </m:r>
+                      </m:sub>
+                    </m:sSub>
+                    <m:r>
+                      <a:rPr lang="en-US" b="0" i="1" smtClean="0">
+                        <a:latin typeface="Cambria Math" panose="02040503050406030204" pitchFamily="18" charset="0"/>
+                      </a:rPr>
+                      <m:t>=</m:t>
+                    </m:r>
+                    <m:f>
+                      <m:fPr>
+                        <m:ctrlPr>
+                          <a:rPr lang="en-US" b="0" i="1" smtClean="0">
+                            <a:latin typeface="Cambria Math" panose="02040503050406030204" pitchFamily="18" charset="0"/>
+                          </a:rPr>
+                        </m:ctrlPr>
+                      </m:fPr>
+                      <m:num>
+                        <m:r>
+                          <a:rPr lang="en-US" b="0" i="1" smtClean="0">
+                            <a:latin typeface="Cambria Math" panose="02040503050406030204" pitchFamily="18" charset="0"/>
+                          </a:rPr>
+                          <m:t>1</m:t>
+                        </m:r>
+                      </m:num>
+                      <m:den>
+                        <m:r>
+                          <a:rPr lang="en-US" b="0" i="1" smtClean="0">
+                            <a:latin typeface="Cambria Math" panose="02040503050406030204" pitchFamily="18" charset="0"/>
+                          </a:rPr>
+                          <m:t>𝑘</m:t>
+                        </m:r>
+                      </m:den>
+                    </m:f>
+                  </m:oMath>
+                </a14:m>
+                <a:endParaRPr lang="en-US" dirty="0"/>
+              </a:p>
+              <a:p>
+                <a:r>
+                  <a:rPr lang="en-US" b="0" dirty="0"/>
+                  <a:t>Disrupt model: </a:t>
+                </a:r>
+                <a14:m>
+                  <m:oMath xmlns:m="http://schemas.openxmlformats.org/officeDocument/2006/math">
+                    <m:sSubSup>
+                      <m:sSubSupPr>
+                        <m:ctrlPr>
+                          <a:rPr lang="en-US" b="0" i="1" smtClean="0">
+                            <a:latin typeface="Cambria Math" panose="02040503050406030204" pitchFamily="18" charset="0"/>
+                          </a:rPr>
+                        </m:ctrlPr>
+                      </m:sSubSupPr>
+                      <m:e>
+                        <m:acc>
+                          <m:accPr>
+                            <m:chr m:val="̅"/>
+                            <m:ctrlPr>
+                              <a:rPr lang="en-US" b="0" i="1" smtClean="0">
+                                <a:latin typeface="Cambria Math" panose="02040503050406030204" pitchFamily="18" charset="0"/>
+                              </a:rPr>
+                            </m:ctrlPr>
+                          </m:accPr>
+                          <m:e>
+                            <m:r>
+                              <a:rPr lang="en-US" i="1">
+                                <a:latin typeface="Cambria Math" panose="02040503050406030204" pitchFamily="18" charset="0"/>
+                              </a:rPr>
+                              <m:t>𝐵</m:t>
+                            </m:r>
+                          </m:e>
+                        </m:acc>
+                      </m:e>
+                      <m:sub>
+                        <m:r>
+                          <a:rPr lang="en-US" b="0" i="1" smtClean="0">
+                            <a:latin typeface="Cambria Math" panose="02040503050406030204" pitchFamily="18" charset="0"/>
+                          </a:rPr>
+                          <m:t>𝑖</m:t>
+                        </m:r>
+                      </m:sub>
+                      <m:sup>
+                        <m:r>
+                          <a:rPr lang="en-US" b="0" i="1" smtClean="0">
+                            <a:latin typeface="Cambria Math" panose="02040503050406030204" pitchFamily="18" charset="0"/>
+                          </a:rPr>
+                          <m:t>𝐷</m:t>
+                        </m:r>
+                      </m:sup>
+                    </m:sSubSup>
+                    <m:r>
+                      <a:rPr lang="en-US" b="0" i="1" smtClean="0">
+                        <a:latin typeface="Cambria Math" panose="02040503050406030204" pitchFamily="18" charset="0"/>
+                      </a:rPr>
+                      <m:t>=</m:t>
+                    </m:r>
+                    <m:r>
+                      <a:rPr lang="en-US" i="1" smtClean="0">
+                        <a:latin typeface="Cambria Math" panose="02040503050406030204" pitchFamily="18" charset="0"/>
+                      </a:rPr>
+                      <m:t>𝐶</m:t>
+                    </m:r>
+                    <m:r>
+                      <a:rPr lang="en-US" b="0" i="1" smtClean="0">
+                        <a:latin typeface="Cambria Math" panose="02040503050406030204" pitchFamily="18" charset="0"/>
+                      </a:rPr>
+                      <m:t>,1≤</m:t>
+                    </m:r>
+                    <m:r>
+                      <a:rPr lang="en-US" b="0" i="1" smtClean="0">
+                        <a:latin typeface="Cambria Math" panose="02040503050406030204" pitchFamily="18" charset="0"/>
+                      </a:rPr>
+                      <m:t>𝑖</m:t>
+                    </m:r>
+                    <m:r>
+                      <a:rPr lang="en-US" b="0" i="1" smtClean="0">
+                        <a:latin typeface="Cambria Math" panose="02040503050406030204" pitchFamily="18" charset="0"/>
+                      </a:rPr>
+                      <m:t>≤</m:t>
+                    </m:r>
+                    <m:r>
+                      <a:rPr lang="en-US" b="0" i="1" smtClean="0">
+                        <a:latin typeface="Cambria Math" panose="02040503050406030204" pitchFamily="18" charset="0"/>
+                      </a:rPr>
+                      <m:t>𝑘</m:t>
+                    </m:r>
+                  </m:oMath>
+                </a14:m>
+                <a:endParaRPr lang="en-US" dirty="0"/>
+              </a:p>
+              <a:p>
+                <a:endParaRPr lang="en-US" dirty="0"/>
+              </a:p>
+            </p:txBody>
+          </p:sp>
+        </mc:Choice>
+        <mc:Fallback xmlns="">
+          <p:sp>
+            <p:nvSpPr>
+              <p:cNvPr id="14" name="TextBox 13">
+                <a:extLst>
+                  <a:ext uri="{FF2B5EF4-FFF2-40B4-BE49-F238E27FC236}">
+                    <a16:creationId xmlns:a16="http://schemas.microsoft.com/office/drawing/2014/main" id="{26F1DC77-BBB6-72EA-BB0C-6763EAA76749}"/>
+                  </a:ext>
+                </a:extLst>
+              </p:cNvPr>
+              <p:cNvSpPr txBox="1">
+                <a:spLocks noRot="1" noChangeAspect="1" noMove="1" noResize="1" noEditPoints="1" noAdjustHandles="1" noChangeArrowheads="1" noChangeShapeType="1" noTextEdit="1"/>
+              </p:cNvSpPr>
+              <p:nvPr/>
+            </p:nvSpPr>
+            <p:spPr>
+              <a:xfrm>
+                <a:off x="140190" y="5100154"/>
+                <a:ext cx="3773372" cy="1824025"/>
+              </a:xfrm>
+              <a:prstGeom prst="rect">
+                <a:avLst/>
+              </a:prstGeom>
+              <a:blipFill>
+                <a:blip r:embed="rId4"/>
+                <a:stretch>
+                  <a:fillRect l="-3877" t="-4348" r="-1131"/>
+                </a:stretch>
+              </a:blipFill>
+            </p:spPr>
+            <p:txBody>
+              <a:bodyPr/>
+              <a:lstStyle/>
+              <a:p>
+                <a:r>
+                  <a:rPr lang="en-US">
+                    <a:noFill/>
+                  </a:rPr>
+                  <a:t> </a:t>
+                </a:r>
+              </a:p>
+            </p:txBody>
+          </p:sp>
+        </mc:Fallback>
+      </mc:AlternateContent>
+      <mc:AlternateContent xmlns:mc="http://schemas.openxmlformats.org/markup-compatibility/2006" xmlns:a14="http://schemas.microsoft.com/office/drawing/2010/main">
+        <mc:Choice Requires="a14">
+          <p:sp>
+            <p:nvSpPr>
+              <p:cNvPr id="15" name="TextBox 14">
+                <a:extLst>
+                  <a:ext uri="{FF2B5EF4-FFF2-40B4-BE49-F238E27FC236}">
+                    <a16:creationId xmlns:a16="http://schemas.microsoft.com/office/drawing/2014/main" id="{D18F42D0-7BFA-CDD6-3EC1-CA871D705B93}"/>
+                  </a:ext>
+                </a:extLst>
+              </p:cNvPr>
+              <p:cNvSpPr txBox="1"/>
+              <p:nvPr/>
+            </p:nvSpPr>
+            <p:spPr>
+              <a:xfrm>
+                <a:off x="97436" y="3644232"/>
+                <a:ext cx="1977721" cy="1196866"/>
+              </a:xfrm>
+              <a:prstGeom prst="rect">
+                <a:avLst/>
+              </a:prstGeom>
+              <a:noFill/>
+            </p:spPr>
+            <p:txBody>
+              <a:bodyPr wrap="none" lIns="0" tIns="0" rIns="0" bIns="0" rtlCol="0">
+                <a:spAutoFit/>
+              </a:bodyPr>
+              <a:lstStyle/>
+              <a:p>
+                <a:r>
+                  <a:rPr lang="en-US" b="1" dirty="0"/>
+                  <a:t>Rate Assumption 2:</a:t>
+                </a:r>
+              </a:p>
+              <a:p>
+                <a:r>
+                  <a:rPr lang="en-US" b="0" dirty="0"/>
+                  <a:t>Equal cycle durations</a:t>
+                </a:r>
+              </a:p>
+              <a:p>
+                <a:r>
+                  <a:rPr lang="en-US" dirty="0"/>
+                  <a:t> </a:t>
+                </a:r>
+                <a14:m>
+                  <m:oMath xmlns:m="http://schemas.openxmlformats.org/officeDocument/2006/math">
+                    <m:sSubSup>
+                      <m:sSubSupPr>
+                        <m:ctrlPr>
+                          <a:rPr lang="en-US" b="0" i="1" smtClean="0">
+                            <a:latin typeface="Cambria Math" panose="02040503050406030204" pitchFamily="18" charset="0"/>
+                          </a:rPr>
+                        </m:ctrlPr>
+                      </m:sSubSupPr>
+                      <m:e>
+                        <m:r>
+                          <a:rPr lang="en-US" b="0" i="1" smtClean="0">
+                            <a:latin typeface="Cambria Math" panose="02040503050406030204" pitchFamily="18" charset="0"/>
+                          </a:rPr>
+                          <m:t>𝑇</m:t>
+                        </m:r>
+                      </m:e>
+                      <m:sub>
+                        <m:r>
+                          <a:rPr lang="en-US" b="0" i="1" smtClean="0">
+                            <a:latin typeface="Cambria Math" panose="02040503050406030204" pitchFamily="18" charset="0"/>
+                          </a:rPr>
+                          <m:t>𝑖</m:t>
+                        </m:r>
+                      </m:sub>
+                      <m:sup>
+                        <m:r>
+                          <a:rPr lang="en-US" b="0" i="1" smtClean="0">
+                            <a:latin typeface="Cambria Math" panose="02040503050406030204" pitchFamily="18" charset="0"/>
+                          </a:rPr>
+                          <m:t>𝐷</m:t>
+                        </m:r>
+                      </m:sup>
+                    </m:sSubSup>
+                    <m:r>
+                      <a:rPr lang="en-US" b="0" i="1" smtClean="0">
+                        <a:latin typeface="Cambria Math" panose="02040503050406030204" pitchFamily="18" charset="0"/>
+                      </a:rPr>
+                      <m:t>=</m:t>
+                    </m:r>
+                    <m:r>
+                      <a:rPr lang="en-US" b="0" i="1" smtClean="0">
+                        <a:latin typeface="Cambria Math" panose="02040503050406030204" pitchFamily="18" charset="0"/>
+                      </a:rPr>
+                      <m:t>𝑇</m:t>
+                    </m:r>
+                  </m:oMath>
+                </a14:m>
+                <a:endParaRPr lang="en-US" b="0" dirty="0"/>
+              </a:p>
+              <a:p>
+                <a:r>
+                  <a:rPr lang="en-US" b="0" dirty="0"/>
+                  <a:t> </a:t>
+                </a:r>
+                <a14:m>
+                  <m:oMath xmlns:m="http://schemas.openxmlformats.org/officeDocument/2006/math">
+                    <m:sSubSup>
+                      <m:sSubSupPr>
+                        <m:ctrlPr>
+                          <a:rPr lang="en-US" b="0" i="1" smtClean="0">
+                            <a:latin typeface="Cambria Math" panose="02040503050406030204" pitchFamily="18" charset="0"/>
+                          </a:rPr>
+                        </m:ctrlPr>
+                      </m:sSubSupPr>
+                      <m:e>
+                        <m:r>
+                          <a:rPr lang="en-US" b="0" i="1" smtClean="0">
+                            <a:latin typeface="Cambria Math" panose="02040503050406030204" pitchFamily="18" charset="0"/>
+                          </a:rPr>
+                          <m:t>𝜆</m:t>
+                        </m:r>
+                      </m:e>
+                      <m:sub>
+                        <m:r>
+                          <a:rPr lang="en-US" b="0" i="1" smtClean="0">
+                            <a:latin typeface="Cambria Math" panose="02040503050406030204" pitchFamily="18" charset="0"/>
+                          </a:rPr>
+                          <m:t>𝑖</m:t>
+                        </m:r>
+                        <m:r>
+                          <a:rPr lang="en-US" b="0" i="1" smtClean="0">
+                            <a:latin typeface="Cambria Math" panose="02040503050406030204" pitchFamily="18" charset="0"/>
+                          </a:rPr>
+                          <m:t>,</m:t>
+                        </m:r>
+                        <m:r>
+                          <a:rPr lang="en-US" b="0" i="1" smtClean="0">
+                            <a:latin typeface="Cambria Math" panose="02040503050406030204" pitchFamily="18" charset="0"/>
+                          </a:rPr>
+                          <m:t>𝑗</m:t>
+                        </m:r>
+                      </m:sub>
+                      <m:sup>
+                        <m:r>
+                          <a:rPr lang="en-US" b="0" i="1" smtClean="0">
+                            <a:latin typeface="Cambria Math" panose="02040503050406030204" pitchFamily="18" charset="0"/>
+                          </a:rPr>
+                          <m:t>𝐹</m:t>
+                        </m:r>
+                      </m:sup>
+                    </m:sSubSup>
+                    <m:r>
+                      <a:rPr lang="en-US" b="0" i="1" smtClean="0">
+                        <a:latin typeface="Cambria Math" panose="02040503050406030204" pitchFamily="18" charset="0"/>
+                      </a:rPr>
+                      <m:t>=</m:t>
+                    </m:r>
+                    <m:r>
+                      <a:rPr lang="en-US" b="0" i="1" smtClean="0">
+                        <a:latin typeface="Cambria Math" panose="02040503050406030204" pitchFamily="18" charset="0"/>
+                      </a:rPr>
+                      <m:t>𝑖</m:t>
+                    </m:r>
+                    <m:r>
+                      <a:rPr lang="en-US" b="0" i="1" smtClean="0">
+                        <a:latin typeface="Cambria Math" panose="02040503050406030204" pitchFamily="18" charset="0"/>
+                      </a:rPr>
+                      <m:t>𝜆</m:t>
+                    </m:r>
+                  </m:oMath>
+                </a14:m>
+                <a:endParaRPr lang="en-US" dirty="0"/>
+              </a:p>
+            </p:txBody>
+          </p:sp>
+        </mc:Choice>
+        <mc:Fallback xmlns="">
+          <p:sp>
+            <p:nvSpPr>
+              <p:cNvPr id="15" name="TextBox 14">
+                <a:extLst>
+                  <a:ext uri="{FF2B5EF4-FFF2-40B4-BE49-F238E27FC236}">
+                    <a16:creationId xmlns:a16="http://schemas.microsoft.com/office/drawing/2014/main" id="{D18F42D0-7BFA-CDD6-3EC1-CA871D705B93}"/>
+                  </a:ext>
+                </a:extLst>
+              </p:cNvPr>
+              <p:cNvSpPr txBox="1">
+                <a:spLocks noRot="1" noChangeAspect="1" noMove="1" noResize="1" noEditPoints="1" noAdjustHandles="1" noChangeArrowheads="1" noChangeShapeType="1" noTextEdit="1"/>
+              </p:cNvSpPr>
+              <p:nvPr/>
+            </p:nvSpPr>
+            <p:spPr>
+              <a:xfrm>
+                <a:off x="97436" y="3644232"/>
+                <a:ext cx="1977721" cy="1196866"/>
+              </a:xfrm>
+              <a:prstGeom prst="rect">
+                <a:avLst/>
+              </a:prstGeom>
+              <a:blipFill>
+                <a:blip r:embed="rId5"/>
+                <a:stretch>
+                  <a:fillRect l="-7407" t="-6633" r="-7099" b="-4082"/>
+                </a:stretch>
+              </a:blipFill>
+            </p:spPr>
+            <p:txBody>
+              <a:bodyPr/>
+              <a:lstStyle/>
+              <a:p>
+                <a:r>
+                  <a:rPr lang="en-US">
+                    <a:noFill/>
+                  </a:rPr>
+                  <a:t> </a:t>
+                </a:r>
+              </a:p>
+            </p:txBody>
+          </p:sp>
+        </mc:Fallback>
+      </mc:AlternateContent>
+      <mc:AlternateContent xmlns:mc="http://schemas.openxmlformats.org/markup-compatibility/2006" xmlns:a14="http://schemas.microsoft.com/office/drawing/2010/main">
+        <mc:Choice Requires="a14">
+          <p:sp>
+            <p:nvSpPr>
+              <p:cNvPr id="17" name="TextBox 16">
+                <a:extLst>
+                  <a:ext uri="{FF2B5EF4-FFF2-40B4-BE49-F238E27FC236}">
+                    <a16:creationId xmlns:a16="http://schemas.microsoft.com/office/drawing/2014/main" id="{B42DDF14-A850-D224-C818-179FA428D4C3}"/>
+                  </a:ext>
+                </a:extLst>
+              </p:cNvPr>
+              <p:cNvSpPr txBox="1"/>
+              <p:nvPr/>
+            </p:nvSpPr>
+            <p:spPr>
+              <a:xfrm>
+                <a:off x="6213423" y="127272"/>
+                <a:ext cx="1860061" cy="877420"/>
+              </a:xfrm>
+              <a:prstGeom prst="rect">
+                <a:avLst/>
+              </a:prstGeom>
+              <a:noFill/>
+            </p:spPr>
+            <p:txBody>
+              <a:bodyPr wrap="none" lIns="0" tIns="0" rIns="0" bIns="0" rtlCol="0">
+                <a:spAutoFit/>
+              </a:bodyPr>
+              <a:lstStyle/>
+              <a:p>
+                <a:r>
+                  <a:rPr lang="en-US" b="1" dirty="0"/>
+                  <a:t>Rate Assumption 1:</a:t>
+                </a:r>
+              </a:p>
+              <a:p>
+                <a:r>
+                  <a:rPr lang="en-US" b="0" dirty="0"/>
+                  <a:t>All rates equal</a:t>
+                </a:r>
+              </a:p>
+              <a:p>
+                <a:r>
+                  <a:rPr lang="en-US" b="0" dirty="0"/>
+                  <a:t> </a:t>
+                </a:r>
+                <a14:m>
+                  <m:oMath xmlns:m="http://schemas.openxmlformats.org/officeDocument/2006/math">
+                    <m:sSubSup>
+                      <m:sSubSupPr>
+                        <m:ctrlPr>
+                          <a:rPr lang="en-US" b="0" i="1" smtClean="0">
+                            <a:latin typeface="Cambria Math" panose="02040503050406030204" pitchFamily="18" charset="0"/>
+                          </a:rPr>
+                        </m:ctrlPr>
+                      </m:sSubSupPr>
+                      <m:e>
+                        <m:r>
+                          <a:rPr lang="en-US" b="0" i="1" smtClean="0">
+                            <a:latin typeface="Cambria Math" panose="02040503050406030204" pitchFamily="18" charset="0"/>
+                          </a:rPr>
+                          <m:t>𝜆</m:t>
+                        </m:r>
+                      </m:e>
+                      <m:sub>
+                        <m:r>
+                          <a:rPr lang="en-US" b="0" i="1" smtClean="0">
+                            <a:latin typeface="Cambria Math" panose="02040503050406030204" pitchFamily="18" charset="0"/>
+                          </a:rPr>
+                          <m:t>𝑖</m:t>
+                        </m:r>
+                      </m:sub>
+                      <m:sup>
+                        <m:r>
+                          <a:rPr lang="en-US" b="0" i="1" smtClean="0">
+                            <a:latin typeface="Cambria Math" panose="02040503050406030204" pitchFamily="18" charset="0"/>
+                          </a:rPr>
+                          <m:t>𝐷</m:t>
+                        </m:r>
+                      </m:sup>
+                    </m:sSubSup>
+                    <m:r>
+                      <a:rPr lang="en-US" b="0" i="1" smtClean="0">
+                        <a:latin typeface="Cambria Math" panose="02040503050406030204" pitchFamily="18" charset="0"/>
+                      </a:rPr>
+                      <m:t>=</m:t>
+                    </m:r>
+                    <m:sSubSup>
+                      <m:sSubSupPr>
+                        <m:ctrlPr>
+                          <a:rPr lang="en-US" b="0" i="1" smtClean="0">
+                            <a:latin typeface="Cambria Math" panose="02040503050406030204" pitchFamily="18" charset="0"/>
+                          </a:rPr>
+                        </m:ctrlPr>
+                      </m:sSubSupPr>
+                      <m:e>
+                        <m:r>
+                          <a:rPr lang="en-US" b="0" i="1" smtClean="0">
+                            <a:latin typeface="Cambria Math" panose="02040503050406030204" pitchFamily="18" charset="0"/>
+                          </a:rPr>
+                          <m:t>𝜆</m:t>
+                        </m:r>
+                      </m:e>
+                      <m:sub>
+                        <m:r>
+                          <a:rPr lang="en-US" b="0" i="1" smtClean="0">
+                            <a:latin typeface="Cambria Math" panose="02040503050406030204" pitchFamily="18" charset="0"/>
+                          </a:rPr>
+                          <m:t>𝑖</m:t>
+                        </m:r>
+                        <m:r>
+                          <a:rPr lang="en-US" b="0" i="1" smtClean="0">
+                            <a:latin typeface="Cambria Math" panose="02040503050406030204" pitchFamily="18" charset="0"/>
+                          </a:rPr>
+                          <m:t>,</m:t>
+                        </m:r>
+                        <m:r>
+                          <a:rPr lang="en-US" b="0" i="1" smtClean="0">
+                            <a:latin typeface="Cambria Math" panose="02040503050406030204" pitchFamily="18" charset="0"/>
+                          </a:rPr>
+                          <m:t>𝑗</m:t>
+                        </m:r>
+                      </m:sub>
+                      <m:sup>
+                        <m:r>
+                          <a:rPr lang="en-US" b="0" i="1" smtClean="0">
+                            <a:latin typeface="Cambria Math" panose="02040503050406030204" pitchFamily="18" charset="0"/>
+                          </a:rPr>
+                          <m:t>𝐹</m:t>
+                        </m:r>
+                      </m:sup>
+                    </m:sSubSup>
+                    <m:r>
+                      <a:rPr lang="en-US" b="0" i="1" smtClean="0">
+                        <a:latin typeface="Cambria Math" panose="02040503050406030204" pitchFamily="18" charset="0"/>
+                      </a:rPr>
+                      <m:t>=</m:t>
+                    </m:r>
+                    <m:r>
+                      <a:rPr lang="en-US" b="0" i="1" smtClean="0">
+                        <a:latin typeface="Cambria Math" panose="02040503050406030204" pitchFamily="18" charset="0"/>
+                      </a:rPr>
+                      <m:t>𝜆</m:t>
+                    </m:r>
+                  </m:oMath>
+                </a14:m>
+                <a:endParaRPr lang="en-US" dirty="0"/>
+              </a:p>
+            </p:txBody>
+          </p:sp>
+        </mc:Choice>
+        <mc:Fallback xmlns="">
+          <p:sp>
+            <p:nvSpPr>
+              <p:cNvPr id="17" name="TextBox 16">
+                <a:extLst>
+                  <a:ext uri="{FF2B5EF4-FFF2-40B4-BE49-F238E27FC236}">
+                    <a16:creationId xmlns:a16="http://schemas.microsoft.com/office/drawing/2014/main" id="{B42DDF14-A850-D224-C818-179FA428D4C3}"/>
+                  </a:ext>
+                </a:extLst>
+              </p:cNvPr>
+              <p:cNvSpPr txBox="1">
+                <a:spLocks noRot="1" noChangeAspect="1" noMove="1" noResize="1" noEditPoints="1" noAdjustHandles="1" noChangeArrowheads="1" noChangeShapeType="1" noTextEdit="1"/>
+              </p:cNvSpPr>
+              <p:nvPr/>
+            </p:nvSpPr>
+            <p:spPr>
+              <a:xfrm>
+                <a:off x="6213423" y="127272"/>
+                <a:ext cx="1860061" cy="877420"/>
+              </a:xfrm>
+              <a:prstGeom prst="rect">
+                <a:avLst/>
+              </a:prstGeom>
+              <a:blipFill>
+                <a:blip r:embed="rId6"/>
+                <a:stretch>
+                  <a:fillRect l="-7541" t="-9028" r="-6885" b="-8333"/>
+                </a:stretch>
+              </a:blipFill>
+            </p:spPr>
+            <p:txBody>
+              <a:bodyPr/>
+              <a:lstStyle/>
+              <a:p>
+                <a:r>
+                  <a:rPr lang="en-US">
+                    <a:noFill/>
+                  </a:rPr>
+                  <a:t> </a:t>
+                </a:r>
+              </a:p>
+            </p:txBody>
+          </p:sp>
+        </mc:Fallback>
+      </mc:AlternateContent>
+      <mc:AlternateContent xmlns:mc="http://schemas.openxmlformats.org/markup-compatibility/2006" xmlns:a14="http://schemas.microsoft.com/office/drawing/2010/main">
+        <mc:Choice Requires="a14">
+          <p:sp>
+            <p:nvSpPr>
+              <p:cNvPr id="18" name="TextBox 17">
+                <a:extLst>
+                  <a:ext uri="{FF2B5EF4-FFF2-40B4-BE49-F238E27FC236}">
+                    <a16:creationId xmlns:a16="http://schemas.microsoft.com/office/drawing/2014/main" id="{87A5909F-D7DA-BA59-388F-B9707F8256D3}"/>
+                  </a:ext>
+                </a:extLst>
+              </p:cNvPr>
+              <p:cNvSpPr txBox="1"/>
+              <p:nvPr/>
+            </p:nvSpPr>
+            <p:spPr>
+              <a:xfrm>
+                <a:off x="6213423" y="3644232"/>
+                <a:ext cx="1977721" cy="1196866"/>
+              </a:xfrm>
+              <a:prstGeom prst="rect">
+                <a:avLst/>
+              </a:prstGeom>
+              <a:noFill/>
+            </p:spPr>
+            <p:txBody>
+              <a:bodyPr wrap="none" lIns="0" tIns="0" rIns="0" bIns="0" rtlCol="0">
+                <a:spAutoFit/>
+              </a:bodyPr>
+              <a:lstStyle/>
+              <a:p>
+                <a:r>
+                  <a:rPr lang="en-US" b="1" dirty="0"/>
+                  <a:t>Rate Assumption 2:</a:t>
+                </a:r>
+              </a:p>
+              <a:p>
+                <a:r>
+                  <a:rPr lang="en-US" b="0" dirty="0"/>
+                  <a:t>Equal cycle durations</a:t>
+                </a:r>
+              </a:p>
+              <a:p>
+                <a:r>
+                  <a:rPr lang="en-US" dirty="0"/>
+                  <a:t> </a:t>
+                </a:r>
+                <a14:m>
+                  <m:oMath xmlns:m="http://schemas.openxmlformats.org/officeDocument/2006/math">
+                    <m:sSubSup>
+                      <m:sSubSupPr>
+                        <m:ctrlPr>
+                          <a:rPr lang="en-US" b="0" i="1" smtClean="0">
+                            <a:latin typeface="Cambria Math" panose="02040503050406030204" pitchFamily="18" charset="0"/>
+                          </a:rPr>
+                        </m:ctrlPr>
+                      </m:sSubSupPr>
+                      <m:e>
+                        <m:r>
+                          <a:rPr lang="en-US" b="0" i="1" smtClean="0">
+                            <a:latin typeface="Cambria Math" panose="02040503050406030204" pitchFamily="18" charset="0"/>
+                          </a:rPr>
+                          <m:t>𝑇</m:t>
+                        </m:r>
+                      </m:e>
+                      <m:sub>
+                        <m:r>
+                          <a:rPr lang="en-US" b="0" i="1" smtClean="0">
+                            <a:latin typeface="Cambria Math" panose="02040503050406030204" pitchFamily="18" charset="0"/>
+                          </a:rPr>
+                          <m:t>𝑖</m:t>
+                        </m:r>
+                      </m:sub>
+                      <m:sup>
+                        <m:r>
+                          <a:rPr lang="en-US" b="0" i="1" smtClean="0">
+                            <a:latin typeface="Cambria Math" panose="02040503050406030204" pitchFamily="18" charset="0"/>
+                          </a:rPr>
+                          <m:t>𝐷</m:t>
+                        </m:r>
+                      </m:sup>
+                    </m:sSubSup>
+                    <m:r>
+                      <a:rPr lang="en-US" b="0" i="1" smtClean="0">
+                        <a:latin typeface="Cambria Math" panose="02040503050406030204" pitchFamily="18" charset="0"/>
+                      </a:rPr>
+                      <m:t>=</m:t>
+                    </m:r>
+                    <m:r>
+                      <a:rPr lang="en-US" b="0" i="1" smtClean="0">
+                        <a:latin typeface="Cambria Math" panose="02040503050406030204" pitchFamily="18" charset="0"/>
+                      </a:rPr>
+                      <m:t>𝑇</m:t>
+                    </m:r>
+                  </m:oMath>
+                </a14:m>
+                <a:endParaRPr lang="en-US" b="0" dirty="0"/>
+              </a:p>
+              <a:p>
+                <a:r>
+                  <a:rPr lang="en-US" b="0" dirty="0"/>
+                  <a:t> </a:t>
+                </a:r>
+                <a14:m>
+                  <m:oMath xmlns:m="http://schemas.openxmlformats.org/officeDocument/2006/math">
+                    <m:sSubSup>
+                      <m:sSubSupPr>
+                        <m:ctrlPr>
+                          <a:rPr lang="en-US" b="0" i="1" smtClean="0">
+                            <a:latin typeface="Cambria Math" panose="02040503050406030204" pitchFamily="18" charset="0"/>
+                          </a:rPr>
+                        </m:ctrlPr>
+                      </m:sSubSupPr>
+                      <m:e>
+                        <m:r>
+                          <a:rPr lang="en-US" b="0" i="1" smtClean="0">
+                            <a:latin typeface="Cambria Math" panose="02040503050406030204" pitchFamily="18" charset="0"/>
+                          </a:rPr>
+                          <m:t>𝜆</m:t>
+                        </m:r>
+                      </m:e>
+                      <m:sub>
+                        <m:r>
+                          <a:rPr lang="en-US" b="0" i="1" smtClean="0">
+                            <a:latin typeface="Cambria Math" panose="02040503050406030204" pitchFamily="18" charset="0"/>
+                          </a:rPr>
+                          <m:t>𝑖</m:t>
+                        </m:r>
+                        <m:r>
+                          <a:rPr lang="en-US" b="0" i="1" smtClean="0">
+                            <a:latin typeface="Cambria Math" panose="02040503050406030204" pitchFamily="18" charset="0"/>
+                          </a:rPr>
+                          <m:t>,</m:t>
+                        </m:r>
+                        <m:r>
+                          <a:rPr lang="en-US" b="0" i="1" smtClean="0">
+                            <a:latin typeface="Cambria Math" panose="02040503050406030204" pitchFamily="18" charset="0"/>
+                          </a:rPr>
+                          <m:t>𝑗</m:t>
+                        </m:r>
+                      </m:sub>
+                      <m:sup>
+                        <m:r>
+                          <a:rPr lang="en-US" b="0" i="1" smtClean="0">
+                            <a:latin typeface="Cambria Math" panose="02040503050406030204" pitchFamily="18" charset="0"/>
+                          </a:rPr>
+                          <m:t>𝐹</m:t>
+                        </m:r>
+                      </m:sup>
+                    </m:sSubSup>
+                    <m:r>
+                      <a:rPr lang="en-US" b="0" i="1" smtClean="0">
+                        <a:latin typeface="Cambria Math" panose="02040503050406030204" pitchFamily="18" charset="0"/>
+                      </a:rPr>
+                      <m:t>=</m:t>
+                    </m:r>
+                    <m:r>
+                      <a:rPr lang="en-US" b="0" i="1" smtClean="0">
+                        <a:latin typeface="Cambria Math" panose="02040503050406030204" pitchFamily="18" charset="0"/>
+                      </a:rPr>
+                      <m:t>𝑖</m:t>
+                    </m:r>
+                    <m:r>
+                      <a:rPr lang="en-US" b="0" i="1" smtClean="0">
+                        <a:latin typeface="Cambria Math" panose="02040503050406030204" pitchFamily="18" charset="0"/>
+                      </a:rPr>
+                      <m:t>𝜆</m:t>
+                    </m:r>
+                  </m:oMath>
+                </a14:m>
+                <a:endParaRPr lang="en-US" dirty="0"/>
+              </a:p>
+            </p:txBody>
+          </p:sp>
+        </mc:Choice>
+        <mc:Fallback xmlns="">
+          <p:sp>
+            <p:nvSpPr>
+              <p:cNvPr id="18" name="TextBox 17">
+                <a:extLst>
+                  <a:ext uri="{FF2B5EF4-FFF2-40B4-BE49-F238E27FC236}">
+                    <a16:creationId xmlns:a16="http://schemas.microsoft.com/office/drawing/2014/main" id="{87A5909F-D7DA-BA59-388F-B9707F8256D3}"/>
+                  </a:ext>
+                </a:extLst>
+              </p:cNvPr>
+              <p:cNvSpPr txBox="1">
+                <a:spLocks noRot="1" noChangeAspect="1" noMove="1" noResize="1" noEditPoints="1" noAdjustHandles="1" noChangeArrowheads="1" noChangeShapeType="1" noTextEdit="1"/>
+              </p:cNvSpPr>
+              <p:nvPr/>
+            </p:nvSpPr>
+            <p:spPr>
+              <a:xfrm>
+                <a:off x="6213423" y="3644232"/>
+                <a:ext cx="1977721" cy="1196866"/>
+              </a:xfrm>
+              <a:prstGeom prst="rect">
+                <a:avLst/>
+              </a:prstGeom>
+              <a:blipFill>
+                <a:blip r:embed="rId7"/>
+                <a:stretch>
+                  <a:fillRect l="-7077" t="-6633" r="-7077" b="-4082"/>
+                </a:stretch>
+              </a:blipFill>
+            </p:spPr>
+            <p:txBody>
+              <a:bodyPr/>
+              <a:lstStyle/>
+              <a:p>
+                <a:r>
+                  <a:rPr lang="en-US">
+                    <a:noFill/>
+                  </a:rPr>
+                  <a:t> </a:t>
+                </a:r>
+              </a:p>
+            </p:txBody>
+          </p:sp>
+        </mc:Fallback>
+      </mc:AlternateContent>
+      <mc:AlternateContent xmlns:mc="http://schemas.openxmlformats.org/markup-compatibility/2006" xmlns:a14="http://schemas.microsoft.com/office/drawing/2010/main">
+        <mc:Choice Requires="a14">
+          <p:sp>
+            <p:nvSpPr>
+              <p:cNvPr id="19" name="TextBox 18">
+                <a:extLst>
+                  <a:ext uri="{FF2B5EF4-FFF2-40B4-BE49-F238E27FC236}">
+                    <a16:creationId xmlns:a16="http://schemas.microsoft.com/office/drawing/2014/main" id="{8CAF8D03-0AD7-3BB1-1F5B-FF61349AC92E}"/>
+                  </a:ext>
+                </a:extLst>
+              </p:cNvPr>
+              <p:cNvSpPr txBox="1"/>
+              <p:nvPr/>
+            </p:nvSpPr>
+            <p:spPr>
+              <a:xfrm>
+                <a:off x="6256844" y="3489844"/>
+                <a:ext cx="4619187" cy="1808444"/>
+              </a:xfrm>
+              <a:prstGeom prst="rect">
+                <a:avLst/>
+              </a:prstGeom>
+              <a:noFill/>
+            </p:spPr>
+            <p:txBody>
+              <a:bodyPr wrap="square" lIns="0" tIns="0" rIns="0" bIns="0" rtlCol="0">
+                <a:spAutoFit/>
+              </a:bodyPr>
+              <a:lstStyle/>
+              <a:p>
+                <a:r>
+                  <a:rPr lang="en-US" b="1" dirty="0"/>
+                  <a:t>Probability Assumption 2:</a:t>
+                </a:r>
+                <a:endParaRPr lang="en-US" dirty="0"/>
+              </a:p>
+              <a:p>
+                <a:r>
+                  <a:rPr lang="en-US" dirty="0"/>
+                  <a:t>Needing more bites is increasingly unlikely</a:t>
+                </a:r>
+              </a:p>
+              <a:p>
+                <a:r>
+                  <a:rPr lang="en-US" dirty="0"/>
+                  <a:t>Fate model: </a:t>
+                </a:r>
+                <a14:m>
+                  <m:oMath xmlns:m="http://schemas.openxmlformats.org/officeDocument/2006/math">
+                    <m:sSub>
+                      <m:sSubPr>
+                        <m:ctrlPr>
+                          <a:rPr lang="en-US" b="0" i="1" smtClean="0">
+                            <a:latin typeface="Cambria Math" panose="02040503050406030204" pitchFamily="18" charset="0"/>
+                          </a:rPr>
+                        </m:ctrlPr>
+                      </m:sSubPr>
+                      <m:e>
+                        <m:r>
+                          <a:rPr lang="en-US" b="0" i="1" smtClean="0">
+                            <a:latin typeface="Cambria Math" panose="02040503050406030204" pitchFamily="18" charset="0"/>
+                          </a:rPr>
+                          <m:t>𝜅</m:t>
+                        </m:r>
+                      </m:e>
+                      <m:sub>
+                        <m:r>
+                          <a:rPr lang="en-US" b="0" i="1" smtClean="0">
+                            <a:latin typeface="Cambria Math" panose="02040503050406030204" pitchFamily="18" charset="0"/>
+                          </a:rPr>
+                          <m:t>𝑖</m:t>
+                        </m:r>
+                      </m:sub>
+                    </m:sSub>
+                    <m:r>
+                      <a:rPr lang="en-US" b="0" i="1" smtClean="0">
+                        <a:latin typeface="Cambria Math" panose="02040503050406030204" pitchFamily="18" charset="0"/>
+                      </a:rPr>
+                      <m:t>=</m:t>
+                    </m:r>
+                    <m:d>
+                      <m:dPr>
+                        <m:ctrlPr>
+                          <a:rPr lang="en-US" b="0" i="1" smtClean="0">
+                            <a:latin typeface="Cambria Math" panose="02040503050406030204" pitchFamily="18" charset="0"/>
+                          </a:rPr>
+                        </m:ctrlPr>
+                      </m:dPr>
+                      <m:e>
+                        <m:f>
+                          <m:fPr>
+                            <m:ctrlPr>
+                              <a:rPr lang="en-US" i="1">
+                                <a:latin typeface="Cambria Math" panose="02040503050406030204" pitchFamily="18" charset="0"/>
+                              </a:rPr>
+                            </m:ctrlPr>
+                          </m:fPr>
+                          <m:num>
+                            <m:r>
+                              <a:rPr lang="en-US" i="1">
+                                <a:latin typeface="Cambria Math" panose="02040503050406030204" pitchFamily="18" charset="0"/>
+                              </a:rPr>
+                              <m:t>1</m:t>
+                            </m:r>
+                          </m:num>
+                          <m:den>
+                            <m:r>
+                              <a:rPr lang="en-US" i="1">
+                                <a:latin typeface="Cambria Math" panose="02040503050406030204" pitchFamily="18" charset="0"/>
+                              </a:rPr>
+                              <m:t>𝑘</m:t>
+                            </m:r>
+                            <m:r>
+                              <a:rPr lang="en-US" i="1">
+                                <a:latin typeface="Cambria Math" panose="02040503050406030204" pitchFamily="18" charset="0"/>
+                              </a:rPr>
+                              <m:t>−1 </m:t>
+                            </m:r>
+                          </m:den>
+                        </m:f>
+                      </m:e>
+                    </m:d>
+                    <m:d>
+                      <m:dPr>
+                        <m:ctrlPr>
+                          <a:rPr lang="en-US" b="0" i="1" smtClean="0">
+                            <a:latin typeface="Cambria Math" panose="02040503050406030204" pitchFamily="18" charset="0"/>
+                          </a:rPr>
+                        </m:ctrlPr>
+                      </m:dPr>
+                      <m:e>
+                        <m:r>
+                          <a:rPr lang="en-US" b="0" i="1" smtClean="0">
+                            <a:latin typeface="Cambria Math" panose="02040503050406030204" pitchFamily="18" charset="0"/>
+                          </a:rPr>
+                          <m:t>1−</m:t>
+                        </m:r>
+                        <m:f>
+                          <m:fPr>
+                            <m:ctrlPr>
+                              <a:rPr lang="en-US" i="1">
+                                <a:latin typeface="Cambria Math" panose="02040503050406030204" pitchFamily="18" charset="0"/>
+                              </a:rPr>
+                            </m:ctrlPr>
+                          </m:fPr>
+                          <m:num>
+                            <m:r>
+                              <a:rPr lang="en-US" i="1">
+                                <a:latin typeface="Cambria Math" panose="02040503050406030204" pitchFamily="18" charset="0"/>
+                              </a:rPr>
+                              <m:t>𝑖</m:t>
+                            </m:r>
+                          </m:num>
+                          <m:den>
+                            <m:r>
+                              <a:rPr lang="en-US" i="1">
+                                <a:latin typeface="Cambria Math" panose="02040503050406030204" pitchFamily="18" charset="0"/>
+                              </a:rPr>
+                              <m:t>𝑛</m:t>
+                            </m:r>
+                          </m:den>
+                        </m:f>
+                      </m:e>
+                    </m:d>
+                  </m:oMath>
+                </a14:m>
+                <a:r>
+                  <a:rPr lang="en-US" dirty="0"/>
+                  <a:t>, </a:t>
+                </a:r>
+                <a14:m>
+                  <m:oMath xmlns:m="http://schemas.openxmlformats.org/officeDocument/2006/math">
+                    <m:r>
+                      <a:rPr lang="en-US" b="0" i="1" smtClean="0">
+                        <a:latin typeface="Cambria Math" panose="02040503050406030204" pitchFamily="18" charset="0"/>
+                      </a:rPr>
+                      <m:t>𝑛</m:t>
+                    </m:r>
+                    <m:r>
+                      <a:rPr lang="en-US" b="0" i="1" smtClean="0">
+                        <a:latin typeface="Cambria Math" panose="02040503050406030204" pitchFamily="18" charset="0"/>
+                      </a:rPr>
+                      <m:t>=</m:t>
+                    </m:r>
+                    <m:f>
+                      <m:fPr>
+                        <m:ctrlPr>
+                          <a:rPr lang="en-US" b="0" i="1" smtClean="0">
+                            <a:latin typeface="Cambria Math" panose="02040503050406030204" pitchFamily="18" charset="0"/>
+                          </a:rPr>
+                        </m:ctrlPr>
+                      </m:fPr>
+                      <m:num>
+                        <m:r>
+                          <a:rPr lang="en-US" b="0" i="1" smtClean="0">
+                            <a:latin typeface="Cambria Math" panose="02040503050406030204" pitchFamily="18" charset="0"/>
+                          </a:rPr>
+                          <m:t>𝑘</m:t>
+                        </m:r>
+                        <m:r>
+                          <a:rPr lang="en-US" b="0" i="1" smtClean="0">
+                            <a:latin typeface="Cambria Math" panose="02040503050406030204" pitchFamily="18" charset="0"/>
+                          </a:rPr>
+                          <m:t>(</m:t>
+                        </m:r>
+                        <m:r>
+                          <a:rPr lang="en-US" b="0" i="1" smtClean="0">
+                            <a:latin typeface="Cambria Math" panose="02040503050406030204" pitchFamily="18" charset="0"/>
+                          </a:rPr>
+                          <m:t>𝑘</m:t>
+                        </m:r>
+                        <m:r>
+                          <a:rPr lang="en-US" b="0" i="1" smtClean="0">
+                            <a:latin typeface="Cambria Math" panose="02040503050406030204" pitchFamily="18" charset="0"/>
+                          </a:rPr>
+                          <m:t>+1)</m:t>
+                        </m:r>
+                      </m:num>
+                      <m:den>
+                        <m:r>
+                          <a:rPr lang="en-US" b="0" i="1" smtClean="0">
+                            <a:latin typeface="Cambria Math" panose="02040503050406030204" pitchFamily="18" charset="0"/>
+                          </a:rPr>
+                          <m:t>2</m:t>
+                        </m:r>
+                      </m:den>
+                    </m:f>
+                  </m:oMath>
+                </a14:m>
+                <a:endParaRPr lang="en-US" dirty="0"/>
+              </a:p>
+              <a:p>
+                <a:endParaRPr lang="en-US" dirty="0"/>
+              </a:p>
+              <a:p>
+                <a:r>
+                  <a:rPr lang="en-US" b="0" dirty="0"/>
+                  <a:t>Disrupt model: </a:t>
+                </a:r>
+                <a14:m>
+                  <m:oMath xmlns:m="http://schemas.openxmlformats.org/officeDocument/2006/math">
+                    <m:sSub>
+                      <m:sSubPr>
+                        <m:ctrlPr>
+                          <a:rPr lang="en-US" b="0" i="1" smtClean="0">
+                            <a:latin typeface="Cambria Math" panose="02040503050406030204" pitchFamily="18" charset="0"/>
+                          </a:rPr>
+                        </m:ctrlPr>
+                      </m:sSubPr>
+                      <m:e>
+                        <m:r>
+                          <a:rPr lang="en-US" b="0" i="1" smtClean="0">
+                            <a:latin typeface="Cambria Math" panose="02040503050406030204" pitchFamily="18" charset="0"/>
+                          </a:rPr>
+                          <m:t>𝜎</m:t>
+                        </m:r>
+                      </m:e>
+                      <m:sub>
+                        <m:r>
+                          <a:rPr lang="en-US" b="0" i="1" smtClean="0">
+                            <a:latin typeface="Cambria Math" panose="02040503050406030204" pitchFamily="18" charset="0"/>
+                          </a:rPr>
+                          <m:t>𝑖</m:t>
+                        </m:r>
+                      </m:sub>
+                    </m:sSub>
+                    <m:r>
+                      <a:rPr lang="en-US" b="0" i="1" smtClean="0">
+                        <a:latin typeface="Cambria Math" panose="02040503050406030204" pitchFamily="18" charset="0"/>
+                      </a:rPr>
+                      <m:t>=</m:t>
+                    </m:r>
+                    <m:sSup>
+                      <m:sSupPr>
+                        <m:ctrlPr>
+                          <a:rPr lang="en-US" b="0" i="1" smtClean="0">
+                            <a:latin typeface="Cambria Math" panose="02040503050406030204" pitchFamily="18" charset="0"/>
+                          </a:rPr>
+                        </m:ctrlPr>
+                      </m:sSupPr>
+                      <m:e>
+                        <m:r>
+                          <a:rPr lang="en-US" b="0" i="1" smtClean="0">
+                            <a:latin typeface="Cambria Math" panose="02040503050406030204" pitchFamily="18" charset="0"/>
+                          </a:rPr>
+                          <m:t>𝜎</m:t>
+                        </m:r>
+                      </m:e>
+                      <m:sup>
+                        <m:r>
+                          <a:rPr lang="en-US" b="0" i="1" smtClean="0">
+                            <a:latin typeface="Cambria Math" panose="02040503050406030204" pitchFamily="18" charset="0"/>
+                          </a:rPr>
+                          <m:t>𝑖</m:t>
+                        </m:r>
+                      </m:sup>
+                    </m:sSup>
+                  </m:oMath>
+                </a14:m>
+                <a:endParaRPr lang="en-US" dirty="0"/>
+              </a:p>
+              <a:p>
+                <a:endParaRPr lang="en-US" dirty="0"/>
+              </a:p>
+            </p:txBody>
+          </p:sp>
+        </mc:Choice>
+        <mc:Fallback xmlns="">
+          <p:sp>
+            <p:nvSpPr>
+              <p:cNvPr id="19" name="TextBox 18">
+                <a:extLst>
+                  <a:ext uri="{FF2B5EF4-FFF2-40B4-BE49-F238E27FC236}">
+                    <a16:creationId xmlns:a16="http://schemas.microsoft.com/office/drawing/2014/main" id="{8CAF8D03-0AD7-3BB1-1F5B-FF61349AC92E}"/>
+                  </a:ext>
+                </a:extLst>
+              </p:cNvPr>
+              <p:cNvSpPr txBox="1">
+                <a:spLocks noRot="1" noChangeAspect="1" noMove="1" noResize="1" noEditPoints="1" noAdjustHandles="1" noChangeArrowheads="1" noChangeShapeType="1" noTextEdit="1"/>
+              </p:cNvSpPr>
+              <p:nvPr/>
+            </p:nvSpPr>
+            <p:spPr>
+              <a:xfrm>
+                <a:off x="6256844" y="3489844"/>
+                <a:ext cx="4619187" cy="1808444"/>
+              </a:xfrm>
+              <a:prstGeom prst="rect">
+                <a:avLst/>
+              </a:prstGeom>
+              <a:blipFill>
+                <a:blip r:embed="rId8"/>
+                <a:stretch>
+                  <a:fillRect l="-3034" t="-4377"/>
+                </a:stretch>
+              </a:blipFill>
+            </p:spPr>
+            <p:txBody>
+              <a:bodyPr/>
+              <a:lstStyle/>
+              <a:p>
+                <a:r>
+                  <a:rPr lang="en-US">
+                    <a:noFill/>
+                  </a:rPr>
+                  <a:t> </a:t>
+                </a:r>
+              </a:p>
+            </p:txBody>
+          </p:sp>
+        </mc:Fallback>
+      </mc:AlternateContent>
+      <mc:AlternateContent xmlns:mc="http://schemas.openxmlformats.org/markup-compatibility/2006" xmlns:a14="http://schemas.microsoft.com/office/drawing/2010/main">
+        <mc:Choice Requires="a14">
+          <p:sp>
+            <p:nvSpPr>
+              <p:cNvPr id="20" name="TextBox 19">
+                <a:extLst>
+                  <a:ext uri="{FF2B5EF4-FFF2-40B4-BE49-F238E27FC236}">
+                    <a16:creationId xmlns:a16="http://schemas.microsoft.com/office/drawing/2014/main" id="{9BC34112-5178-F0CA-A731-F10A9FAFB56E}"/>
+                  </a:ext>
+                </a:extLst>
+              </p:cNvPr>
+              <p:cNvSpPr txBox="1"/>
+              <p:nvPr/>
+            </p:nvSpPr>
+            <p:spPr>
+              <a:xfrm>
+                <a:off x="6213422" y="4895289"/>
+                <a:ext cx="4729397" cy="1808444"/>
+              </a:xfrm>
+              <a:prstGeom prst="rect">
+                <a:avLst/>
+              </a:prstGeom>
+              <a:noFill/>
+            </p:spPr>
+            <p:txBody>
+              <a:bodyPr wrap="square" lIns="0" tIns="0" rIns="0" bIns="0" rtlCol="0">
+                <a:spAutoFit/>
+              </a:bodyPr>
+              <a:lstStyle/>
+              <a:p>
+                <a:r>
+                  <a:rPr lang="en-US" b="1" dirty="0"/>
+                  <a:t>Probability Assumption 2:</a:t>
+                </a:r>
+              </a:p>
+              <a:p>
+                <a:r>
+                  <a:rPr lang="en-US" dirty="0"/>
+                  <a:t>Needing more bites is increasingly unlikely</a:t>
+                </a:r>
+              </a:p>
+              <a:p>
+                <a:r>
+                  <a:rPr lang="en-US" dirty="0"/>
+                  <a:t>Fate model: </a:t>
+                </a:r>
+                <a14:m>
+                  <m:oMath xmlns:m="http://schemas.openxmlformats.org/officeDocument/2006/math">
+                    <m:sSub>
+                      <m:sSubPr>
+                        <m:ctrlPr>
+                          <a:rPr lang="en-US" i="1">
+                            <a:latin typeface="Cambria Math" panose="02040503050406030204" pitchFamily="18" charset="0"/>
+                          </a:rPr>
+                        </m:ctrlPr>
+                      </m:sSubPr>
+                      <m:e>
+                        <m:r>
+                          <a:rPr lang="en-US" i="1">
+                            <a:latin typeface="Cambria Math" panose="02040503050406030204" pitchFamily="18" charset="0"/>
+                          </a:rPr>
+                          <m:t>𝜅</m:t>
+                        </m:r>
+                      </m:e>
+                      <m:sub>
+                        <m:r>
+                          <a:rPr lang="en-US" i="1">
+                            <a:latin typeface="Cambria Math" panose="02040503050406030204" pitchFamily="18" charset="0"/>
+                          </a:rPr>
+                          <m:t>𝑖</m:t>
+                        </m:r>
+                      </m:sub>
+                    </m:sSub>
+                    <m:r>
+                      <a:rPr lang="en-US" i="1">
+                        <a:latin typeface="Cambria Math" panose="02040503050406030204" pitchFamily="18" charset="0"/>
+                      </a:rPr>
+                      <m:t>=</m:t>
+                    </m:r>
+                    <m:d>
+                      <m:dPr>
+                        <m:ctrlPr>
+                          <a:rPr lang="en-US" i="1">
+                            <a:latin typeface="Cambria Math" panose="02040503050406030204" pitchFamily="18" charset="0"/>
+                          </a:rPr>
+                        </m:ctrlPr>
+                      </m:dPr>
+                      <m:e>
+                        <m:f>
+                          <m:fPr>
+                            <m:ctrlPr>
+                              <a:rPr lang="en-US" i="1">
+                                <a:latin typeface="Cambria Math" panose="02040503050406030204" pitchFamily="18" charset="0"/>
+                              </a:rPr>
+                            </m:ctrlPr>
+                          </m:fPr>
+                          <m:num>
+                            <m:r>
+                              <a:rPr lang="en-US" i="1">
+                                <a:latin typeface="Cambria Math" panose="02040503050406030204" pitchFamily="18" charset="0"/>
+                              </a:rPr>
+                              <m:t>1</m:t>
+                            </m:r>
+                          </m:num>
+                          <m:den>
+                            <m:r>
+                              <a:rPr lang="en-US" i="1">
+                                <a:latin typeface="Cambria Math" panose="02040503050406030204" pitchFamily="18" charset="0"/>
+                              </a:rPr>
+                              <m:t>𝑘</m:t>
+                            </m:r>
+                            <m:r>
+                              <a:rPr lang="en-US" i="1">
+                                <a:latin typeface="Cambria Math" panose="02040503050406030204" pitchFamily="18" charset="0"/>
+                              </a:rPr>
+                              <m:t>−1 </m:t>
+                            </m:r>
+                          </m:den>
+                        </m:f>
+                      </m:e>
+                    </m:d>
+                    <m:d>
+                      <m:dPr>
+                        <m:ctrlPr>
+                          <a:rPr lang="en-US" i="1">
+                            <a:latin typeface="Cambria Math" panose="02040503050406030204" pitchFamily="18" charset="0"/>
+                          </a:rPr>
+                        </m:ctrlPr>
+                      </m:dPr>
+                      <m:e>
+                        <m:r>
+                          <a:rPr lang="en-US" i="1">
+                            <a:latin typeface="Cambria Math" panose="02040503050406030204" pitchFamily="18" charset="0"/>
+                          </a:rPr>
+                          <m:t>1−</m:t>
+                        </m:r>
+                        <m:f>
+                          <m:fPr>
+                            <m:ctrlPr>
+                              <a:rPr lang="en-US" i="1">
+                                <a:latin typeface="Cambria Math" panose="02040503050406030204" pitchFamily="18" charset="0"/>
+                              </a:rPr>
+                            </m:ctrlPr>
+                          </m:fPr>
+                          <m:num>
+                            <m:r>
+                              <a:rPr lang="en-US" i="1">
+                                <a:latin typeface="Cambria Math" panose="02040503050406030204" pitchFamily="18" charset="0"/>
+                              </a:rPr>
+                              <m:t>𝑖</m:t>
+                            </m:r>
+                          </m:num>
+                          <m:den>
+                            <m:r>
+                              <a:rPr lang="en-US" i="1">
+                                <a:latin typeface="Cambria Math" panose="02040503050406030204" pitchFamily="18" charset="0"/>
+                              </a:rPr>
+                              <m:t>𝑛</m:t>
+                            </m:r>
+                          </m:den>
+                        </m:f>
+                      </m:e>
+                    </m:d>
+                  </m:oMath>
+                </a14:m>
+                <a:r>
+                  <a:rPr lang="en-US" dirty="0"/>
+                  <a:t>, </a:t>
+                </a:r>
+                <a14:m>
+                  <m:oMath xmlns:m="http://schemas.openxmlformats.org/officeDocument/2006/math">
+                    <m:r>
+                      <a:rPr lang="en-US" i="1">
+                        <a:latin typeface="Cambria Math" panose="02040503050406030204" pitchFamily="18" charset="0"/>
+                      </a:rPr>
+                      <m:t>𝑛</m:t>
+                    </m:r>
+                    <m:r>
+                      <a:rPr lang="en-US" i="1">
+                        <a:latin typeface="Cambria Math" panose="02040503050406030204" pitchFamily="18" charset="0"/>
+                      </a:rPr>
+                      <m:t>=</m:t>
+                    </m:r>
+                    <m:f>
+                      <m:fPr>
+                        <m:ctrlPr>
+                          <a:rPr lang="en-US" i="1">
+                            <a:latin typeface="Cambria Math" panose="02040503050406030204" pitchFamily="18" charset="0"/>
+                          </a:rPr>
+                        </m:ctrlPr>
+                      </m:fPr>
+                      <m:num>
+                        <m:r>
+                          <a:rPr lang="en-US" i="1">
+                            <a:latin typeface="Cambria Math" panose="02040503050406030204" pitchFamily="18" charset="0"/>
+                          </a:rPr>
+                          <m:t>𝑘</m:t>
+                        </m:r>
+                        <m:r>
+                          <a:rPr lang="en-US" i="1">
+                            <a:latin typeface="Cambria Math" panose="02040503050406030204" pitchFamily="18" charset="0"/>
+                          </a:rPr>
+                          <m:t>(</m:t>
+                        </m:r>
+                        <m:r>
+                          <a:rPr lang="en-US" i="1">
+                            <a:latin typeface="Cambria Math" panose="02040503050406030204" pitchFamily="18" charset="0"/>
+                          </a:rPr>
+                          <m:t>𝑘</m:t>
+                        </m:r>
+                        <m:r>
+                          <a:rPr lang="en-US" i="1">
+                            <a:latin typeface="Cambria Math" panose="02040503050406030204" pitchFamily="18" charset="0"/>
+                          </a:rPr>
+                          <m:t>+1)</m:t>
+                        </m:r>
+                      </m:num>
+                      <m:den>
+                        <m:r>
+                          <a:rPr lang="en-US" i="1">
+                            <a:latin typeface="Cambria Math" panose="02040503050406030204" pitchFamily="18" charset="0"/>
+                          </a:rPr>
+                          <m:t>2</m:t>
+                        </m:r>
+                      </m:den>
+                    </m:f>
+                  </m:oMath>
+                </a14:m>
+                <a:endParaRPr lang="en-US" dirty="0"/>
+              </a:p>
+              <a:p>
+                <a:endParaRPr lang="en-US" dirty="0"/>
+              </a:p>
+              <a:p>
+                <a:r>
+                  <a:rPr lang="en-US" b="0" dirty="0"/>
+                  <a:t>Disrupt model: </a:t>
+                </a:r>
+                <a14:m>
+                  <m:oMath xmlns:m="http://schemas.openxmlformats.org/officeDocument/2006/math">
+                    <m:sSub>
+                      <m:sSubPr>
+                        <m:ctrlPr>
+                          <a:rPr lang="en-US" b="0" i="1" smtClean="0">
+                            <a:latin typeface="Cambria Math" panose="02040503050406030204" pitchFamily="18" charset="0"/>
+                          </a:rPr>
+                        </m:ctrlPr>
+                      </m:sSubPr>
+                      <m:e>
+                        <m:r>
+                          <a:rPr lang="en-US" b="0" i="1" smtClean="0">
+                            <a:latin typeface="Cambria Math" panose="02040503050406030204" pitchFamily="18" charset="0"/>
+                          </a:rPr>
+                          <m:t>𝜎</m:t>
+                        </m:r>
+                      </m:e>
+                      <m:sub>
+                        <m:r>
+                          <a:rPr lang="en-US" b="0" i="1" smtClean="0">
+                            <a:latin typeface="Cambria Math" panose="02040503050406030204" pitchFamily="18" charset="0"/>
+                          </a:rPr>
+                          <m:t>𝑖</m:t>
+                        </m:r>
+                      </m:sub>
+                    </m:sSub>
+                    <m:r>
+                      <a:rPr lang="en-US" b="0" i="1" smtClean="0">
+                        <a:latin typeface="Cambria Math" panose="02040503050406030204" pitchFamily="18" charset="0"/>
+                      </a:rPr>
+                      <m:t>=</m:t>
+                    </m:r>
+                    <m:sSup>
+                      <m:sSupPr>
+                        <m:ctrlPr>
+                          <a:rPr lang="en-US" b="0" i="1" smtClean="0">
+                            <a:latin typeface="Cambria Math" panose="02040503050406030204" pitchFamily="18" charset="0"/>
+                          </a:rPr>
+                        </m:ctrlPr>
+                      </m:sSupPr>
+                      <m:e>
+                        <m:r>
+                          <a:rPr lang="en-US" b="0" i="1" smtClean="0">
+                            <a:latin typeface="Cambria Math" panose="02040503050406030204" pitchFamily="18" charset="0"/>
+                          </a:rPr>
+                          <m:t>𝜎</m:t>
+                        </m:r>
+                      </m:e>
+                      <m:sup>
+                        <m:r>
+                          <a:rPr lang="en-US" b="0" i="1" smtClean="0">
+                            <a:latin typeface="Cambria Math" panose="02040503050406030204" pitchFamily="18" charset="0"/>
+                          </a:rPr>
+                          <m:t>𝑖</m:t>
+                        </m:r>
+                      </m:sup>
+                    </m:sSup>
+                  </m:oMath>
+                </a14:m>
+                <a:endParaRPr lang="en-US" dirty="0"/>
+              </a:p>
+              <a:p>
+                <a:endParaRPr lang="en-US" dirty="0"/>
+              </a:p>
+            </p:txBody>
+          </p:sp>
+        </mc:Choice>
+        <mc:Fallback xmlns="">
+          <p:sp>
+            <p:nvSpPr>
+              <p:cNvPr id="20" name="TextBox 19">
+                <a:extLst>
+                  <a:ext uri="{FF2B5EF4-FFF2-40B4-BE49-F238E27FC236}">
+                    <a16:creationId xmlns:a16="http://schemas.microsoft.com/office/drawing/2014/main" id="{9BC34112-5178-F0CA-A731-F10A9FAFB56E}"/>
+                  </a:ext>
+                </a:extLst>
+              </p:cNvPr>
+              <p:cNvSpPr txBox="1">
+                <a:spLocks noRot="1" noChangeAspect="1" noMove="1" noResize="1" noEditPoints="1" noAdjustHandles="1" noChangeArrowheads="1" noChangeShapeType="1" noTextEdit="1"/>
+              </p:cNvSpPr>
+              <p:nvPr/>
+            </p:nvSpPr>
+            <p:spPr>
+              <a:xfrm>
+                <a:off x="6213422" y="4895289"/>
+                <a:ext cx="4729397" cy="1808444"/>
+              </a:xfrm>
+              <a:prstGeom prst="rect">
+                <a:avLst/>
+              </a:prstGeom>
+              <a:blipFill>
+                <a:blip r:embed="rId9"/>
+                <a:stretch>
+                  <a:fillRect l="-2964" t="-4377"/>
+                </a:stretch>
+              </a:blipFill>
+            </p:spPr>
+            <p:txBody>
+              <a:bodyPr/>
+              <a:lstStyle/>
+              <a:p>
+                <a:r>
+                  <a:rPr lang="en-US">
+                    <a:noFill/>
+                  </a:rPr>
+                  <a:t> </a:t>
+                </a:r>
+              </a:p>
+            </p:txBody>
+          </p:sp>
+        </mc:Fallback>
+      </mc:AlternateContent>
+      <p:pic>
+        <p:nvPicPr>
+          <p:cNvPr id="4" name="Picture 3">
+            <a:extLst>
+              <a:ext uri="{FF2B5EF4-FFF2-40B4-BE49-F238E27FC236}">
+                <a16:creationId xmlns:a16="http://schemas.microsoft.com/office/drawing/2014/main" id="{FEE6D2C3-054A-47CD-1589-B2673A0BD804}"/>
+              </a:ext>
+            </a:extLst>
+          </p:cNvPr>
+          <p:cNvPicPr>
+            <a:picLocks noChangeAspect="1"/>
+          </p:cNvPicPr>
+          <p:nvPr/>
+        </p:nvPicPr>
+        <p:blipFill>
+          <a:blip r:embed="rId10"/>
+          <a:stretch>
+            <a:fillRect/>
+          </a:stretch>
+        </p:blipFill>
+        <p:spPr>
+          <a:xfrm>
+            <a:off x="1427270" y="4268982"/>
+            <a:ext cx="4438881" cy="472908"/>
+          </a:xfrm>
+          <a:prstGeom prst="rect">
+            <a:avLst/>
+          </a:prstGeom>
+        </p:spPr>
+      </p:pic>
+      <p:sp>
+        <p:nvSpPr>
+          <p:cNvPr id="2" name="Rectangle 1">
+            <a:extLst>
+              <a:ext uri="{FF2B5EF4-FFF2-40B4-BE49-F238E27FC236}">
+                <a16:creationId xmlns:a16="http://schemas.microsoft.com/office/drawing/2014/main" id="{F8BD23E0-EBF7-6ADF-373E-336AA1AD8EF7}"/>
+              </a:ext>
+            </a:extLst>
+          </p:cNvPr>
+          <p:cNvSpPr/>
+          <p:nvPr/>
+        </p:nvSpPr>
+        <p:spPr>
+          <a:xfrm>
+            <a:off x="1" y="2521324"/>
+            <a:ext cx="3793640" cy="472908"/>
+          </a:xfrm>
+          <a:prstGeom prst="rect">
+            <a:avLst/>
+          </a:prstGeom>
+          <a:noFill/>
+          <a:ln w="38100">
+            <a:solidFill>
+              <a:srgbClr val="FF0000"/>
+            </a:solidFill>
+          </a:ln>
+        </p:spPr>
+        <p:style>
+          <a:lnRef idx="2">
+            <a:schemeClr val="accent1">
+              <a:shade val="15000"/>
+            </a:schemeClr>
+          </a:lnRef>
+          <a:fillRef idx="1">
+            <a:schemeClr val="accent1"/>
+          </a:fillRef>
+          <a:effectRef idx="0">
+            <a:schemeClr val="accent1"/>
+          </a:effectRef>
+          <a:fontRef idx="minor">
+            <a:schemeClr val="lt1"/>
+          </a:fontRef>
+        </p:style>
+        <p:txBody>
+          <a:bodyPr rtlCol="0" anchor="ctr"/>
+          <a:lstStyle/>
+          <a:p>
+            <a:pPr algn="ctr"/>
+            <a:endParaRPr lang="en-US"/>
+          </a:p>
+        </p:txBody>
+      </p:sp>
+      <p:sp>
+        <p:nvSpPr>
+          <p:cNvPr id="6" name="TextBox 5">
+            <a:extLst>
+              <a:ext uri="{FF2B5EF4-FFF2-40B4-BE49-F238E27FC236}">
+                <a16:creationId xmlns:a16="http://schemas.microsoft.com/office/drawing/2014/main" id="{4309D06D-3B5E-1D64-4498-AD2D0A518549}"/>
+              </a:ext>
+            </a:extLst>
+          </p:cNvPr>
+          <p:cNvSpPr txBox="1"/>
+          <p:nvPr/>
+        </p:nvSpPr>
+        <p:spPr>
+          <a:xfrm>
+            <a:off x="212271" y="3819160"/>
+            <a:ext cx="3192720" cy="922729"/>
+          </a:xfrm>
+          <a:prstGeom prst="rect">
+            <a:avLst/>
+          </a:prstGeom>
+          <a:solidFill>
+            <a:schemeClr val="bg1"/>
+          </a:solidFill>
+          <a:ln>
+            <a:solidFill>
+              <a:srgbClr val="FF0000"/>
+            </a:solidFill>
+          </a:ln>
+        </p:spPr>
+        <p:txBody>
+          <a:bodyPr wrap="square" rtlCol="0" anchor="ctr">
+            <a:noAutofit/>
+          </a:bodyPr>
+          <a:lstStyle/>
+          <a:p>
+            <a:pPr algn="ctr"/>
+            <a:r>
+              <a:rPr lang="en-US" sz="3200" dirty="0"/>
+              <a:t>This case is impossible</a:t>
+            </a:r>
+          </a:p>
+        </p:txBody>
+      </p:sp>
+      <p:cxnSp>
+        <p:nvCxnSpPr>
+          <p:cNvPr id="9" name="Straight Arrow Connector 8">
+            <a:extLst>
+              <a:ext uri="{FF2B5EF4-FFF2-40B4-BE49-F238E27FC236}">
+                <a16:creationId xmlns:a16="http://schemas.microsoft.com/office/drawing/2014/main" id="{B58735AA-0FAE-3CD7-87A6-C49FD3679441}"/>
+              </a:ext>
+            </a:extLst>
+          </p:cNvPr>
+          <p:cNvCxnSpPr>
+            <a:cxnSpLocks/>
+            <a:stCxn id="6" idx="0"/>
+            <a:endCxn id="2" idx="2"/>
+          </p:cNvCxnSpPr>
+          <p:nvPr/>
+        </p:nvCxnSpPr>
+        <p:spPr>
+          <a:xfrm flipV="1">
+            <a:off x="1808631" y="2994232"/>
+            <a:ext cx="88190" cy="824928"/>
+          </a:xfrm>
+          <a:prstGeom prst="straightConnector1">
+            <a:avLst/>
+          </a:prstGeom>
+          <a:ln w="38100">
+            <a:solidFill>
+              <a:schemeClr val="tx1"/>
+            </a:solidFill>
+            <a:tailEnd type="triangle"/>
+          </a:ln>
+        </p:spPr>
+        <p:style>
+          <a:lnRef idx="1">
+            <a:schemeClr val="accent1"/>
+          </a:lnRef>
+          <a:fillRef idx="0">
+            <a:schemeClr val="accent1"/>
+          </a:fillRef>
+          <a:effectRef idx="0">
+            <a:schemeClr val="accent1"/>
+          </a:effectRef>
+          <a:fontRef idx="minor">
+            <a:schemeClr val="tx1"/>
+          </a:fontRef>
+        </p:style>
+      </p:cxnSp>
+      <p:sp>
+        <p:nvSpPr>
+          <p:cNvPr id="24" name="Rectangle 23">
+            <a:extLst>
+              <a:ext uri="{FF2B5EF4-FFF2-40B4-BE49-F238E27FC236}">
+                <a16:creationId xmlns:a16="http://schemas.microsoft.com/office/drawing/2014/main" id="{5A306BBF-1516-D967-157D-B79DF220EC5B}"/>
+              </a:ext>
+            </a:extLst>
+          </p:cNvPr>
+          <p:cNvSpPr/>
+          <p:nvPr/>
+        </p:nvSpPr>
+        <p:spPr>
+          <a:xfrm>
+            <a:off x="3971385" y="-240632"/>
+            <a:ext cx="8562083" cy="7466455"/>
+          </a:xfrm>
+          <a:prstGeom prst="rect">
+            <a:avLst/>
+          </a:prstGeom>
+          <a:solidFill>
+            <a:schemeClr val="bg1"/>
+          </a:solidFill>
+          <a:ln>
+            <a:noFill/>
+          </a:ln>
+        </p:spPr>
+        <p:style>
+          <a:lnRef idx="2">
+            <a:schemeClr val="accent1">
+              <a:shade val="15000"/>
+            </a:schemeClr>
+          </a:lnRef>
+          <a:fillRef idx="1">
+            <a:schemeClr val="accent1"/>
+          </a:fillRef>
+          <a:effectRef idx="0">
+            <a:schemeClr val="accent1"/>
+          </a:effectRef>
+          <a:fontRef idx="minor">
+            <a:schemeClr val="lt1"/>
+          </a:fontRef>
+        </p:style>
+        <p:txBody>
+          <a:bodyPr rtlCol="0" anchor="ctr"/>
+          <a:lstStyle/>
+          <a:p>
+            <a:pPr algn="ctr"/>
+            <a:endParaRPr lang="en-US" dirty="0"/>
+          </a:p>
+        </p:txBody>
+      </p:sp>
+      <p:pic>
+        <p:nvPicPr>
+          <p:cNvPr id="23" name="Picture 73">
+            <a:extLst>
+              <a:ext uri="{FF2B5EF4-FFF2-40B4-BE49-F238E27FC236}">
+                <a16:creationId xmlns:a16="http://schemas.microsoft.com/office/drawing/2014/main" id="{A4C65C2D-45B8-A766-49DE-875E0C45EFBA}"/>
+              </a:ext>
+            </a:extLst>
+          </p:cNvPr>
+          <p:cNvPicPr>
+            <a:picLocks noChangeAspect="1"/>
+          </p:cNvPicPr>
+          <p:nvPr/>
+        </p:nvPicPr>
+        <p:blipFill>
+          <a:blip r:embed="rId11">
+            <a:extLst>
+              <a:ext uri="{28A0092B-C50C-407E-A947-70E740481C1C}">
+                <a14:useLocalDpi xmlns:a14="http://schemas.microsoft.com/office/drawing/2010/main" val="0"/>
+              </a:ext>
+              <a:ext uri="{96DAC541-7B7A-43D3-8B79-37D633B846F1}">
+                <asvg:svgBlip xmlns:asvg="http://schemas.microsoft.com/office/drawing/2016/SVG/main" r:embed="rId12"/>
+              </a:ext>
+            </a:extLst>
+          </a:blip>
+          <a:srcRect/>
+          <a:stretch/>
+        </p:blipFill>
+        <p:spPr>
+          <a:xfrm>
+            <a:off x="3859628" y="3623659"/>
+            <a:ext cx="8387815" cy="1860297"/>
+          </a:xfrm>
+          <a:prstGeom prst="rect">
+            <a:avLst/>
+          </a:prstGeom>
+        </p:spPr>
+      </p:pic>
+      <p:sp>
+        <p:nvSpPr>
+          <p:cNvPr id="25" name="TextBox 24">
+            <a:extLst>
+              <a:ext uri="{FF2B5EF4-FFF2-40B4-BE49-F238E27FC236}">
+                <a16:creationId xmlns:a16="http://schemas.microsoft.com/office/drawing/2014/main" id="{E8A63689-3AFA-84B1-0922-9F9A7C68E6CF}"/>
+              </a:ext>
+            </a:extLst>
+          </p:cNvPr>
+          <p:cNvSpPr txBox="1"/>
+          <p:nvPr/>
+        </p:nvSpPr>
+        <p:spPr>
+          <a:xfrm>
+            <a:off x="4447620" y="2581276"/>
+            <a:ext cx="6557838" cy="923330"/>
+          </a:xfrm>
+          <a:prstGeom prst="rect">
+            <a:avLst/>
+          </a:prstGeom>
+          <a:noFill/>
+        </p:spPr>
+        <p:txBody>
+          <a:bodyPr wrap="square" rtlCol="0">
+            <a:spAutoFit/>
+          </a:bodyPr>
+          <a:lstStyle/>
+          <a:p>
+            <a:r>
+              <a:rPr lang="en-US" dirty="0"/>
+              <a:t>If the rates are all equal, </a:t>
+            </a:r>
+          </a:p>
+          <a:p>
+            <a:r>
+              <a:rPr lang="en-US" dirty="0"/>
+              <a:t>Then population sizes in the compartments must necessarily decrease as you move from left to right</a:t>
+            </a:r>
+          </a:p>
+        </p:txBody>
+      </p:sp>
+    </p:spTree>
+    <p:extLst>
+      <p:ext uri="{BB962C8B-B14F-4D97-AF65-F5344CB8AC3E}">
+        <p14:creationId xmlns:p14="http://schemas.microsoft.com/office/powerpoint/2010/main" val="2941096771"/>
+      </p:ext>
+    </p:extLst>
+  </p:cSld>
+  <p:clrMapOvr>
+    <a:masterClrMapping/>
+  </p:clrMapOvr>
+</p:sld>
+</file>
+
+<file path=ppt/slides/slide3.xml><?xml version="1.0" encoding="utf-8"?>
+<p:sld xmlns:a="http://schemas.openxmlformats.org/drawingml/2006/main" xmlns:r="http://schemas.openxmlformats.org/officeDocument/2006/relationships" xmlns:p="http://schemas.openxmlformats.org/presentationml/2006/main">
+  <p:cSld>
+    <p:spTree>
+      <p:nvGrpSpPr>
+        <p:cNvPr id="1" name=""/>
+        <p:cNvGrpSpPr/>
+        <p:nvPr/>
+      </p:nvGrpSpPr>
+      <p:grpSpPr>
+        <a:xfrm>
+          <a:off x="0" y="0"/>
+          <a:ext cx="0" cy="0"/>
+          <a:chOff x="0" y="0"/>
+          <a:chExt cx="0" cy="0"/>
+        </a:xfrm>
+      </p:grpSpPr>
+      <p:sp>
+        <p:nvSpPr>
+          <p:cNvPr id="2" name="Title 1">
+            <a:extLst>
+              <a:ext uri="{FF2B5EF4-FFF2-40B4-BE49-F238E27FC236}">
+                <a16:creationId xmlns:a16="http://schemas.microsoft.com/office/drawing/2014/main" id="{097B54DD-89A7-4356-01A8-3E369E2D4F46}"/>
+              </a:ext>
+            </a:extLst>
+          </p:cNvPr>
+          <p:cNvSpPr>
+            <a:spLocks noGrp="1"/>
+          </p:cNvSpPr>
+          <p:nvPr>
+            <p:ph type="title"/>
+          </p:nvPr>
+        </p:nvSpPr>
+        <p:spPr/>
+        <p:txBody>
+          <a:bodyPr/>
+          <a:lstStyle/>
+          <a:p>
+            <a:r>
+              <a:rPr lang="en-US" dirty="0"/>
+              <a:t>Drivers of multiple* blood feeding</a:t>
+            </a:r>
+          </a:p>
+        </p:txBody>
+      </p:sp>
+      <p:sp>
+        <p:nvSpPr>
+          <p:cNvPr id="3" name="Content Placeholder 2">
+            <a:extLst>
+              <a:ext uri="{FF2B5EF4-FFF2-40B4-BE49-F238E27FC236}">
+                <a16:creationId xmlns:a16="http://schemas.microsoft.com/office/drawing/2014/main" id="{A8820E1E-174B-E08D-42FC-0D953421A734}"/>
+              </a:ext>
+            </a:extLst>
+          </p:cNvPr>
+          <p:cNvSpPr>
+            <a:spLocks noGrp="1"/>
+          </p:cNvSpPr>
+          <p:nvPr>
+            <p:ph idx="1"/>
+          </p:nvPr>
+        </p:nvSpPr>
+        <p:spPr/>
+        <p:txBody>
+          <a:bodyPr>
+            <a:normAutofit/>
+          </a:bodyPr>
+          <a:lstStyle/>
+          <a:p>
+            <a:r>
+              <a:rPr lang="en-US" dirty="0"/>
+              <a:t>Larval conditions</a:t>
+            </a:r>
+          </a:p>
+          <a:p>
+            <a:pPr lvl="1"/>
+            <a:r>
+              <a:rPr lang="en-US" dirty="0"/>
+              <a:t>Less “healthy” adults may need multiple blood meals to obtain sufficient nutrients for egg formation and oviposition</a:t>
+            </a:r>
+          </a:p>
+          <a:p>
+            <a:r>
+              <a:rPr lang="en-US" dirty="0"/>
+              <a:t>Meal diversity</a:t>
+            </a:r>
+          </a:p>
+          <a:p>
+            <a:pPr lvl="1"/>
+            <a:r>
+              <a:rPr lang="en-US" dirty="0"/>
+              <a:t>Feeding on a variety of blood meal sources may lead to higher fecundity</a:t>
+            </a:r>
+          </a:p>
+          <a:p>
+            <a:r>
+              <a:rPr lang="en-US" dirty="0"/>
+              <a:t>Interruption by defensive behavior</a:t>
+            </a:r>
+          </a:p>
+          <a:p>
+            <a:pPr lvl="1"/>
+            <a:r>
+              <a:rPr lang="en-US" dirty="0"/>
+              <a:t>Defensive behaviors of animals can destroy mosquitoes</a:t>
+            </a:r>
+          </a:p>
+          <a:p>
+            <a:pPr lvl="1"/>
+            <a:r>
+              <a:rPr lang="en-US" dirty="0"/>
+              <a:t>Some animals feed on mosquitoes</a:t>
+            </a:r>
+          </a:p>
+          <a:p>
+            <a:pPr marL="457200" lvl="1" indent="0">
+              <a:buNone/>
+            </a:pPr>
+            <a:endParaRPr lang="en-US" dirty="0"/>
+          </a:p>
+          <a:p>
+            <a:pPr marL="0" indent="0">
+              <a:buNone/>
+            </a:pPr>
+            <a:r>
+              <a:rPr lang="en-US" sz="2000" dirty="0"/>
+              <a:t>*some authors differentiate between “multiple” and “interrupted” blood feeding</a:t>
+            </a:r>
+            <a:endParaRPr lang="en-US" dirty="0"/>
+          </a:p>
+          <a:p>
+            <a:endParaRPr lang="en-US" dirty="0"/>
+          </a:p>
+        </p:txBody>
+      </p:sp>
+    </p:spTree>
+    <p:extLst>
+      <p:ext uri="{BB962C8B-B14F-4D97-AF65-F5344CB8AC3E}">
+        <p14:creationId xmlns:p14="http://schemas.microsoft.com/office/powerpoint/2010/main" val="1106468187"/>
+      </p:ext>
+    </p:extLst>
+  </p:cSld>
+  <p:clrMapOvr>
+    <a:masterClrMapping/>
+  </p:clrMapOvr>
+</p:sld>
+</file>
+
+<file path=ppt/slides/slide30.xml><?xml version="1.0" encoding="utf-8"?>
 <p:sld xmlns:a="http://schemas.openxmlformats.org/drawingml/2006/main" xmlns:r="http://schemas.openxmlformats.org/officeDocument/2006/relationships" xmlns:p="http://schemas.openxmlformats.org/presentationml/2006/main">
   <p:cSld>
     <p:spTree>
@@ -27746,7 +30419,7 @@
 </p:sld>
 </file>
 
-<file path=ppt/slides/slide29.xml><?xml version="1.0" encoding="utf-8"?>
+<file path=ppt/slides/slide31.xml><?xml version="1.0" encoding="utf-8"?>
 <p:sld xmlns:a="http://schemas.openxmlformats.org/drawingml/2006/main" xmlns:r="http://schemas.openxmlformats.org/officeDocument/2006/relationships" xmlns:p="http://schemas.openxmlformats.org/presentationml/2006/main" show="0">
   <p:cSld>
     <p:spTree>
@@ -28355,154 +31028,7 @@
 </p:sld>
 </file>
 
-<file path=ppt/slides/slide3.xml><?xml version="1.0" encoding="utf-8"?>
-<p:sld xmlns:a="http://schemas.openxmlformats.org/drawingml/2006/main" xmlns:r="http://schemas.openxmlformats.org/officeDocument/2006/relationships" xmlns:p="http://schemas.openxmlformats.org/presentationml/2006/main">
-  <p:cSld>
-    <p:spTree>
-      <p:nvGrpSpPr>
-        <p:cNvPr id="1" name=""/>
-        <p:cNvGrpSpPr/>
-        <p:nvPr/>
-      </p:nvGrpSpPr>
-      <p:grpSpPr>
-        <a:xfrm>
-          <a:off x="0" y="0"/>
-          <a:ext cx="0" cy="0"/>
-          <a:chOff x="0" y="0"/>
-          <a:chExt cx="0" cy="0"/>
-        </a:xfrm>
-      </p:grpSpPr>
-      <p:sp>
-        <p:nvSpPr>
-          <p:cNvPr id="2" name="Title 1">
-            <a:extLst>
-              <a:ext uri="{FF2B5EF4-FFF2-40B4-BE49-F238E27FC236}">
-                <a16:creationId xmlns:a16="http://schemas.microsoft.com/office/drawing/2014/main" id="{097B54DD-89A7-4356-01A8-3E369E2D4F46}"/>
-              </a:ext>
-            </a:extLst>
-          </p:cNvPr>
-          <p:cNvSpPr>
-            <a:spLocks noGrp="1"/>
-          </p:cNvSpPr>
-          <p:nvPr>
-            <p:ph type="title"/>
-          </p:nvPr>
-        </p:nvSpPr>
-        <p:spPr/>
-        <p:txBody>
-          <a:bodyPr/>
-          <a:lstStyle/>
-          <a:p>
-            <a:r>
-              <a:rPr lang="en-US" dirty="0"/>
-              <a:t>Drivers of multiple* blood feeding</a:t>
-            </a:r>
-          </a:p>
-        </p:txBody>
-      </p:sp>
-      <p:sp>
-        <p:nvSpPr>
-          <p:cNvPr id="3" name="Content Placeholder 2">
-            <a:extLst>
-              <a:ext uri="{FF2B5EF4-FFF2-40B4-BE49-F238E27FC236}">
-                <a16:creationId xmlns:a16="http://schemas.microsoft.com/office/drawing/2014/main" id="{A8820E1E-174B-E08D-42FC-0D953421A734}"/>
-              </a:ext>
-            </a:extLst>
-          </p:cNvPr>
-          <p:cNvSpPr>
-            <a:spLocks noGrp="1"/>
-          </p:cNvSpPr>
-          <p:nvPr>
-            <p:ph idx="1"/>
-          </p:nvPr>
-        </p:nvSpPr>
-        <p:spPr/>
-        <p:txBody>
-          <a:bodyPr>
-            <a:normAutofit/>
-          </a:bodyPr>
-          <a:lstStyle/>
-          <a:p>
-            <a:r>
-              <a:rPr lang="en-US" dirty="0"/>
-              <a:t>Larval conditions</a:t>
-            </a:r>
-          </a:p>
-          <a:p>
-            <a:pPr lvl="1"/>
-            <a:r>
-              <a:rPr lang="en-US" dirty="0"/>
-              <a:t>Less “healthy” adults may need multiple blood meals to obtain sufficient nutrients for egg formation and oviposition</a:t>
-            </a:r>
-          </a:p>
-          <a:p>
-            <a:r>
-              <a:rPr lang="en-US" dirty="0"/>
-              <a:t>Meal diversity</a:t>
-            </a:r>
-          </a:p>
-          <a:p>
-            <a:pPr lvl="1"/>
-            <a:r>
-              <a:rPr lang="en-US" dirty="0"/>
-              <a:t>Feeding on a variety of blood meal sources may lead to higher fecundity</a:t>
-            </a:r>
-          </a:p>
-          <a:p>
-            <a:r>
-              <a:rPr lang="en-US" dirty="0"/>
-              <a:t>Interruption by defensive behavior</a:t>
-            </a:r>
-          </a:p>
-          <a:p>
-            <a:pPr lvl="1"/>
-            <a:r>
-              <a:rPr lang="en-US" dirty="0"/>
-              <a:t>Defensive behaviors of animals can destroy mosquitoes</a:t>
-            </a:r>
-          </a:p>
-          <a:p>
-            <a:pPr lvl="1"/>
-            <a:r>
-              <a:rPr lang="en-US" dirty="0"/>
-              <a:t>Some animals feed on mosquitoes</a:t>
-            </a:r>
-          </a:p>
-          <a:p>
-            <a:pPr marL="457200" lvl="1" indent="0">
-              <a:buNone/>
-            </a:pPr>
-            <a:endParaRPr lang="en-US" dirty="0"/>
-          </a:p>
-          <a:p>
-            <a:pPr marL="0" indent="0">
-              <a:buNone/>
-            </a:pPr>
-            <a:r>
-              <a:rPr lang="en-US" sz="2000" dirty="0"/>
-              <a:t>*some authors differentiate between “multiple” and “interrupted” blood feeding</a:t>
-            </a:r>
-            <a:endParaRPr lang="en-US" dirty="0"/>
-          </a:p>
-          <a:p>
-            <a:endParaRPr lang="en-US" dirty="0"/>
-          </a:p>
-        </p:txBody>
-      </p:sp>
-    </p:spTree>
-    <p:extLst>
-      <p:ext uri="{BB962C8B-B14F-4D97-AF65-F5344CB8AC3E}">
-        <p14:creationId xmlns:p14="http://schemas.microsoft.com/office/powerpoint/2010/main" val="1106468187"/>
-      </p:ext>
-    </p:extLst>
-  </p:cSld>
-  <p:clrMapOvr>
-    <a:masterClrMapping/>
-  </p:clrMapOvr>
-</p:sld>
-</file>
-
-<file path=ppt/slides/slide30.xml><?xml version="1.0" encoding="utf-8"?>
+<file path=ppt/slides/slide32.xml><?xml version="1.0" encoding="utf-8"?>
 <p:sld xmlns:a="http://schemas.openxmlformats.org/drawingml/2006/main" xmlns:r="http://schemas.openxmlformats.org/officeDocument/2006/relationships" xmlns:p="http://schemas.openxmlformats.org/presentationml/2006/main" show="0">
   <p:cSld>
     <p:spTree>
@@ -28806,7 +31332,7 @@
 </p:sld>
 </file>
 
-<file path=ppt/slides/slide31.xml><?xml version="1.0" encoding="utf-8"?>
+<file path=ppt/slides/slide33.xml><?xml version="1.0" encoding="utf-8"?>
 <p:sld xmlns:a="http://schemas.openxmlformats.org/drawingml/2006/main" xmlns:r="http://schemas.openxmlformats.org/officeDocument/2006/relationships" xmlns:p="http://schemas.openxmlformats.org/presentationml/2006/main" show="0">
   <p:cSld>
     <p:spTree>
@@ -28866,7 +31392,7 @@
 </p:sld>
 </file>
 
-<file path=ppt/slides/slide32.xml><?xml version="1.0" encoding="utf-8"?>
+<file path=ppt/slides/slide34.xml><?xml version="1.0" encoding="utf-8"?>
 <p:sld xmlns:a="http://schemas.openxmlformats.org/drawingml/2006/main" xmlns:r="http://schemas.openxmlformats.org/officeDocument/2006/relationships" xmlns:p="http://schemas.openxmlformats.org/presentationml/2006/main" show="0">
   <p:cSld>
     <p:spTree>
@@ -29046,7 +31572,7 @@
 </p:sld>
 </file>
 
-<file path=ppt/slides/slide33.xml><?xml version="1.0" encoding="utf-8"?>
+<file path=ppt/slides/slide35.xml><?xml version="1.0" encoding="utf-8"?>
 <p:sld xmlns:a="http://schemas.openxmlformats.org/drawingml/2006/main" xmlns:r="http://schemas.openxmlformats.org/officeDocument/2006/relationships" xmlns:p="http://schemas.openxmlformats.org/presentationml/2006/main" show="0">
   <p:cSld>
     <p:spTree>
@@ -29361,7 +31887,9 @@
         </p:nvSpPr>
         <p:spPr/>
         <p:txBody>
-          <a:bodyPr/>
+          <a:bodyPr>
+            <a:normAutofit lnSpcReduction="10000"/>
+          </a:bodyPr>
           <a:lstStyle/>
           <a:p>
             <a:r>
@@ -29389,6 +31917,15 @@
                 <a:sym typeface="Wingdings" panose="05000000000000000000" pitchFamily="2" charset="2"/>
               </a:rPr>
               <a:t>) in a single gonotrophic cycle</a:t>
+            </a:r>
+          </a:p>
+          <a:p>
+            <a:pPr lvl="1"/>
+            <a:r>
+              <a:rPr lang="en-US" dirty="0">
+                <a:sym typeface="Wingdings" panose="05000000000000000000" pitchFamily="2" charset="2"/>
+              </a:rPr>
+              <a:t>Earlier opportunities for transmission (decrease in time between to and from transmission)</a:t>
             </a:r>
           </a:p>
           <a:p>
@@ -29445,7 +31982,9 @@
         </p:nvSpPr>
         <p:spPr/>
         <p:txBody>
-          <a:bodyPr/>
+          <a:bodyPr>
+            <a:normAutofit lnSpcReduction="10000"/>
+          </a:bodyPr>
           <a:lstStyle/>
           <a:p>
             <a:r>
@@ -29538,7 +32077,7 @@
         <p:spPr/>
         <p:txBody>
           <a:bodyPr>
-            <a:normAutofit fontScale="85000" lnSpcReduction="20000"/>
+            <a:normAutofit fontScale="77500" lnSpcReduction="20000"/>
           </a:bodyPr>
           <a:lstStyle/>
           <a:p>
@@ -29635,6 +32174,16 @@
             <a:r>
               <a:rPr lang="en-US" dirty="0"/>
               <a:t>in regard to mosquito fitness</a:t>
+            </a:r>
+          </a:p>
+          <a:p>
+            <a:r>
+              <a:rPr lang="en-US" dirty="0" err="1"/>
+              <a:t>Tedrow</a:t>
+            </a:r>
+            <a:r>
+              <a:rPr lang="en-US" dirty="0"/>
+              <a:t> too</a:t>
             </a:r>
           </a:p>
           <a:p>
@@ -29767,7 +32316,7 @@
           <a:p>
             <a:r>
               <a:rPr lang="en-US" dirty="0"/>
-              <a:t>We aim to formalize how multiple blood feeding is represented in ODE models so that this process can be simulated as naturally as extrinsic incubation periods or other similar processes.</a:t>
+              <a:t>We aim to develop a framework for incorporating multiple blood feeding processes into ODE models in manner that allows for the fitting of parameters to data</a:t>
             </a:r>
           </a:p>
           <a:p>
@@ -29838,7 +32387,7 @@
           <p:cNvPr id="2" name="Title 1">
             <a:extLst>
               <a:ext uri="{FF2B5EF4-FFF2-40B4-BE49-F238E27FC236}">
-                <a16:creationId xmlns:a16="http://schemas.microsoft.com/office/drawing/2014/main" id="{7BDC7F48-6D9E-D41F-5B05-BA123490A95E}"/>
+                <a16:creationId xmlns:a16="http://schemas.microsoft.com/office/drawing/2014/main" id="{C53A537D-E6D3-7B7F-F9F1-D4676D8CE4F6}"/>
               </a:ext>
             </a:extLst>
           </p:cNvPr>
@@ -29856,141 +32405,390 @@
           <a:p>
             <a:r>
               <a:rPr lang="en-US" dirty="0"/>
-              <a:t>Case study models</a:t>
+              <a:t>General form of the case study models</a:t>
+            </a:r>
+          </a:p>
+        </p:txBody>
+      </p:sp>
+      <p:pic>
+        <p:nvPicPr>
+          <p:cNvPr id="13" name="Content Placeholder 12">
+            <a:extLst>
+              <a:ext uri="{FF2B5EF4-FFF2-40B4-BE49-F238E27FC236}">
+                <a16:creationId xmlns:a16="http://schemas.microsoft.com/office/drawing/2014/main" id="{EB1DCFDC-1CE6-8558-83F6-995DFD0BC373}"/>
+              </a:ext>
+            </a:extLst>
+          </p:cNvPr>
+          <p:cNvPicPr>
+            <a:picLocks noGrp="1" noChangeAspect="1"/>
+          </p:cNvPicPr>
+          <p:nvPr>
+            <p:ph idx="1"/>
+          </p:nvPr>
+        </p:nvPicPr>
+        <p:blipFill>
+          <a:blip r:embed="rId2">
+            <a:extLst>
+              <a:ext uri="{28A0092B-C50C-407E-A947-70E740481C1C}">
+                <a14:useLocalDpi xmlns:a14="http://schemas.microsoft.com/office/drawing/2010/main" val="0"/>
+              </a:ext>
+            </a:extLst>
+          </a:blip>
+          <a:srcRect/>
+          <a:stretch/>
+        </p:blipFill>
+        <p:spPr>
+          <a:xfrm>
+            <a:off x="1453638" y="1981771"/>
+            <a:ext cx="9284723" cy="4039045"/>
+          </a:xfrm>
+        </p:spPr>
+      </p:pic>
+      <p:sp>
+        <p:nvSpPr>
+          <p:cNvPr id="14" name="TextBox 13">
+            <a:extLst>
+              <a:ext uri="{FF2B5EF4-FFF2-40B4-BE49-F238E27FC236}">
+                <a16:creationId xmlns:a16="http://schemas.microsoft.com/office/drawing/2014/main" id="{BB6445AF-BF45-2A59-5070-A33AF2D40CDF}"/>
+              </a:ext>
+            </a:extLst>
+          </p:cNvPr>
+          <p:cNvSpPr txBox="1"/>
+          <p:nvPr/>
+        </p:nvSpPr>
+        <p:spPr>
+          <a:xfrm>
+            <a:off x="67849" y="2373682"/>
+            <a:ext cx="1540702" cy="646331"/>
+          </a:xfrm>
+          <a:prstGeom prst="rect">
+            <a:avLst/>
+          </a:prstGeom>
+          <a:noFill/>
+        </p:spPr>
+        <p:txBody>
+          <a:bodyPr wrap="square" rtlCol="0">
+            <a:spAutoFit/>
+          </a:bodyPr>
+          <a:lstStyle/>
+          <a:p>
+            <a:r>
+              <a:rPr lang="en-US" dirty="0"/>
+              <a:t>Larval or aquatic stages</a:t>
             </a:r>
           </a:p>
         </p:txBody>
       </p:sp>
       <p:sp>
         <p:nvSpPr>
-          <p:cNvPr id="3" name="Text Placeholder 2">
-            <a:extLst>
-              <a:ext uri="{FF2B5EF4-FFF2-40B4-BE49-F238E27FC236}">
-                <a16:creationId xmlns:a16="http://schemas.microsoft.com/office/drawing/2014/main" id="{AC30BC53-E5B4-A714-9E9E-196BA80CA219}"/>
-              </a:ext>
-            </a:extLst>
-          </p:cNvPr>
-          <p:cNvSpPr>
-            <a:spLocks noGrp="1"/>
-          </p:cNvSpPr>
-          <p:nvPr>
-            <p:ph type="body" idx="1"/>
-          </p:nvPr>
+          <p:cNvPr id="15" name="TextBox 14">
+            <a:extLst>
+              <a:ext uri="{FF2B5EF4-FFF2-40B4-BE49-F238E27FC236}">
+                <a16:creationId xmlns:a16="http://schemas.microsoft.com/office/drawing/2014/main" id="{85D48594-7149-C75B-0B53-9E8F59122485}"/>
+              </a:ext>
+            </a:extLst>
+          </p:cNvPr>
+          <p:cNvSpPr txBox="1"/>
+          <p:nvPr/>
         </p:nvSpPr>
-        <p:spPr/>
+        <p:spPr>
+          <a:xfrm>
+            <a:off x="67849" y="3793630"/>
+            <a:ext cx="1540702" cy="646331"/>
+          </a:xfrm>
+          <a:prstGeom prst="rect">
+            <a:avLst/>
+          </a:prstGeom>
+          <a:noFill/>
+        </p:spPr>
         <p:txBody>
-          <a:bodyPr/>
+          <a:bodyPr wrap="square" rtlCol="0">
+            <a:spAutoFit/>
+          </a:bodyPr>
           <a:lstStyle/>
           <a:p>
             <a:r>
               <a:rPr lang="en-US" dirty="0"/>
-              <a:t>Fate model</a:t>
+              <a:t>Blood-feeding stages</a:t>
             </a:r>
           </a:p>
         </p:txBody>
       </p:sp>
       <p:sp>
         <p:nvSpPr>
-          <p:cNvPr id="4" name="Content Placeholder 3">
-            <a:extLst>
-              <a:ext uri="{FF2B5EF4-FFF2-40B4-BE49-F238E27FC236}">
-                <a16:creationId xmlns:a16="http://schemas.microsoft.com/office/drawing/2014/main" id="{648106E9-7501-A2DB-273F-21FF390EC93A}"/>
-              </a:ext>
-            </a:extLst>
-          </p:cNvPr>
-          <p:cNvSpPr>
-            <a:spLocks noGrp="1"/>
-          </p:cNvSpPr>
-          <p:nvPr>
-            <p:ph sz="half" idx="2"/>
-          </p:nvPr>
+          <p:cNvPr id="16" name="TextBox 15">
+            <a:extLst>
+              <a:ext uri="{FF2B5EF4-FFF2-40B4-BE49-F238E27FC236}">
+                <a16:creationId xmlns:a16="http://schemas.microsoft.com/office/drawing/2014/main" id="{85ADCDD9-07D2-A4F5-DB96-0FD82EA3F8B1}"/>
+              </a:ext>
+            </a:extLst>
+          </p:cNvPr>
+          <p:cNvSpPr txBox="1"/>
+          <p:nvPr/>
         </p:nvSpPr>
-        <p:spPr/>
+        <p:spPr>
+          <a:xfrm>
+            <a:off x="-9607" y="4982572"/>
+            <a:ext cx="1540702" cy="646331"/>
+          </a:xfrm>
+          <a:prstGeom prst="rect">
+            <a:avLst/>
+          </a:prstGeom>
+          <a:noFill/>
+        </p:spPr>
         <p:txBody>
-          <a:bodyPr>
-            <a:normAutofit lnSpcReduction="10000"/>
+          <a:bodyPr wrap="square" rtlCol="0">
+            <a:spAutoFit/>
           </a:bodyPr>
           <a:lstStyle/>
           <a:p>
             <a:r>
               <a:rPr lang="en-US" dirty="0"/>
-              <a:t>The number of blood meals needed for repletion is determined at birth</a:t>
-            </a:r>
-          </a:p>
-          <a:p>
-            <a:r>
-              <a:rPr lang="en-US" dirty="0"/>
-              <a:t>This number depends on the conditions in which the larval mosquito was reared</a:t>
-            </a:r>
-          </a:p>
-          <a:p>
-            <a:r>
-              <a:rPr lang="en-US" dirty="0"/>
-              <a:t>Worse conditions lead to the need for multiple blood meals</a:t>
+              <a:t>Oviposition stage</a:t>
             </a:r>
           </a:p>
         </p:txBody>
       </p:sp>
       <p:sp>
         <p:nvSpPr>
-          <p:cNvPr id="5" name="Text Placeholder 4">
-            <a:extLst>
-              <a:ext uri="{FF2B5EF4-FFF2-40B4-BE49-F238E27FC236}">
-                <a16:creationId xmlns:a16="http://schemas.microsoft.com/office/drawing/2014/main" id="{B1B2F7AE-9B07-710D-116D-69CD534C40F5}"/>
-              </a:ext>
-            </a:extLst>
-          </p:cNvPr>
-          <p:cNvSpPr>
-            <a:spLocks noGrp="1"/>
-          </p:cNvSpPr>
-          <p:nvPr>
-            <p:ph type="body" sz="quarter" idx="3"/>
-          </p:nvPr>
+          <p:cNvPr id="17" name="Right Brace 16">
+            <a:extLst>
+              <a:ext uri="{FF2B5EF4-FFF2-40B4-BE49-F238E27FC236}">
+                <a16:creationId xmlns:a16="http://schemas.microsoft.com/office/drawing/2014/main" id="{5B7DD514-5880-73FD-64AA-5AF636A082CC}"/>
+              </a:ext>
+            </a:extLst>
+          </p:cNvPr>
+          <p:cNvSpPr/>
+          <p:nvPr/>
         </p:nvSpPr>
-        <p:spPr/>
+        <p:spPr>
+          <a:xfrm rot="16200000">
+            <a:off x="4847957" y="252944"/>
+            <a:ext cx="682995" cy="3558479"/>
+          </a:xfrm>
+          <a:prstGeom prst="rightBrace">
+            <a:avLst>
+              <a:gd name="adj1" fmla="val 62779"/>
+              <a:gd name="adj2" fmla="val 50000"/>
+            </a:avLst>
+          </a:prstGeom>
+          <a:ln w="38100">
+            <a:solidFill>
+              <a:schemeClr val="tx1"/>
+            </a:solidFill>
+          </a:ln>
+        </p:spPr>
+        <p:style>
+          <a:lnRef idx="1">
+            <a:schemeClr val="accent1"/>
+          </a:lnRef>
+          <a:fillRef idx="0">
+            <a:schemeClr val="accent1"/>
+          </a:fillRef>
+          <a:effectRef idx="0">
+            <a:schemeClr val="accent1"/>
+          </a:effectRef>
+          <a:fontRef idx="minor">
+            <a:schemeClr val="tx1"/>
+          </a:fontRef>
+        </p:style>
         <p:txBody>
-          <a:bodyPr/>
+          <a:bodyPr rtlCol="0" anchor="ctr"/>
           <a:lstStyle/>
           <a:p>
-            <a:r>
-              <a:rPr lang="en-US" dirty="0"/>
-              <a:t>Disrupt model</a:t>
-            </a:r>
+            <a:pPr algn="ctr"/>
+            <a:endParaRPr lang="en-US" dirty="0"/>
           </a:p>
         </p:txBody>
       </p:sp>
       <p:sp>
         <p:nvSpPr>
-          <p:cNvPr id="6" name="Content Placeholder 5">
-            <a:extLst>
-              <a:ext uri="{FF2B5EF4-FFF2-40B4-BE49-F238E27FC236}">
-                <a16:creationId xmlns:a16="http://schemas.microsoft.com/office/drawing/2014/main" id="{A2942D9B-CFE1-850F-2D89-430CB75C4A27}"/>
-              </a:ext>
-            </a:extLst>
-          </p:cNvPr>
-          <p:cNvSpPr>
-            <a:spLocks noGrp="1"/>
-          </p:cNvSpPr>
-          <p:nvPr>
-            <p:ph sz="quarter" idx="4"/>
-          </p:nvPr>
+          <p:cNvPr id="19" name="TextBox 18">
+            <a:extLst>
+              <a:ext uri="{FF2B5EF4-FFF2-40B4-BE49-F238E27FC236}">
+                <a16:creationId xmlns:a16="http://schemas.microsoft.com/office/drawing/2014/main" id="{FAB75253-41F9-8166-AD57-A6EDFF3CC1E2}"/>
+              </a:ext>
+            </a:extLst>
+          </p:cNvPr>
+          <p:cNvSpPr txBox="1"/>
+          <p:nvPr/>
         </p:nvSpPr>
-        <p:spPr/>
+        <p:spPr>
+          <a:xfrm>
+            <a:off x="4659159" y="1314763"/>
+            <a:ext cx="2873680" cy="369332"/>
+          </a:xfrm>
+          <a:prstGeom prst="rect">
+            <a:avLst/>
+          </a:prstGeom>
+          <a:noFill/>
+        </p:spPr>
         <p:txBody>
-          <a:bodyPr>
-            <a:normAutofit lnSpcReduction="10000"/>
+          <a:bodyPr wrap="square" rtlCol="0">
+            <a:spAutoFit/>
           </a:bodyPr>
           <a:lstStyle/>
           <a:p>
             <a:r>
               <a:rPr lang="en-US" dirty="0"/>
-              <a:t>The number of blood meals needed for repletion depends on feeding success, which may be limited by host defensive behaviors</a:t>
-            </a:r>
-          </a:p>
+              <a:t>Larval recruitment</a:t>
+            </a:r>
+          </a:p>
+        </p:txBody>
+      </p:sp>
+      <p:sp>
+        <p:nvSpPr>
+          <p:cNvPr id="20" name="TextBox 19">
+            <a:extLst>
+              <a:ext uri="{FF2B5EF4-FFF2-40B4-BE49-F238E27FC236}">
+                <a16:creationId xmlns:a16="http://schemas.microsoft.com/office/drawing/2014/main" id="{461FF733-116B-8642-9113-DAD108132CF1}"/>
+              </a:ext>
+            </a:extLst>
+          </p:cNvPr>
+          <p:cNvSpPr txBox="1"/>
+          <p:nvPr/>
+        </p:nvSpPr>
+        <p:spPr>
+          <a:xfrm>
+            <a:off x="3306872" y="3247373"/>
+            <a:ext cx="1954581" cy="646331"/>
+          </a:xfrm>
+          <a:prstGeom prst="rect">
+            <a:avLst/>
+          </a:prstGeom>
+          <a:noFill/>
+        </p:spPr>
+        <p:txBody>
+          <a:bodyPr wrap="square" rtlCol="0">
+            <a:spAutoFit/>
+          </a:bodyPr>
+          <a:lstStyle/>
           <a:p>
             <a:r>
               <a:rPr lang="en-US" dirty="0"/>
-              <a:t>At each feeding attempt, mosquitoes have some probability of feeding to repletion or requiring another blood meal</a:t>
+              <a:t>Larval development</a:t>
+            </a:r>
+          </a:p>
+        </p:txBody>
+      </p:sp>
+      <p:sp>
+        <p:nvSpPr>
+          <p:cNvPr id="21" name="Right Brace 20">
+            <a:extLst>
+              <a:ext uri="{FF2B5EF4-FFF2-40B4-BE49-F238E27FC236}">
+                <a16:creationId xmlns:a16="http://schemas.microsoft.com/office/drawing/2014/main" id="{A01C94C7-B5D9-292B-60D8-A86A30BEDDA6}"/>
+              </a:ext>
+            </a:extLst>
+          </p:cNvPr>
+          <p:cNvSpPr/>
+          <p:nvPr/>
+        </p:nvSpPr>
+        <p:spPr>
+          <a:xfrm rot="5400000">
+            <a:off x="4557124" y="4490171"/>
+            <a:ext cx="682995" cy="2789128"/>
+          </a:xfrm>
+          <a:prstGeom prst="rightBrace">
+            <a:avLst>
+              <a:gd name="adj1" fmla="val 62779"/>
+              <a:gd name="adj2" fmla="val 50000"/>
+            </a:avLst>
+          </a:prstGeom>
+          <a:ln w="38100">
+            <a:solidFill>
+              <a:schemeClr val="tx1"/>
+            </a:solidFill>
+          </a:ln>
+        </p:spPr>
+        <p:style>
+          <a:lnRef idx="1">
+            <a:schemeClr val="accent1"/>
+          </a:lnRef>
+          <a:fillRef idx="0">
+            <a:schemeClr val="accent1"/>
+          </a:fillRef>
+          <a:effectRef idx="0">
+            <a:schemeClr val="accent1"/>
+          </a:effectRef>
+          <a:fontRef idx="minor">
+            <a:schemeClr val="tx1"/>
+          </a:fontRef>
+        </p:style>
+        <p:txBody>
+          <a:bodyPr rtlCol="0" anchor="ctr"/>
+          <a:lstStyle/>
+          <a:p>
+            <a:pPr algn="ctr"/>
+            <a:endParaRPr lang="en-US" dirty="0"/>
+          </a:p>
+        </p:txBody>
+      </p:sp>
+      <p:sp>
+        <p:nvSpPr>
+          <p:cNvPr id="23" name="TextBox 22">
+            <a:extLst>
+              <a:ext uri="{FF2B5EF4-FFF2-40B4-BE49-F238E27FC236}">
+                <a16:creationId xmlns:a16="http://schemas.microsoft.com/office/drawing/2014/main" id="{29F32612-6455-E18A-931F-869CA9420AE3}"/>
+              </a:ext>
+            </a:extLst>
+          </p:cNvPr>
+          <p:cNvSpPr txBox="1"/>
+          <p:nvPr/>
+        </p:nvSpPr>
+        <p:spPr>
+          <a:xfrm>
+            <a:off x="3824613" y="6123543"/>
+            <a:ext cx="2873680" cy="646331"/>
+          </a:xfrm>
+          <a:prstGeom prst="rect">
+            <a:avLst/>
+          </a:prstGeom>
+          <a:noFill/>
+        </p:spPr>
+        <p:txBody>
+          <a:bodyPr wrap="square" rtlCol="0">
+            <a:spAutoFit/>
+          </a:bodyPr>
+          <a:lstStyle/>
+          <a:p>
+            <a:r>
+              <a:rPr lang="en-US" dirty="0"/>
+              <a:t>From blood-feeding to oviposition</a:t>
+            </a:r>
+          </a:p>
+        </p:txBody>
+      </p:sp>
+      <p:sp>
+        <p:nvSpPr>
+          <p:cNvPr id="25" name="TextBox 24">
+            <a:extLst>
+              <a:ext uri="{FF2B5EF4-FFF2-40B4-BE49-F238E27FC236}">
+                <a16:creationId xmlns:a16="http://schemas.microsoft.com/office/drawing/2014/main" id="{CE4B3F99-1278-62C0-31FC-E446B8018732}"/>
+              </a:ext>
+            </a:extLst>
+          </p:cNvPr>
+          <p:cNvSpPr txBox="1"/>
+          <p:nvPr/>
+        </p:nvSpPr>
+        <p:spPr>
+          <a:xfrm>
+            <a:off x="7018560" y="3198934"/>
+            <a:ext cx="2175873" cy="646331"/>
+          </a:xfrm>
+          <a:prstGeom prst="rect">
+            <a:avLst/>
+          </a:prstGeom>
+          <a:noFill/>
+        </p:spPr>
+        <p:txBody>
+          <a:bodyPr wrap="square" rtlCol="0">
+            <a:spAutoFit/>
+          </a:bodyPr>
+          <a:lstStyle/>
+          <a:p>
+            <a:r>
+              <a:rPr lang="en-US" dirty="0"/>
+              <a:t>Transitions within blood-feeding stages</a:t>
             </a:r>
           </a:p>
         </p:txBody>
@@ -29998,7 +32796,7 @@
     </p:spTree>
     <p:extLst>
       <p:ext uri="{BB962C8B-B14F-4D97-AF65-F5344CB8AC3E}">
-        <p14:creationId xmlns:p14="http://schemas.microsoft.com/office/powerpoint/2010/main" val="37176480"/>
+        <p14:creationId xmlns:p14="http://schemas.microsoft.com/office/powerpoint/2010/main" val="2530436767"/>
       </p:ext>
     </p:extLst>
   </p:cSld>
@@ -30030,7 +32828,7 @@
           <p:cNvPr id="2" name="Title 1">
             <a:extLst>
               <a:ext uri="{FF2B5EF4-FFF2-40B4-BE49-F238E27FC236}">
-                <a16:creationId xmlns:a16="http://schemas.microsoft.com/office/drawing/2014/main" id="{C53A537D-E6D3-7B7F-F9F1-D4676D8CE4F6}"/>
+                <a16:creationId xmlns:a16="http://schemas.microsoft.com/office/drawing/2014/main" id="{7BDC7F48-6D9E-D41F-5B05-BA123490A95E}"/>
               </a:ext>
             </a:extLst>
           </p:cNvPr>
@@ -30048,390 +32846,141 @@
           <a:p>
             <a:r>
               <a:rPr lang="en-US" dirty="0"/>
-              <a:t>General form of the case study models</a:t>
-            </a:r>
-          </a:p>
-        </p:txBody>
-      </p:sp>
-      <p:pic>
-        <p:nvPicPr>
-          <p:cNvPr id="13" name="Content Placeholder 12">
-            <a:extLst>
-              <a:ext uri="{FF2B5EF4-FFF2-40B4-BE49-F238E27FC236}">
-                <a16:creationId xmlns:a16="http://schemas.microsoft.com/office/drawing/2014/main" id="{EB1DCFDC-1CE6-8558-83F6-995DFD0BC373}"/>
-              </a:ext>
-            </a:extLst>
-          </p:cNvPr>
-          <p:cNvPicPr>
-            <a:picLocks noGrp="1" noChangeAspect="1"/>
-          </p:cNvPicPr>
-          <p:nvPr>
-            <p:ph idx="1"/>
-          </p:nvPr>
-        </p:nvPicPr>
-        <p:blipFill>
-          <a:blip r:embed="rId2">
-            <a:extLst>
-              <a:ext uri="{28A0092B-C50C-407E-A947-70E740481C1C}">
-                <a14:useLocalDpi xmlns:a14="http://schemas.microsoft.com/office/drawing/2010/main" val="0"/>
-              </a:ext>
-            </a:extLst>
-          </a:blip>
-          <a:srcRect/>
-          <a:stretch/>
-        </p:blipFill>
-        <p:spPr>
-          <a:xfrm>
-            <a:off x="1453638" y="1981771"/>
-            <a:ext cx="9284723" cy="4039045"/>
-          </a:xfrm>
-        </p:spPr>
-      </p:pic>
-      <p:sp>
-        <p:nvSpPr>
-          <p:cNvPr id="14" name="TextBox 13">
-            <a:extLst>
-              <a:ext uri="{FF2B5EF4-FFF2-40B4-BE49-F238E27FC236}">
-                <a16:creationId xmlns:a16="http://schemas.microsoft.com/office/drawing/2014/main" id="{BB6445AF-BF45-2A59-5070-A33AF2D40CDF}"/>
-              </a:ext>
-            </a:extLst>
-          </p:cNvPr>
-          <p:cNvSpPr txBox="1"/>
-          <p:nvPr/>
-        </p:nvSpPr>
-        <p:spPr>
-          <a:xfrm>
-            <a:off x="67849" y="2373682"/>
-            <a:ext cx="1540702" cy="646331"/>
-          </a:xfrm>
-          <a:prstGeom prst="rect">
-            <a:avLst/>
-          </a:prstGeom>
-          <a:noFill/>
-        </p:spPr>
-        <p:txBody>
-          <a:bodyPr wrap="square" rtlCol="0">
-            <a:spAutoFit/>
-          </a:bodyPr>
-          <a:lstStyle/>
-          <a:p>
-            <a:r>
-              <a:rPr lang="en-US" dirty="0"/>
-              <a:t>Larval or aquatic stages</a:t>
+              <a:t>Case study models</a:t>
             </a:r>
           </a:p>
         </p:txBody>
       </p:sp>
       <p:sp>
         <p:nvSpPr>
-          <p:cNvPr id="15" name="TextBox 14">
-            <a:extLst>
-              <a:ext uri="{FF2B5EF4-FFF2-40B4-BE49-F238E27FC236}">
-                <a16:creationId xmlns:a16="http://schemas.microsoft.com/office/drawing/2014/main" id="{85D48594-7149-C75B-0B53-9E8F59122485}"/>
-              </a:ext>
-            </a:extLst>
-          </p:cNvPr>
-          <p:cNvSpPr txBox="1"/>
-          <p:nvPr/>
+          <p:cNvPr id="3" name="Text Placeholder 2">
+            <a:extLst>
+              <a:ext uri="{FF2B5EF4-FFF2-40B4-BE49-F238E27FC236}">
+                <a16:creationId xmlns:a16="http://schemas.microsoft.com/office/drawing/2014/main" id="{AC30BC53-E5B4-A714-9E9E-196BA80CA219}"/>
+              </a:ext>
+            </a:extLst>
+          </p:cNvPr>
+          <p:cNvSpPr>
+            <a:spLocks noGrp="1"/>
+          </p:cNvSpPr>
+          <p:nvPr>
+            <p:ph type="body" idx="1"/>
+          </p:nvPr>
         </p:nvSpPr>
-        <p:spPr>
-          <a:xfrm>
-            <a:off x="67849" y="3793630"/>
-            <a:ext cx="1540702" cy="646331"/>
-          </a:xfrm>
-          <a:prstGeom prst="rect">
-            <a:avLst/>
-          </a:prstGeom>
-          <a:noFill/>
-        </p:spPr>
+        <p:spPr/>
         <p:txBody>
-          <a:bodyPr wrap="square" rtlCol="0">
-            <a:spAutoFit/>
-          </a:bodyPr>
+          <a:bodyPr/>
           <a:lstStyle/>
           <a:p>
             <a:r>
               <a:rPr lang="en-US" dirty="0"/>
-              <a:t>Blood-feeding stages</a:t>
+              <a:t>Fate model</a:t>
             </a:r>
           </a:p>
         </p:txBody>
       </p:sp>
       <p:sp>
         <p:nvSpPr>
-          <p:cNvPr id="16" name="TextBox 15">
-            <a:extLst>
-              <a:ext uri="{FF2B5EF4-FFF2-40B4-BE49-F238E27FC236}">
-                <a16:creationId xmlns:a16="http://schemas.microsoft.com/office/drawing/2014/main" id="{85ADCDD9-07D2-A4F5-DB96-0FD82EA3F8B1}"/>
-              </a:ext>
-            </a:extLst>
-          </p:cNvPr>
-          <p:cNvSpPr txBox="1"/>
-          <p:nvPr/>
+          <p:cNvPr id="4" name="Content Placeholder 3">
+            <a:extLst>
+              <a:ext uri="{FF2B5EF4-FFF2-40B4-BE49-F238E27FC236}">
+                <a16:creationId xmlns:a16="http://schemas.microsoft.com/office/drawing/2014/main" id="{648106E9-7501-A2DB-273F-21FF390EC93A}"/>
+              </a:ext>
+            </a:extLst>
+          </p:cNvPr>
+          <p:cNvSpPr>
+            <a:spLocks noGrp="1"/>
+          </p:cNvSpPr>
+          <p:nvPr>
+            <p:ph sz="half" idx="2"/>
+          </p:nvPr>
         </p:nvSpPr>
-        <p:spPr>
-          <a:xfrm>
-            <a:off x="-9607" y="4982572"/>
-            <a:ext cx="1540702" cy="646331"/>
-          </a:xfrm>
-          <a:prstGeom prst="rect">
-            <a:avLst/>
-          </a:prstGeom>
-          <a:noFill/>
-        </p:spPr>
+        <p:spPr/>
         <p:txBody>
-          <a:bodyPr wrap="square" rtlCol="0">
-            <a:spAutoFit/>
+          <a:bodyPr>
+            <a:normAutofit lnSpcReduction="10000"/>
           </a:bodyPr>
           <a:lstStyle/>
           <a:p>
             <a:r>
               <a:rPr lang="en-US" dirty="0"/>
-              <a:t>Oviposition stage</a:t>
+              <a:t>The number of blood meals needed for repletion is determined at birth</a:t>
+            </a:r>
+          </a:p>
+          <a:p>
+            <a:r>
+              <a:rPr lang="en-US" dirty="0"/>
+              <a:t>This number depends on the conditions in which the larval mosquito was reared</a:t>
+            </a:r>
+          </a:p>
+          <a:p>
+            <a:r>
+              <a:rPr lang="en-US" dirty="0"/>
+              <a:t>Worse conditions lead to the need for multiple blood meals</a:t>
             </a:r>
           </a:p>
         </p:txBody>
       </p:sp>
       <p:sp>
         <p:nvSpPr>
-          <p:cNvPr id="17" name="Right Brace 16">
-            <a:extLst>
-              <a:ext uri="{FF2B5EF4-FFF2-40B4-BE49-F238E27FC236}">
-                <a16:creationId xmlns:a16="http://schemas.microsoft.com/office/drawing/2014/main" id="{5B7DD514-5880-73FD-64AA-5AF636A082CC}"/>
-              </a:ext>
-            </a:extLst>
-          </p:cNvPr>
-          <p:cNvSpPr/>
-          <p:nvPr/>
+          <p:cNvPr id="5" name="Text Placeholder 4">
+            <a:extLst>
+              <a:ext uri="{FF2B5EF4-FFF2-40B4-BE49-F238E27FC236}">
+                <a16:creationId xmlns:a16="http://schemas.microsoft.com/office/drawing/2014/main" id="{B1B2F7AE-9B07-710D-116D-69CD534C40F5}"/>
+              </a:ext>
+            </a:extLst>
+          </p:cNvPr>
+          <p:cNvSpPr>
+            <a:spLocks noGrp="1"/>
+          </p:cNvSpPr>
+          <p:nvPr>
+            <p:ph type="body" sz="quarter" idx="3"/>
+          </p:nvPr>
         </p:nvSpPr>
-        <p:spPr>
-          <a:xfrm rot="16200000">
-            <a:off x="4847957" y="252944"/>
-            <a:ext cx="682995" cy="3558479"/>
-          </a:xfrm>
-          <a:prstGeom prst="rightBrace">
-            <a:avLst>
-              <a:gd name="adj1" fmla="val 62779"/>
-              <a:gd name="adj2" fmla="val 50000"/>
-            </a:avLst>
-          </a:prstGeom>
-          <a:ln w="38100">
-            <a:solidFill>
-              <a:schemeClr val="tx1"/>
-            </a:solidFill>
-          </a:ln>
-        </p:spPr>
-        <p:style>
-          <a:lnRef idx="1">
-            <a:schemeClr val="accent1"/>
-          </a:lnRef>
-          <a:fillRef idx="0">
-            <a:schemeClr val="accent1"/>
-          </a:fillRef>
-          <a:effectRef idx="0">
-            <a:schemeClr val="accent1"/>
-          </a:effectRef>
-          <a:fontRef idx="minor">
-            <a:schemeClr val="tx1"/>
-          </a:fontRef>
-        </p:style>
+        <p:spPr/>
         <p:txBody>
-          <a:bodyPr rtlCol="0" anchor="ctr"/>
+          <a:bodyPr/>
           <a:lstStyle/>
           <a:p>
-            <a:pPr algn="ctr"/>
-            <a:endParaRPr lang="en-US" dirty="0"/>
+            <a:r>
+              <a:rPr lang="en-US" dirty="0"/>
+              <a:t>Disrupt model</a:t>
+            </a:r>
           </a:p>
         </p:txBody>
       </p:sp>
       <p:sp>
         <p:nvSpPr>
-          <p:cNvPr id="19" name="TextBox 18">
-            <a:extLst>
-              <a:ext uri="{FF2B5EF4-FFF2-40B4-BE49-F238E27FC236}">
-                <a16:creationId xmlns:a16="http://schemas.microsoft.com/office/drawing/2014/main" id="{FAB75253-41F9-8166-AD57-A6EDFF3CC1E2}"/>
-              </a:ext>
-            </a:extLst>
-          </p:cNvPr>
-          <p:cNvSpPr txBox="1"/>
-          <p:nvPr/>
+          <p:cNvPr id="6" name="Content Placeholder 5">
+            <a:extLst>
+              <a:ext uri="{FF2B5EF4-FFF2-40B4-BE49-F238E27FC236}">
+                <a16:creationId xmlns:a16="http://schemas.microsoft.com/office/drawing/2014/main" id="{A2942D9B-CFE1-850F-2D89-430CB75C4A27}"/>
+              </a:ext>
+            </a:extLst>
+          </p:cNvPr>
+          <p:cNvSpPr>
+            <a:spLocks noGrp="1"/>
+          </p:cNvSpPr>
+          <p:nvPr>
+            <p:ph sz="quarter" idx="4"/>
+          </p:nvPr>
         </p:nvSpPr>
-        <p:spPr>
-          <a:xfrm>
-            <a:off x="4659159" y="1314763"/>
-            <a:ext cx="2873680" cy="369332"/>
-          </a:xfrm>
-          <a:prstGeom prst="rect">
-            <a:avLst/>
-          </a:prstGeom>
-          <a:noFill/>
-        </p:spPr>
+        <p:spPr/>
         <p:txBody>
-          <a:bodyPr wrap="square" rtlCol="0">
-            <a:spAutoFit/>
+          <a:bodyPr>
+            <a:normAutofit lnSpcReduction="10000"/>
           </a:bodyPr>
           <a:lstStyle/>
           <a:p>
             <a:r>
               <a:rPr lang="en-US" dirty="0"/>
-              <a:t>Larval recruitment</a:t>
-            </a:r>
-          </a:p>
-        </p:txBody>
-      </p:sp>
-      <p:sp>
-        <p:nvSpPr>
-          <p:cNvPr id="20" name="TextBox 19">
-            <a:extLst>
-              <a:ext uri="{FF2B5EF4-FFF2-40B4-BE49-F238E27FC236}">
-                <a16:creationId xmlns:a16="http://schemas.microsoft.com/office/drawing/2014/main" id="{461FF733-116B-8642-9113-DAD108132CF1}"/>
-              </a:ext>
-            </a:extLst>
-          </p:cNvPr>
-          <p:cNvSpPr txBox="1"/>
-          <p:nvPr/>
-        </p:nvSpPr>
-        <p:spPr>
-          <a:xfrm>
-            <a:off x="3306872" y="3247373"/>
-            <a:ext cx="1954581" cy="646331"/>
-          </a:xfrm>
-          <a:prstGeom prst="rect">
-            <a:avLst/>
-          </a:prstGeom>
-          <a:noFill/>
-        </p:spPr>
-        <p:txBody>
-          <a:bodyPr wrap="square" rtlCol="0">
-            <a:spAutoFit/>
-          </a:bodyPr>
-          <a:lstStyle/>
+              <a:t>The number of blood meals needed for repletion depends on feeding success, which may be limited by host defensive behaviors</a:t>
+            </a:r>
+          </a:p>
           <a:p>
             <a:r>
               <a:rPr lang="en-US" dirty="0"/>
-              <a:t>Larval development</a:t>
-            </a:r>
-          </a:p>
-        </p:txBody>
-      </p:sp>
-      <p:sp>
-        <p:nvSpPr>
-          <p:cNvPr id="21" name="Right Brace 20">
-            <a:extLst>
-              <a:ext uri="{FF2B5EF4-FFF2-40B4-BE49-F238E27FC236}">
-                <a16:creationId xmlns:a16="http://schemas.microsoft.com/office/drawing/2014/main" id="{A01C94C7-B5D9-292B-60D8-A86A30BEDDA6}"/>
-              </a:ext>
-            </a:extLst>
-          </p:cNvPr>
-          <p:cNvSpPr/>
-          <p:nvPr/>
-        </p:nvSpPr>
-        <p:spPr>
-          <a:xfrm rot="5400000">
-            <a:off x="4557124" y="4490171"/>
-            <a:ext cx="682995" cy="2789128"/>
-          </a:xfrm>
-          <a:prstGeom prst="rightBrace">
-            <a:avLst>
-              <a:gd name="adj1" fmla="val 62779"/>
-              <a:gd name="adj2" fmla="val 50000"/>
-            </a:avLst>
-          </a:prstGeom>
-          <a:ln w="38100">
-            <a:solidFill>
-              <a:schemeClr val="tx1"/>
-            </a:solidFill>
-          </a:ln>
-        </p:spPr>
-        <p:style>
-          <a:lnRef idx="1">
-            <a:schemeClr val="accent1"/>
-          </a:lnRef>
-          <a:fillRef idx="0">
-            <a:schemeClr val="accent1"/>
-          </a:fillRef>
-          <a:effectRef idx="0">
-            <a:schemeClr val="accent1"/>
-          </a:effectRef>
-          <a:fontRef idx="minor">
-            <a:schemeClr val="tx1"/>
-          </a:fontRef>
-        </p:style>
-        <p:txBody>
-          <a:bodyPr rtlCol="0" anchor="ctr"/>
-          <a:lstStyle/>
-          <a:p>
-            <a:pPr algn="ctr"/>
-            <a:endParaRPr lang="en-US" dirty="0"/>
-          </a:p>
-        </p:txBody>
-      </p:sp>
-      <p:sp>
-        <p:nvSpPr>
-          <p:cNvPr id="23" name="TextBox 22">
-            <a:extLst>
-              <a:ext uri="{FF2B5EF4-FFF2-40B4-BE49-F238E27FC236}">
-                <a16:creationId xmlns:a16="http://schemas.microsoft.com/office/drawing/2014/main" id="{29F32612-6455-E18A-931F-869CA9420AE3}"/>
-              </a:ext>
-            </a:extLst>
-          </p:cNvPr>
-          <p:cNvSpPr txBox="1"/>
-          <p:nvPr/>
-        </p:nvSpPr>
-        <p:spPr>
-          <a:xfrm>
-            <a:off x="3824613" y="6123543"/>
-            <a:ext cx="2873680" cy="646331"/>
-          </a:xfrm>
-          <a:prstGeom prst="rect">
-            <a:avLst/>
-          </a:prstGeom>
-          <a:noFill/>
-        </p:spPr>
-        <p:txBody>
-          <a:bodyPr wrap="square" rtlCol="0">
-            <a:spAutoFit/>
-          </a:bodyPr>
-          <a:lstStyle/>
-          <a:p>
-            <a:r>
-              <a:rPr lang="en-US" dirty="0"/>
-              <a:t>From blood-feeding to oviposition</a:t>
-            </a:r>
-          </a:p>
-        </p:txBody>
-      </p:sp>
-      <p:sp>
-        <p:nvSpPr>
-          <p:cNvPr id="25" name="TextBox 24">
-            <a:extLst>
-              <a:ext uri="{FF2B5EF4-FFF2-40B4-BE49-F238E27FC236}">
-                <a16:creationId xmlns:a16="http://schemas.microsoft.com/office/drawing/2014/main" id="{CE4B3F99-1278-62C0-31FC-E446B8018732}"/>
-              </a:ext>
-            </a:extLst>
-          </p:cNvPr>
-          <p:cNvSpPr txBox="1"/>
-          <p:nvPr/>
-        </p:nvSpPr>
-        <p:spPr>
-          <a:xfrm>
-            <a:off x="7018560" y="3198934"/>
-            <a:ext cx="2175873" cy="646331"/>
-          </a:xfrm>
-          <a:prstGeom prst="rect">
-            <a:avLst/>
-          </a:prstGeom>
-          <a:noFill/>
-        </p:spPr>
-        <p:txBody>
-          <a:bodyPr wrap="square" rtlCol="0">
-            <a:spAutoFit/>
-          </a:bodyPr>
-          <a:lstStyle/>
-          <a:p>
-            <a:r>
-              <a:rPr lang="en-US" dirty="0"/>
-              <a:t>Transitions within blood-feeding stages</a:t>
+              <a:t>At each feeding attempt, mosquitoes have some probability of feeding to repletion or requiring another blood meal</a:t>
             </a:r>
           </a:p>
         </p:txBody>
@@ -30439,7 +32988,7 @@
     </p:spTree>
     <p:extLst>
       <p:ext uri="{BB962C8B-B14F-4D97-AF65-F5344CB8AC3E}">
-        <p14:creationId xmlns:p14="http://schemas.microsoft.com/office/powerpoint/2010/main" val="2530436767"/>
+        <p14:creationId xmlns:p14="http://schemas.microsoft.com/office/powerpoint/2010/main" val="37176480"/>
       </p:ext>
     </p:extLst>
   </p:cSld>
